--- a/HW2/r10943181_HW2.pptx
+++ b/HW2/r10943181_HW2.pptx
@@ -11907,7 +11907,7 @@
             <p:spPr>
               <a:xfrm>
                 <a:off x="278909" y="2132856"/>
-                <a:ext cx="8586181" cy="2968185"/>
+                <a:ext cx="8586181" cy="4432047"/>
               </a:xfrm>
               <a:prstGeom prst="rect">
                 <a:avLst/>
@@ -11921,7 +11921,7 @@
               <a:lstStyle/>
               <a:p>
                 <a:r>
-                  <a:rPr kumimoji="1" lang="en-US" altLang="zh-TW" sz="1800" dirty="0"/>
+                  <a:rPr kumimoji="1" lang="en-US" altLang="zh-TW" sz="1600" dirty="0"/>
                   <a:t>(b)</a:t>
                 </a:r>
               </a:p>
@@ -11937,7 +11937,7 @@
                         <m:rPr>
                           <m:sty m:val="p"/>
                         </m:rPr>
-                        <a:rPr lang="en-US" altLang="zh-TW" sz="1800" i="1">
+                        <a:rPr lang="en-US" altLang="zh-TW" sz="1600" i="1">
                           <a:latin typeface="Cambria Math" panose="02040503050406030204" pitchFamily="18" charset="0"/>
                         </a:rPr>
                         <m:t>H</m:t>
@@ -11945,14 +11945,14 @@
                       <m:d>
                         <m:dPr>
                           <m:ctrlPr>
-                            <a:rPr kumimoji="1" lang="en-US" altLang="zh-TW" sz="1800" b="0" i="1" smtClean="0">
+                            <a:rPr kumimoji="1" lang="en-US" altLang="zh-TW" sz="1600" b="0" i="1" smtClean="0">
                               <a:latin typeface="Cambria Math" panose="02040503050406030204" pitchFamily="18" charset="0"/>
                             </a:rPr>
                           </m:ctrlPr>
                         </m:dPr>
                         <m:e>
                           <m:r>
-                            <a:rPr kumimoji="1" lang="en-US" altLang="zh-TW" sz="1800" b="0" i="1" smtClean="0">
+                            <a:rPr kumimoji="1" lang="en-US" altLang="zh-TW" sz="1600" b="0" i="1" smtClean="0">
                               <a:latin typeface="Cambria Math" panose="02040503050406030204" pitchFamily="18" charset="0"/>
                             </a:rPr>
                             <m:t>𝑧</m:t>
@@ -11960,7 +11960,7 @@
                         </m:e>
                       </m:d>
                       <m:r>
-                        <a:rPr kumimoji="1" lang="en-US" altLang="zh-TW" sz="1800" b="0" i="1" smtClean="0">
+                        <a:rPr kumimoji="1" lang="en-US" altLang="zh-TW" sz="1600" b="0" i="1" smtClean="0">
                           <a:latin typeface="Cambria Math" panose="02040503050406030204" pitchFamily="18" charset="0"/>
                         </a:rPr>
                         <m:t>=</m:t>
@@ -11968,14 +11968,14 @@
                       <m:f>
                         <m:fPr>
                           <m:ctrlPr>
-                            <a:rPr kumimoji="1" lang="en-US" altLang="zh-TW" sz="1800" b="0" i="1" smtClean="0">
+                            <a:rPr kumimoji="1" lang="en-US" altLang="zh-TW" sz="1600" b="0" i="1" smtClean="0">
                               <a:latin typeface="Cambria Math" panose="02040503050406030204" pitchFamily="18" charset="0"/>
                             </a:rPr>
                           </m:ctrlPr>
                         </m:fPr>
                         <m:num>
                           <m:r>
-                            <a:rPr kumimoji="1" lang="en-US" altLang="zh-TW" sz="1800" b="0" i="1" smtClean="0">
+                            <a:rPr kumimoji="1" lang="en-US" altLang="zh-TW" sz="1600" b="0" i="1" smtClean="0">
                               <a:latin typeface="Cambria Math" panose="02040503050406030204" pitchFamily="18" charset="0"/>
                             </a:rPr>
                             <m:t>2</m:t>
@@ -11983,14 +11983,14 @@
                           <m:sSup>
                             <m:sSupPr>
                               <m:ctrlPr>
-                                <a:rPr kumimoji="1" lang="en-US" altLang="zh-TW" sz="1800" b="0" i="1" smtClean="0">
+                                <a:rPr kumimoji="1" lang="en-US" altLang="zh-TW" sz="1600" b="0" i="1" smtClean="0">
                                   <a:latin typeface="Cambria Math" panose="02040503050406030204" pitchFamily="18" charset="0"/>
                                 </a:rPr>
                               </m:ctrlPr>
                             </m:sSupPr>
                             <m:e>
                               <m:r>
-                                <a:rPr kumimoji="1" lang="en-US" altLang="zh-TW" sz="1800" b="0" i="1" smtClean="0">
+                                <a:rPr kumimoji="1" lang="en-US" altLang="zh-TW" sz="1600" b="0" i="1" smtClean="0">
                                   <a:latin typeface="Cambria Math" panose="02040503050406030204" pitchFamily="18" charset="0"/>
                                 </a:rPr>
                                 <m:t>𝑧</m:t>
@@ -11998,7 +11998,7 @@
                             </m:e>
                             <m:sup>
                               <m:r>
-                                <a:rPr kumimoji="1" lang="en-US" altLang="zh-TW" sz="1800" b="0" i="1" smtClean="0">
+                                <a:rPr kumimoji="1" lang="en-US" altLang="zh-TW" sz="1600" b="0" i="1" smtClean="0">
                                   <a:latin typeface="Cambria Math" panose="02040503050406030204" pitchFamily="18" charset="0"/>
                                 </a:rPr>
                                 <m:t>4</m:t>
@@ -12006,7 +12006,7 @@
                             </m:sup>
                           </m:sSup>
                           <m:r>
-                            <a:rPr kumimoji="1" lang="en-US" altLang="zh-TW" sz="1800" b="0" i="1" smtClean="0">
+                            <a:rPr kumimoji="1" lang="en-US" altLang="zh-TW" sz="1600" b="0" i="1" smtClean="0">
                               <a:latin typeface="Cambria Math" panose="02040503050406030204" pitchFamily="18" charset="0"/>
                             </a:rPr>
                             <m:t>−2</m:t>
@@ -12014,14 +12014,14 @@
                           <m:sSup>
                             <m:sSupPr>
                               <m:ctrlPr>
-                                <a:rPr kumimoji="1" lang="en-US" altLang="zh-TW" sz="1800" b="0" i="1" smtClean="0">
+                                <a:rPr kumimoji="1" lang="en-US" altLang="zh-TW" sz="1600" b="0" i="1" smtClean="0">
                                   <a:latin typeface="Cambria Math" panose="02040503050406030204" pitchFamily="18" charset="0"/>
                                 </a:rPr>
                               </m:ctrlPr>
                             </m:sSupPr>
                             <m:e>
                               <m:r>
-                                <a:rPr kumimoji="1" lang="en-US" altLang="zh-TW" sz="1800" b="0" i="1" smtClean="0">
+                                <a:rPr kumimoji="1" lang="en-US" altLang="zh-TW" sz="1600" b="0" i="1" smtClean="0">
                                   <a:latin typeface="Cambria Math" panose="02040503050406030204" pitchFamily="18" charset="0"/>
                                 </a:rPr>
                                 <m:t>𝑧</m:t>
@@ -12029,7 +12029,7 @@
                             </m:e>
                             <m:sup>
                               <m:r>
-                                <a:rPr kumimoji="1" lang="en-US" altLang="zh-TW" sz="1800" b="0" i="1" smtClean="0">
+                                <a:rPr kumimoji="1" lang="en-US" altLang="zh-TW" sz="1600" b="0" i="1" smtClean="0">
                                   <a:latin typeface="Cambria Math" panose="02040503050406030204" pitchFamily="18" charset="0"/>
                                 </a:rPr>
                                 <m:t>3</m:t>
@@ -12037,7 +12037,7 @@
                             </m:sup>
                           </m:sSup>
                           <m:r>
-                            <a:rPr kumimoji="1" lang="en-US" altLang="zh-TW" sz="1800" b="0" i="1" smtClean="0">
+                            <a:rPr kumimoji="1" lang="en-US" altLang="zh-TW" sz="1600" b="0" i="1" smtClean="0">
                               <a:latin typeface="Cambria Math" panose="02040503050406030204" pitchFamily="18" charset="0"/>
                             </a:rPr>
                             <m:t>+3</m:t>
@@ -12045,14 +12045,14 @@
                           <m:sSup>
                             <m:sSupPr>
                               <m:ctrlPr>
-                                <a:rPr kumimoji="1" lang="en-US" altLang="zh-TW" sz="1800" b="0" i="1" smtClean="0">
+                                <a:rPr kumimoji="1" lang="en-US" altLang="zh-TW" sz="1600" b="0" i="1" smtClean="0">
                                   <a:latin typeface="Cambria Math" panose="02040503050406030204" pitchFamily="18" charset="0"/>
                                 </a:rPr>
                               </m:ctrlPr>
                             </m:sSupPr>
                             <m:e>
                               <m:r>
-                                <a:rPr kumimoji="1" lang="en-US" altLang="zh-TW" sz="1800" b="0" i="1" smtClean="0">
+                                <a:rPr kumimoji="1" lang="en-US" altLang="zh-TW" sz="1600" b="0" i="1" smtClean="0">
                                   <a:latin typeface="Cambria Math" panose="02040503050406030204" pitchFamily="18" charset="0"/>
                                 </a:rPr>
                                 <m:t>𝑧</m:t>
@@ -12060,7 +12060,7 @@
                             </m:e>
                             <m:sup>
                               <m:r>
-                                <a:rPr kumimoji="1" lang="en-US" altLang="zh-TW" sz="1800" b="0" i="1" smtClean="0">
+                                <a:rPr kumimoji="1" lang="en-US" altLang="zh-TW" sz="1600" b="0" i="1" smtClean="0">
                                   <a:latin typeface="Cambria Math" panose="02040503050406030204" pitchFamily="18" charset="0"/>
                                 </a:rPr>
                                 <m:t>2</m:t>
@@ -12068,19 +12068,19 @@
                             </m:sup>
                           </m:sSup>
                           <m:r>
-                            <a:rPr kumimoji="1" lang="en-US" altLang="zh-TW" sz="1800" b="0" i="1" smtClean="0">
+                            <a:rPr kumimoji="1" lang="en-US" altLang="zh-TW" sz="1600" b="0" i="1" smtClean="0">
                               <a:latin typeface="Cambria Math" panose="02040503050406030204" pitchFamily="18" charset="0"/>
                             </a:rPr>
                             <m:t>+</m:t>
                           </m:r>
                           <m:r>
-                            <a:rPr kumimoji="1" lang="en-US" altLang="zh-TW" sz="1800" b="0" i="1" smtClean="0">
+                            <a:rPr kumimoji="1" lang="en-US" altLang="zh-TW" sz="1600" b="0" i="1" smtClean="0">
                               <a:latin typeface="Cambria Math" panose="02040503050406030204" pitchFamily="18" charset="0"/>
                             </a:rPr>
                             <m:t>𝑧</m:t>
                           </m:r>
                           <m:r>
-                            <a:rPr kumimoji="1" lang="en-US" altLang="zh-TW" sz="1800" b="0" i="1" smtClean="0">
+                            <a:rPr kumimoji="1" lang="en-US" altLang="zh-TW" sz="1600" b="0" i="1" smtClean="0">
                               <a:latin typeface="Cambria Math" panose="02040503050406030204" pitchFamily="18" charset="0"/>
                             </a:rPr>
                             <m:t>−2</m:t>
@@ -12090,14 +12090,14 @@
                           <m:sSup>
                             <m:sSupPr>
                               <m:ctrlPr>
-                                <a:rPr kumimoji="1" lang="en-US" altLang="zh-TW" sz="1800" b="0" i="1" smtClean="0">
+                                <a:rPr kumimoji="1" lang="en-US" altLang="zh-TW" sz="1600" b="0" i="1" smtClean="0">
                                   <a:latin typeface="Cambria Math" panose="02040503050406030204" pitchFamily="18" charset="0"/>
                                 </a:rPr>
                               </m:ctrlPr>
                             </m:sSupPr>
                             <m:e>
                               <m:r>
-                                <a:rPr kumimoji="1" lang="en-US" altLang="zh-TW" sz="1800" b="0" i="1" smtClean="0">
+                                <a:rPr kumimoji="1" lang="en-US" altLang="zh-TW" sz="1600" b="0" i="1" smtClean="0">
                                   <a:latin typeface="Cambria Math" panose="02040503050406030204" pitchFamily="18" charset="0"/>
                                 </a:rPr>
                                 <m:t>𝑧</m:t>
@@ -12105,7 +12105,7 @@
                             </m:e>
                             <m:sup>
                               <m:r>
-                                <a:rPr kumimoji="1" lang="en-US" altLang="zh-TW" sz="1800" b="0" i="1" smtClean="0">
+                                <a:rPr kumimoji="1" lang="en-US" altLang="zh-TW" sz="1600" b="0" i="1" smtClean="0">
                                   <a:latin typeface="Cambria Math" panose="02040503050406030204" pitchFamily="18" charset="0"/>
                                 </a:rPr>
                                 <m:t>2</m:t>
@@ -12113,19 +12113,19 @@
                             </m:sup>
                           </m:sSup>
                           <m:r>
-                            <a:rPr kumimoji="1" lang="en-US" altLang="zh-TW" sz="1800" b="0" i="1" smtClean="0">
+                            <a:rPr kumimoji="1" lang="en-US" altLang="zh-TW" sz="1600" b="0" i="1" smtClean="0">
                               <a:latin typeface="Cambria Math" panose="02040503050406030204" pitchFamily="18" charset="0"/>
                             </a:rPr>
                             <m:t>+0.2</m:t>
                           </m:r>
                           <m:r>
-                            <a:rPr kumimoji="1" lang="en-US" altLang="zh-TW" sz="1800" b="0" i="1" smtClean="0">
+                            <a:rPr kumimoji="1" lang="en-US" altLang="zh-TW" sz="1600" b="0" i="1" smtClean="0">
                               <a:latin typeface="Cambria Math" panose="02040503050406030204" pitchFamily="18" charset="0"/>
                             </a:rPr>
                             <m:t>𝑧</m:t>
                           </m:r>
                           <m:r>
-                            <a:rPr kumimoji="1" lang="en-US" altLang="zh-TW" sz="1800" b="0" i="1" smtClean="0">
+                            <a:rPr kumimoji="1" lang="en-US" altLang="zh-TW" sz="1600" b="0" i="1" smtClean="0">
                               <a:latin typeface="Cambria Math" panose="02040503050406030204" pitchFamily="18" charset="0"/>
                             </a:rPr>
                             <m:t>−0.24</m:t>
@@ -12133,7 +12133,7 @@
                         </m:den>
                       </m:f>
                       <m:r>
-                        <a:rPr kumimoji="1" lang="en-US" altLang="zh-TW" sz="1800" b="0" i="1" smtClean="0">
+                        <a:rPr kumimoji="1" lang="en-US" altLang="zh-TW" sz="1600" b="0" i="1" smtClean="0">
                           <a:latin typeface="Cambria Math" panose="02040503050406030204" pitchFamily="18" charset="0"/>
                         </a:rPr>
                         <m:t>=</m:t>
@@ -12141,63 +12141,38 @@
                       <m:f>
                         <m:fPr>
                           <m:ctrlPr>
-                            <a:rPr kumimoji="1" lang="en-US" altLang="zh-TW" sz="1800" b="0" i="1" smtClean="0">
+                            <a:rPr kumimoji="1" lang="en-US" altLang="zh-TW" sz="1600" b="0" i="1" smtClean="0">
                               <a:latin typeface="Cambria Math" panose="02040503050406030204" pitchFamily="18" charset="0"/>
                             </a:rPr>
                           </m:ctrlPr>
                         </m:fPr>
                         <m:num>
                           <m:r>
-                            <a:rPr lang="en-US" altLang="zh-TW" sz="1800" i="1">
+                            <a:rPr lang="en-US" altLang="zh-TW" sz="1600" i="1">
                               <a:latin typeface="Cambria Math" panose="02040503050406030204" pitchFamily="18" charset="0"/>
                             </a:rPr>
                             <m:t>2</m:t>
                           </m:r>
-                          <m:sSup>
-                            <m:sSupPr>
-                              <m:ctrlPr>
-                                <a:rPr lang="en-US" altLang="zh-TW" sz="1800" i="1" smtClean="0">
-                                  <a:latin typeface="Cambria Math" panose="02040503050406030204" pitchFamily="18" charset="0"/>
-                                </a:rPr>
-                              </m:ctrlPr>
-                            </m:sSupPr>
-                            <m:e>
-                              <m:r>
-                                <a:rPr lang="en-US" altLang="zh-TW" sz="1800" b="0" i="1" smtClean="0">
-                                  <a:latin typeface="Cambria Math" panose="02040503050406030204" pitchFamily="18" charset="0"/>
-                                </a:rPr>
-                                <m:t>𝑧</m:t>
-                              </m:r>
-                            </m:e>
-                            <m:sup>
-                              <m:r>
-                                <a:rPr lang="en-US" altLang="zh-TW" sz="1800" b="0" i="1" smtClean="0">
-                                  <a:latin typeface="Cambria Math" panose="02040503050406030204" pitchFamily="18" charset="0"/>
-                                </a:rPr>
-                                <m:t>2</m:t>
-                              </m:r>
-                            </m:sup>
-                          </m:sSup>
                           <m:r>
-                            <a:rPr lang="en-US" altLang="zh-TW" sz="1800" i="1" smtClean="0">
+                            <a:rPr lang="en-US" altLang="zh-TW" sz="1600" i="1" smtClean="0">
                               <a:latin typeface="Cambria Math" panose="02040503050406030204" pitchFamily="18" charset="0"/>
                             </a:rPr>
                             <m:t> </m:t>
                           </m:r>
                           <m:r>
-                            <a:rPr lang="en-US" altLang="zh-TW" sz="1800" i="1">
+                            <a:rPr lang="en-US" altLang="zh-TW" sz="1600" i="1">
                               <a:latin typeface="Cambria Math" panose="02040503050406030204" pitchFamily="18" charset="0"/>
                             </a:rPr>
                             <m:t>(</m:t>
                           </m:r>
                           <m:r>
-                            <a:rPr lang="en-US" altLang="zh-TW" sz="1800" b="0" i="1" smtClean="0">
-                              <a:latin typeface="Cambria Math" panose="02040503050406030204" pitchFamily="18" charset="0"/>
-                            </a:rPr>
-                            <m:t>1</m:t>
+                            <a:rPr lang="en-US" altLang="zh-TW" sz="1600" b="0" i="1" smtClean="0">
+                              <a:latin typeface="Cambria Math" panose="02040503050406030204" pitchFamily="18" charset="0"/>
+                            </a:rPr>
+                            <m:t>𝑧</m:t>
                           </m:r>
                           <m:r>
-                            <a:rPr lang="en-US" altLang="zh-TW" sz="1800" i="1">
+                            <a:rPr lang="en-US" altLang="zh-TW" sz="1600" i="1">
                               <a:latin typeface="Cambria Math" panose="02040503050406030204" pitchFamily="18" charset="0"/>
                             </a:rPr>
                             <m:t>−</m:t>
@@ -12206,7 +12181,7 @@
                             <m:radPr>
                               <m:degHide m:val="on"/>
                               <m:ctrlPr>
-                                <a:rPr lang="en-US" altLang="zh-TW" sz="1800" i="1">
+                                <a:rPr lang="en-US" altLang="zh-TW" sz="1600" i="1">
                                   <a:latin typeface="Cambria Math" panose="02040503050406030204" pitchFamily="18" charset="0"/>
                                 </a:rPr>
                               </m:ctrlPr>
@@ -12214,52 +12189,33 @@
                             <m:deg/>
                             <m:e>
                               <m:r>
-                                <a:rPr lang="en-US" altLang="zh-TW" sz="1800" i="1">
+                                <a:rPr lang="en-US" altLang="zh-TW" sz="1600" i="1">
                                   <a:latin typeface="Cambria Math" panose="02040503050406030204" pitchFamily="18" charset="0"/>
                                 </a:rPr>
                                 <m:t>0.5</m:t>
                               </m:r>
                             </m:e>
                           </m:rad>
-                          <m:sSup>
-                            <m:sSupPr>
-                              <m:ctrlPr>
-                                <a:rPr lang="en-US" altLang="zh-TW" sz="1800" i="1">
-                                  <a:latin typeface="Cambria Math" panose="02040503050406030204" pitchFamily="18" charset="0"/>
-                                </a:rPr>
-                              </m:ctrlPr>
-                            </m:sSupPr>
-                            <m:e>
-                              <m:r>
-                                <a:rPr lang="en-US" altLang="zh-TW" sz="1800" i="1">
-                                  <a:latin typeface="Cambria Math" panose="02040503050406030204" pitchFamily="18" charset="0"/>
-                                </a:rPr>
-                                <m:t>𝑧</m:t>
-                              </m:r>
-                            </m:e>
-                            <m:sup>
-                              <m:r>
-                                <a:rPr lang="en-US" altLang="zh-TW" sz="1800" i="1">
-                                  <a:latin typeface="Cambria Math" panose="02040503050406030204" pitchFamily="18" charset="0"/>
-                                </a:rPr>
-                                <m:t>−1</m:t>
-                              </m:r>
-                            </m:sup>
-                          </m:sSup>
                           <m:r>
-                            <a:rPr lang="en-US" altLang="zh-TW" sz="1800" b="0" i="1" smtClean="0">
+                            <a:rPr lang="en-US" altLang="zh-TW" sz="1600" b="0" i="1" smtClean="0">
                               <a:latin typeface="Cambria Math" panose="02040503050406030204" pitchFamily="18" charset="0"/>
                             </a:rPr>
                             <m:t>)</m:t>
                           </m:r>
                           <m:r>
-                            <a:rPr lang="en-US" altLang="zh-TW" sz="1800" i="1">
-                              <a:latin typeface="Cambria Math" panose="02040503050406030204" pitchFamily="18" charset="0"/>
-                            </a:rPr>
-                            <m:t> (1</m:t>
+                            <a:rPr lang="en-US" altLang="zh-TW" sz="1600" i="1">
+                              <a:latin typeface="Cambria Math" panose="02040503050406030204" pitchFamily="18" charset="0"/>
+                            </a:rPr>
+                            <m:t> (</m:t>
                           </m:r>
                           <m:r>
-                            <a:rPr lang="en-US" altLang="zh-TW" sz="1800" b="0" i="1" smtClean="0">
+                            <a:rPr lang="en-US" altLang="zh-TW" sz="1600" b="0" i="1" smtClean="0">
+                              <a:latin typeface="Cambria Math" panose="02040503050406030204" pitchFamily="18" charset="0"/>
+                            </a:rPr>
+                            <m:t>𝑧</m:t>
+                          </m:r>
+                          <m:r>
+                            <a:rPr lang="en-US" altLang="zh-TW" sz="1600" b="0" i="1" smtClean="0">
                               <a:latin typeface="Cambria Math" panose="02040503050406030204" pitchFamily="18" charset="0"/>
                             </a:rPr>
                             <m:t>+</m:t>
@@ -12268,7 +12224,7 @@
                             <m:radPr>
                               <m:degHide m:val="on"/>
                               <m:ctrlPr>
-                                <a:rPr lang="en-US" altLang="zh-TW" sz="1800" i="1">
+                                <a:rPr lang="en-US" altLang="zh-TW" sz="1600" i="1">
                                   <a:latin typeface="Cambria Math" panose="02040503050406030204" pitchFamily="18" charset="0"/>
                                 </a:rPr>
                               </m:ctrlPr>
@@ -12276,184 +12232,782 @@
                             <m:deg/>
                             <m:e>
                               <m:r>
-                                <a:rPr lang="en-US" altLang="zh-TW" sz="1800" i="1">
+                                <a:rPr lang="en-US" altLang="zh-TW" sz="1600" i="1">
                                   <a:latin typeface="Cambria Math" panose="02040503050406030204" pitchFamily="18" charset="0"/>
                                 </a:rPr>
                                 <m:t>0.5</m:t>
                               </m:r>
                             </m:e>
                           </m:rad>
-                          <m:sSup>
-                            <m:sSupPr>
+                          <m:r>
+                            <a:rPr lang="en-US" altLang="zh-TW" sz="1600" i="1">
+                              <a:latin typeface="Cambria Math" panose="02040503050406030204" pitchFamily="18" charset="0"/>
+                            </a:rPr>
+                            <m:t>)</m:t>
+                          </m:r>
+                          <m:r>
+                            <a:rPr lang="en-US" altLang="zh-TW" sz="1600" i="1" smtClean="0">
+                              <a:latin typeface="Cambria Math" panose="02040503050406030204" pitchFamily="18" charset="0"/>
+                            </a:rPr>
+                            <m:t>(</m:t>
+                          </m:r>
+                          <m:r>
+                            <a:rPr lang="en-US" altLang="zh-TW" sz="1600" b="0" i="1" smtClean="0">
+                              <a:latin typeface="Cambria Math" panose="02040503050406030204" pitchFamily="18" charset="0"/>
+                            </a:rPr>
+                            <m:t>𝑧</m:t>
+                          </m:r>
+                          <m:r>
+                            <a:rPr lang="en-US" altLang="zh-TW" sz="1600" i="1">
+                              <a:latin typeface="Cambria Math" panose="02040503050406030204" pitchFamily="18" charset="0"/>
+                            </a:rPr>
+                            <m:t>−</m:t>
+                          </m:r>
+                          <m:r>
+                            <a:rPr lang="en-US" altLang="zh-TW" sz="1600" i="1">
+                              <a:latin typeface="Cambria Math" panose="02040503050406030204" pitchFamily="18" charset="0"/>
+                            </a:rPr>
+                            <m:t>(0.5</m:t>
+                          </m:r>
+                          <m:r>
+                            <a:rPr lang="en-US" altLang="zh-TW" sz="1600" b="0" i="1" smtClean="0">
+                              <a:latin typeface="Cambria Math" panose="02040503050406030204" pitchFamily="18" charset="0"/>
+                            </a:rPr>
+                            <m:t>+</m:t>
+                          </m:r>
+                          <m:f>
+                            <m:fPr>
                               <m:ctrlPr>
-                                <a:rPr lang="en-US" altLang="zh-TW" sz="1800" i="1">
+                                <a:rPr lang="en-US" altLang="zh-TW" sz="1600" i="1">
                                   <a:latin typeface="Cambria Math" panose="02040503050406030204" pitchFamily="18" charset="0"/>
                                 </a:rPr>
                               </m:ctrlPr>
-                            </m:sSupPr>
-                            <m:e>
+                            </m:fPr>
+                            <m:num>
+                              <m:rad>
+                                <m:radPr>
+                                  <m:degHide m:val="on"/>
+                                  <m:ctrlPr>
+                                    <a:rPr lang="en-US" altLang="zh-TW" sz="1600" i="1">
+                                      <a:latin typeface="Cambria Math" panose="02040503050406030204" pitchFamily="18" charset="0"/>
+                                    </a:rPr>
+                                  </m:ctrlPr>
+                                </m:radPr>
+                                <m:deg/>
+                                <m:e>
+                                  <m:r>
+                                    <a:rPr lang="en-US" altLang="zh-TW" sz="1600" i="1">
+                                      <a:latin typeface="Cambria Math" panose="02040503050406030204" pitchFamily="18" charset="0"/>
+                                    </a:rPr>
+                                    <m:t>7</m:t>
+                                  </m:r>
+                                </m:e>
+                              </m:rad>
+                            </m:num>
+                            <m:den>
                               <m:r>
-                                <a:rPr lang="en-US" altLang="zh-TW" sz="1800" i="1">
+                                <a:rPr lang="en-US" altLang="zh-TW" sz="1600" i="1">
                                   <a:latin typeface="Cambria Math" panose="02040503050406030204" pitchFamily="18" charset="0"/>
                                 </a:rPr>
-                                <m:t>𝑧</m:t>
+                                <m:t>2</m:t>
                               </m:r>
-                            </m:e>
-                            <m:sup>
-                              <m:r>
-                                <a:rPr lang="en-US" altLang="zh-TW" sz="1800" i="1">
-                                  <a:latin typeface="Cambria Math" panose="02040503050406030204" pitchFamily="18" charset="0"/>
-                                </a:rPr>
-                                <m:t>−1</m:t>
-                              </m:r>
-                            </m:sup>
-                          </m:sSup>
+                            </m:den>
+                          </m:f>
                           <m:r>
-                            <a:rPr lang="en-US" altLang="zh-TW" sz="1800" i="1">
-                              <a:latin typeface="Cambria Math" panose="02040503050406030204" pitchFamily="18" charset="0"/>
-                            </a:rPr>
-                            <m:t>)(1−</m:t>
+                            <a:rPr lang="en-US" altLang="zh-TW" sz="1600" i="1">
+                              <a:latin typeface="Cambria Math" panose="02040503050406030204" pitchFamily="18" charset="0"/>
+                            </a:rPr>
+                            <m:t>𝑖</m:t>
                           </m:r>
-                          <m:d>
-                            <m:dPr>
+                          <m:r>
+                            <a:rPr lang="en-US" altLang="zh-TW" sz="1600" i="1">
+                              <a:latin typeface="Cambria Math" panose="02040503050406030204" pitchFamily="18" charset="0"/>
+                            </a:rPr>
+                            <m:t>))(</m:t>
+                          </m:r>
+                          <m:r>
+                            <a:rPr lang="en-US" altLang="zh-TW" sz="1600" b="0" i="1" smtClean="0">
+                              <a:latin typeface="Cambria Math" panose="02040503050406030204" pitchFamily="18" charset="0"/>
+                            </a:rPr>
+                            <m:t>𝑧</m:t>
+                          </m:r>
+                          <m:r>
+                            <a:rPr lang="en-US" altLang="zh-TW" sz="1600" i="1">
+                              <a:latin typeface="Cambria Math" panose="02040503050406030204" pitchFamily="18" charset="0"/>
+                            </a:rPr>
+                            <m:t>−</m:t>
+                          </m:r>
+                          <m:r>
+                            <a:rPr lang="en-US" altLang="zh-TW" sz="1600" i="1">
+                              <a:latin typeface="Cambria Math" panose="02040503050406030204" pitchFamily="18" charset="0"/>
+                            </a:rPr>
+                            <m:t>(0.5−</m:t>
+                          </m:r>
+                          <m:f>
+                            <m:fPr>
                               <m:ctrlPr>
-                                <a:rPr lang="en-US" altLang="zh-TW" sz="1800" i="1">
+                                <a:rPr lang="en-US" altLang="zh-TW" sz="1600" i="1">
                                   <a:latin typeface="Cambria Math" panose="02040503050406030204" pitchFamily="18" charset="0"/>
                                 </a:rPr>
                               </m:ctrlPr>
-                            </m:dPr>
-                            <m:e>
-                              <m:d>
-                                <m:dPr>
+                            </m:fPr>
+                            <m:num>
+                              <m:rad>
+                                <m:radPr>
+                                  <m:degHide m:val="on"/>
                                   <m:ctrlPr>
-                                    <a:rPr lang="en-US" altLang="zh-TW" sz="1800" b="0" i="1" smtClean="0">
+                                    <a:rPr lang="en-US" altLang="zh-TW" sz="1600" i="1">
                                       <a:latin typeface="Cambria Math" panose="02040503050406030204" pitchFamily="18" charset="0"/>
                                     </a:rPr>
                                   </m:ctrlPr>
-                                </m:dPr>
+                                </m:radPr>
+                                <m:deg/>
                                 <m:e>
                                   <m:r>
-                                    <a:rPr lang="en-US" altLang="zh-TW" sz="1800" b="0" i="1" smtClean="0">
+                                    <a:rPr lang="en-US" altLang="zh-TW" sz="1600" i="1">
                                       <a:latin typeface="Cambria Math" panose="02040503050406030204" pitchFamily="18" charset="0"/>
                                     </a:rPr>
-                                    <m:t>0.5+</m:t>
+                                    <m:t>7</m:t>
                                   </m:r>
-                                  <m:f>
-                                    <m:fPr>
-                                      <m:ctrlPr>
-                                        <a:rPr lang="en-US" altLang="zh-TW" sz="1800" b="0" i="1" smtClean="0">
-                                          <a:latin typeface="Cambria Math" panose="02040503050406030204" pitchFamily="18" charset="0"/>
-                                        </a:rPr>
-                                      </m:ctrlPr>
-                                    </m:fPr>
-                                    <m:num>
-                                      <m:rad>
-                                        <m:radPr>
-                                          <m:degHide m:val="on"/>
-                                          <m:ctrlPr>
-                                            <a:rPr lang="en-US" altLang="zh-TW" sz="1800" b="0" i="1" smtClean="0">
-                                              <a:latin typeface="Cambria Math" panose="02040503050406030204" pitchFamily="18" charset="0"/>
-                                            </a:rPr>
-                                          </m:ctrlPr>
-                                        </m:radPr>
-                                        <m:deg/>
-                                        <m:e>
-                                          <m:r>
-                                            <a:rPr lang="en-US" altLang="zh-TW" sz="1800" b="0" i="1" smtClean="0">
-                                              <a:latin typeface="Cambria Math" panose="02040503050406030204" pitchFamily="18" charset="0"/>
-                                            </a:rPr>
-                                            <m:t>7</m:t>
-                                          </m:r>
-                                        </m:e>
-                                      </m:rad>
-                                    </m:num>
-                                    <m:den>
-                                      <m:r>
-                                        <a:rPr lang="en-US" altLang="zh-TW" sz="1800" b="0" i="1" smtClean="0">
-                                          <a:latin typeface="Cambria Math" panose="02040503050406030204" pitchFamily="18" charset="0"/>
-                                        </a:rPr>
-                                        <m:t>2</m:t>
-                                      </m:r>
-                                    </m:den>
-                                  </m:f>
-                                  <m:r>
-                                    <a:rPr lang="en-US" altLang="zh-TW" sz="1800" b="0" i="1" smtClean="0">
+                                </m:e>
+                              </m:rad>
+                            </m:num>
+                            <m:den>
+                              <m:r>
+                                <a:rPr lang="en-US" altLang="zh-TW" sz="1600" i="1">
+                                  <a:latin typeface="Cambria Math" panose="02040503050406030204" pitchFamily="18" charset="0"/>
+                                </a:rPr>
+                                <m:t>2</m:t>
+                              </m:r>
+                            </m:den>
+                          </m:f>
+                          <m:r>
+                            <a:rPr lang="en-US" altLang="zh-TW" sz="1600" i="1">
+                              <a:latin typeface="Cambria Math" panose="02040503050406030204" pitchFamily="18" charset="0"/>
+                            </a:rPr>
+                            <m:t>𝑖</m:t>
+                          </m:r>
+                          <m:r>
+                            <a:rPr lang="en-US" altLang="zh-TW" sz="1600" i="1">
+                              <a:latin typeface="Cambria Math" panose="02040503050406030204" pitchFamily="18" charset="0"/>
+                            </a:rPr>
+                            <m:t>)</m:t>
+                          </m:r>
+                          <m:r>
+                            <m:rPr>
+                              <m:nor/>
+                            </m:rPr>
+                            <a:rPr lang="en-US" altLang="zh-TW" sz="1600" dirty="0"/>
+                            <m:t> </m:t>
+                          </m:r>
+                          <m:r>
+                            <a:rPr lang="en-US" altLang="zh-TW" sz="1600" i="1">
+                              <a:latin typeface="Cambria Math" panose="02040503050406030204" pitchFamily="18" charset="0"/>
+                            </a:rPr>
+                            <m:t>)</m:t>
+                          </m:r>
+                        </m:num>
+                        <m:den>
+                          <m:r>
+                            <a:rPr lang="en-US" altLang="zh-TW" sz="1600" i="1">
+                              <a:latin typeface="Cambria Math" panose="02040503050406030204" pitchFamily="18" charset="0"/>
+                            </a:rPr>
+                            <m:t>(</m:t>
+                          </m:r>
+                          <m:r>
+                            <a:rPr lang="en-US" altLang="zh-TW" sz="1600" b="0" i="1" smtClean="0">
+                              <a:latin typeface="Cambria Math" panose="02040503050406030204" pitchFamily="18" charset="0"/>
+                            </a:rPr>
+                            <m:t>𝑧</m:t>
+                          </m:r>
+                          <m:r>
+                            <a:rPr lang="en-US" altLang="zh-TW" sz="1600" b="0" i="1" smtClean="0">
+                              <a:latin typeface="Cambria Math" panose="02040503050406030204" pitchFamily="18" charset="0"/>
+                            </a:rPr>
+                            <m:t>−0.4)</m:t>
+                          </m:r>
+                          <m:r>
+                            <a:rPr lang="en-US" altLang="zh-TW" sz="1600" i="1">
+                              <a:latin typeface="Cambria Math" panose="02040503050406030204" pitchFamily="18" charset="0"/>
+                            </a:rPr>
+                            <m:t>(</m:t>
+                          </m:r>
+                          <m:r>
+                            <a:rPr lang="en-US" altLang="zh-TW" sz="1600" b="0" i="1" smtClean="0">
+                              <a:latin typeface="Cambria Math" panose="02040503050406030204" pitchFamily="18" charset="0"/>
+                            </a:rPr>
+                            <m:t>𝑧</m:t>
+                          </m:r>
+                          <m:r>
+                            <a:rPr lang="en-US" altLang="zh-TW" sz="1600" b="0" i="1" smtClean="0">
+                              <a:latin typeface="Cambria Math" panose="02040503050406030204" pitchFamily="18" charset="0"/>
+                            </a:rPr>
+                            <m:t>+</m:t>
+                          </m:r>
+                          <m:r>
+                            <a:rPr lang="en-US" altLang="zh-TW" sz="1600" i="1">
+                              <a:latin typeface="Cambria Math" panose="02040503050406030204" pitchFamily="18" charset="0"/>
+                            </a:rPr>
+                            <m:t>0.</m:t>
+                          </m:r>
+                          <m:r>
+                            <a:rPr lang="en-US" altLang="zh-TW" sz="1600" b="0" i="1" smtClean="0">
+                              <a:latin typeface="Cambria Math" panose="02040503050406030204" pitchFamily="18" charset="0"/>
+                            </a:rPr>
+                            <m:t>6)</m:t>
+                          </m:r>
+                        </m:den>
+                      </m:f>
+                    </m:oMath>
+                  </m:oMathPara>
+                </a14:m>
+                <a:endParaRPr kumimoji="1" lang="en-US" altLang="zh-TW" sz="1600" dirty="0"/>
+              </a:p>
+              <a:p>
+                <a:pPr/>
+                <a:endParaRPr lang="en-US" altLang="zh-TW" sz="1600" dirty="0"/>
+              </a:p>
+              <a:p>
+                <a14:m>
+                  <m:oMathPara xmlns:m="http://schemas.openxmlformats.org/officeDocument/2006/math">
+                    <m:oMathParaPr>
+                      <m:jc m:val="centerGroup"/>
+                    </m:oMathParaPr>
+                    <m:oMath xmlns:m="http://schemas.openxmlformats.org/officeDocument/2006/math">
+                      <m:d>
+                        <m:dPr>
+                          <m:ctrlPr>
+                            <a:rPr lang="en-US" altLang="zh-TW" sz="1600" i="1">
+                              <a:latin typeface="Cambria Math" panose="02040503050406030204" pitchFamily="18" charset="0"/>
+                            </a:rPr>
+                          </m:ctrlPr>
+                        </m:dPr>
+                        <m:e>
+                          <m:r>
+                            <a:rPr lang="en-US" altLang="zh-TW" sz="1600" i="1">
+                              <a:latin typeface="Cambria Math" panose="02040503050406030204" pitchFamily="18" charset="0"/>
+                            </a:rPr>
+                            <m:t>0.5</m:t>
+                          </m:r>
+                          <m:r>
+                            <a:rPr lang="en-US" altLang="zh-TW" sz="1600" b="0" i="1" smtClean="0">
+                              <a:latin typeface="Cambria Math" panose="02040503050406030204" pitchFamily="18" charset="0"/>
+                            </a:rPr>
+                            <m:t>+</m:t>
+                          </m:r>
+                          <m:f>
+                            <m:fPr>
+                              <m:ctrlPr>
+                                <a:rPr lang="en-US" altLang="zh-TW" sz="1600" i="1">
+                                  <a:latin typeface="Cambria Math" panose="02040503050406030204" pitchFamily="18" charset="0"/>
+                                </a:rPr>
+                              </m:ctrlPr>
+                            </m:fPr>
+                            <m:num>
+                              <m:rad>
+                                <m:radPr>
+                                  <m:degHide m:val="on"/>
+                                  <m:ctrlPr>
+                                    <a:rPr lang="en-US" altLang="zh-TW" sz="1600" i="1">
                                       <a:latin typeface="Cambria Math" panose="02040503050406030204" pitchFamily="18" charset="0"/>
                                     </a:rPr>
-                                    <m:t>𝑖</m:t>
+                                  </m:ctrlPr>
+                                </m:radPr>
+                                <m:deg/>
+                                <m:e>
+                                  <m:r>
+                                    <a:rPr lang="en-US" altLang="zh-TW" sz="1600" i="1">
+                                      <a:latin typeface="Cambria Math" panose="02040503050406030204" pitchFamily="18" charset="0"/>
+                                    </a:rPr>
+                                    <m:t>7</m:t>
                                   </m:r>
                                 </m:e>
-                              </m:d>
+                              </m:rad>
+                            </m:num>
+                            <m:den>
+                              <m:r>
+                                <a:rPr lang="en-US" altLang="zh-TW" sz="1600" i="1">
+                                  <a:latin typeface="Cambria Math" panose="02040503050406030204" pitchFamily="18" charset="0"/>
+                                </a:rPr>
+                                <m:t>2</m:t>
+                              </m:r>
+                            </m:den>
+                          </m:f>
+                          <m:r>
+                            <a:rPr lang="en-US" altLang="zh-TW" sz="1600" i="1">
+                              <a:latin typeface="Cambria Math" panose="02040503050406030204" pitchFamily="18" charset="0"/>
+                            </a:rPr>
+                            <m:t>𝑖</m:t>
+                          </m:r>
+                        </m:e>
+                      </m:d>
+                      <m:r>
+                        <a:rPr lang="zh-TW" altLang="en-US" sz="1600" b="0" i="1" smtClean="0">
+                          <a:latin typeface="Cambria Math" panose="02040503050406030204" pitchFamily="18" charset="0"/>
+                        </a:rPr>
+                        <m:t> </m:t>
+                      </m:r>
+                      <m:r>
+                        <a:rPr lang="en-US" altLang="zh-TW" sz="1600" b="0" i="1" smtClean="0">
+                          <a:latin typeface="Cambria Math" panose="02040503050406030204" pitchFamily="18" charset="0"/>
+                        </a:rPr>
+                        <m:t>𝑎𝑛𝑑</m:t>
+                      </m:r>
+                      <m:d>
+                        <m:dPr>
+                          <m:ctrlPr>
+                            <a:rPr lang="en-US" altLang="zh-TW" sz="1600" i="1">
+                              <a:latin typeface="Cambria Math" panose="02040503050406030204" pitchFamily="18" charset="0"/>
+                            </a:rPr>
+                          </m:ctrlPr>
+                        </m:dPr>
+                        <m:e>
+                          <m:r>
+                            <a:rPr lang="en-US" altLang="zh-TW" sz="1600" i="1">
+                              <a:latin typeface="Cambria Math" panose="02040503050406030204" pitchFamily="18" charset="0"/>
+                            </a:rPr>
+                            <m:t>0.5−</m:t>
+                          </m:r>
+                          <m:f>
+                            <m:fPr>
+                              <m:ctrlPr>
+                                <a:rPr lang="en-US" altLang="zh-TW" sz="1600" i="1">
+                                  <a:latin typeface="Cambria Math" panose="02040503050406030204" pitchFamily="18" charset="0"/>
+                                </a:rPr>
+                              </m:ctrlPr>
+                            </m:fPr>
+                            <m:num>
+                              <m:rad>
+                                <m:radPr>
+                                  <m:degHide m:val="on"/>
+                                  <m:ctrlPr>
+                                    <a:rPr lang="en-US" altLang="zh-TW" sz="1600" i="1">
+                                      <a:latin typeface="Cambria Math" panose="02040503050406030204" pitchFamily="18" charset="0"/>
+                                    </a:rPr>
+                                  </m:ctrlPr>
+                                </m:radPr>
+                                <m:deg/>
+                                <m:e>
+                                  <m:r>
+                                    <a:rPr lang="en-US" altLang="zh-TW" sz="1600" i="1">
+                                      <a:latin typeface="Cambria Math" panose="02040503050406030204" pitchFamily="18" charset="0"/>
+                                    </a:rPr>
+                                    <m:t>7</m:t>
+                                  </m:r>
+                                </m:e>
+                              </m:rad>
+                            </m:num>
+                            <m:den>
+                              <m:r>
+                                <a:rPr lang="en-US" altLang="zh-TW" sz="1600" i="1">
+                                  <a:latin typeface="Cambria Math" panose="02040503050406030204" pitchFamily="18" charset="0"/>
+                                </a:rPr>
+                                <m:t>2</m:t>
+                              </m:r>
+                            </m:den>
+                          </m:f>
+                          <m:r>
+                            <a:rPr lang="en-US" altLang="zh-TW" sz="1600" i="1">
+                              <a:latin typeface="Cambria Math" panose="02040503050406030204" pitchFamily="18" charset="0"/>
+                            </a:rPr>
+                            <m:t>𝑖</m:t>
+                          </m:r>
+                        </m:e>
+                      </m:d>
+                      <m:r>
+                        <a:rPr lang="zh-TW" altLang="en-US" sz="1600" b="0" i="1" smtClean="0">
+                          <a:latin typeface="Cambria Math" panose="02040503050406030204" pitchFamily="18" charset="0"/>
+                        </a:rPr>
+                        <m:t> </m:t>
+                      </m:r>
+                      <m:r>
+                        <m:rPr>
+                          <m:nor/>
+                        </m:rPr>
+                        <a:rPr lang="en-US" altLang="zh-TW" sz="1600"/>
+                        <m:t>is</m:t>
+                      </m:r>
+                      <m:r>
+                        <m:rPr>
+                          <m:nor/>
+                        </m:rPr>
+                        <a:rPr lang="en-US" altLang="zh-TW" sz="1600"/>
+                        <m:t> </m:t>
+                      </m:r>
+                      <m:r>
+                        <m:rPr>
+                          <m:nor/>
+                        </m:rPr>
+                        <a:rPr lang="en-US" altLang="zh-TW" sz="1600"/>
+                        <m:t>not</m:t>
+                      </m:r>
+                      <m:r>
+                        <m:rPr>
+                          <m:nor/>
+                        </m:rPr>
+                        <a:rPr lang="en-US" altLang="zh-TW" sz="1600"/>
+                        <m:t> </m:t>
+                      </m:r>
+                      <m:r>
+                        <m:rPr>
+                          <m:nor/>
+                        </m:rPr>
+                        <a:rPr lang="en-US" altLang="zh-TW" sz="1600"/>
+                        <m:t>within</m:t>
+                      </m:r>
+                      <m:r>
+                        <m:rPr>
+                          <m:nor/>
+                        </m:rPr>
+                        <a:rPr lang="en-US" altLang="zh-TW" sz="1600"/>
+                        <m:t> </m:t>
+                      </m:r>
+                      <m:r>
+                        <m:rPr>
+                          <m:nor/>
+                        </m:rPr>
+                        <a:rPr lang="en-US" altLang="zh-TW" sz="1600"/>
+                        <m:t>the</m:t>
+                      </m:r>
+                      <m:r>
+                        <m:rPr>
+                          <m:nor/>
+                        </m:rPr>
+                        <a:rPr lang="en-US" altLang="zh-TW" sz="1600"/>
+                        <m:t> </m:t>
+                      </m:r>
+                      <m:r>
+                        <m:rPr>
+                          <m:nor/>
+                        </m:rPr>
+                        <a:rPr lang="en-US" altLang="zh-TW" sz="1600"/>
+                        <m:t>unit</m:t>
+                      </m:r>
+                      <m:r>
+                        <m:rPr>
+                          <m:nor/>
+                        </m:rPr>
+                        <a:rPr lang="en-US" altLang="zh-TW" sz="1600"/>
+                        <m:t> </m:t>
+                      </m:r>
+                      <m:r>
+                        <m:rPr>
+                          <m:nor/>
+                        </m:rPr>
+                        <a:rPr lang="en-US" altLang="zh-TW" sz="1600"/>
+                        <m:t>circle</m:t>
+                      </m:r>
+                    </m:oMath>
+                  </m:oMathPara>
+                </a14:m>
+                <a:endParaRPr kumimoji="1" lang="en-US" altLang="zh-TW" sz="1600" dirty="0"/>
+              </a:p>
+              <a:p>
+                <a14:m>
+                  <m:oMathPara xmlns:m="http://schemas.openxmlformats.org/officeDocument/2006/math">
+                    <m:oMathParaPr>
+                      <m:jc m:val="centerGroup"/>
+                    </m:oMathParaPr>
+                    <m:oMath xmlns:m="http://schemas.openxmlformats.org/officeDocument/2006/math">
+                      <m:sSup>
+                        <m:sSupPr>
+                          <m:ctrlPr>
+                            <a:rPr lang="en-US" altLang="zh-TW" sz="1600" i="1" smtClean="0">
+                              <a:latin typeface="Cambria Math" panose="02040503050406030204" pitchFamily="18" charset="0"/>
+                            </a:rPr>
+                          </m:ctrlPr>
+                        </m:sSupPr>
+                        <m:e>
+                          <m:r>
+                            <a:rPr lang="en-US" altLang="zh-TW" sz="1600" b="0" i="1" smtClean="0">
+                              <a:latin typeface="Cambria Math" panose="02040503050406030204" pitchFamily="18" charset="0"/>
+                            </a:rPr>
+                            <m:t>𝐻</m:t>
+                          </m:r>
+                        </m:e>
+                        <m:sup>
+                          <m:r>
+                            <a:rPr lang="en-US" altLang="zh-TW" sz="1600" b="0" i="1" smtClean="0">
+                              <a:latin typeface="Cambria Math" panose="02040503050406030204" pitchFamily="18" charset="0"/>
+                            </a:rPr>
+                            <m:t>′</m:t>
+                          </m:r>
+                        </m:sup>
+                      </m:sSup>
+                      <m:d>
+                        <m:dPr>
+                          <m:ctrlPr>
+                            <a:rPr lang="en-US" altLang="zh-TW" sz="1600" i="1" smtClean="0">
+                              <a:latin typeface="Cambria Math" panose="02040503050406030204" pitchFamily="18" charset="0"/>
+                            </a:rPr>
+                          </m:ctrlPr>
+                        </m:dPr>
+                        <m:e>
+                          <m:r>
+                            <a:rPr lang="en-US" altLang="zh-TW" sz="1600" i="1">
+                              <a:latin typeface="Cambria Math" panose="02040503050406030204" pitchFamily="18" charset="0"/>
+                            </a:rPr>
+                            <m:t>𝑧</m:t>
+                          </m:r>
+                        </m:e>
+                      </m:d>
+                      <m:r>
+                        <a:rPr lang="en-US" altLang="zh-TW" sz="1600" i="1">
+                          <a:latin typeface="Cambria Math" panose="02040503050406030204" pitchFamily="18" charset="0"/>
+                        </a:rPr>
+                        <m:t>=</m:t>
+                      </m:r>
+                      <m:r>
+                        <a:rPr lang="en-US" altLang="zh-TW" sz="1600" i="1">
+                          <a:latin typeface="Cambria Math" panose="02040503050406030204" pitchFamily="18" charset="0"/>
+                        </a:rPr>
+                        <m:t>𝐻</m:t>
+                      </m:r>
+                      <m:d>
+                        <m:dPr>
+                          <m:ctrlPr>
+                            <a:rPr lang="en-US" altLang="zh-TW" sz="1600" i="1">
+                              <a:latin typeface="Cambria Math" panose="02040503050406030204" pitchFamily="18" charset="0"/>
+                            </a:rPr>
+                          </m:ctrlPr>
+                        </m:dPr>
+                        <m:e>
+                          <m:r>
+                            <a:rPr lang="en-US" altLang="zh-TW" sz="1600" i="1">
+                              <a:latin typeface="Cambria Math" panose="02040503050406030204" pitchFamily="18" charset="0"/>
+                            </a:rPr>
+                            <m:t>𝑧</m:t>
+                          </m:r>
+                        </m:e>
+                      </m:d>
+                      <m:r>
+                        <a:rPr lang="en-US" altLang="zh-TW" sz="1600" b="0" i="1" smtClean="0">
+                          <a:latin typeface="Cambria Math" panose="02040503050406030204" pitchFamily="18" charset="0"/>
+                          <a:ea typeface="Cambria Math" panose="02040503050406030204" pitchFamily="18" charset="0"/>
+                        </a:rPr>
+                        <m:t>×</m:t>
+                      </m:r>
+                      <m:d>
+                        <m:dPr>
+                          <m:ctrlPr>
+                            <a:rPr lang="en-US" altLang="zh-TW" sz="1600" i="1">
+                              <a:latin typeface="Cambria Math" panose="02040503050406030204" pitchFamily="18" charset="0"/>
+                            </a:rPr>
+                          </m:ctrlPr>
+                        </m:dPr>
+                        <m:e>
+                          <m:r>
+                            <a:rPr lang="en-US" altLang="zh-TW" sz="1600" i="1">
+                              <a:latin typeface="Cambria Math" panose="02040503050406030204" pitchFamily="18" charset="0"/>
+                            </a:rPr>
+                            <m:t>0.5</m:t>
+                          </m:r>
+                          <m:r>
+                            <a:rPr lang="en-US" altLang="zh-TW" sz="1600" i="1">
+                              <a:latin typeface="Cambria Math" panose="02040503050406030204" pitchFamily="18" charset="0"/>
+                            </a:rPr>
+                            <m:t>+</m:t>
+                          </m:r>
+                          <m:f>
+                            <m:fPr>
+                              <m:ctrlPr>
+                                <a:rPr lang="en-US" altLang="zh-TW" sz="1600" i="1">
+                                  <a:latin typeface="Cambria Math" panose="02040503050406030204" pitchFamily="18" charset="0"/>
+                                </a:rPr>
+                              </m:ctrlPr>
+                            </m:fPr>
+                            <m:num>
+                              <m:rad>
+                                <m:radPr>
+                                  <m:degHide m:val="on"/>
+                                  <m:ctrlPr>
+                                    <a:rPr lang="en-US" altLang="zh-TW" sz="1600" i="1">
+                                      <a:latin typeface="Cambria Math" panose="02040503050406030204" pitchFamily="18" charset="0"/>
+                                    </a:rPr>
+                                  </m:ctrlPr>
+                                </m:radPr>
+                                <m:deg/>
+                                <m:e>
+                                  <m:r>
+                                    <a:rPr lang="en-US" altLang="zh-TW" sz="1600" i="1">
+                                      <a:latin typeface="Cambria Math" panose="02040503050406030204" pitchFamily="18" charset="0"/>
+                                    </a:rPr>
+                                    <m:t>7</m:t>
+                                  </m:r>
+                                </m:e>
+                              </m:rad>
+                            </m:num>
+                            <m:den>
+                              <m:r>
+                                <a:rPr lang="en-US" altLang="zh-TW" sz="1600" i="1">
+                                  <a:latin typeface="Cambria Math" panose="02040503050406030204" pitchFamily="18" charset="0"/>
+                                </a:rPr>
+                                <m:t>2</m:t>
+                              </m:r>
+                            </m:den>
+                          </m:f>
+                          <m:r>
+                            <a:rPr lang="en-US" altLang="zh-TW" sz="1600" i="1">
+                              <a:latin typeface="Cambria Math" panose="02040503050406030204" pitchFamily="18" charset="0"/>
+                            </a:rPr>
+                            <m:t>𝑖</m:t>
+                          </m:r>
+                        </m:e>
+                      </m:d>
+                      <m:f>
+                        <m:fPr>
+                          <m:ctrlPr>
+                            <a:rPr lang="en-US" altLang="zh-TW" sz="1600" b="0" i="1" smtClean="0">
+                              <a:latin typeface="Cambria Math" panose="02040503050406030204" pitchFamily="18" charset="0"/>
+                              <a:ea typeface="Cambria Math" panose="02040503050406030204" pitchFamily="18" charset="0"/>
+                            </a:rPr>
+                          </m:ctrlPr>
+                        </m:fPr>
+                        <m:num>
+                          <m:r>
+                            <a:rPr lang="en-US" altLang="zh-TW" sz="1600" b="0" i="1" smtClean="0">
+                              <a:latin typeface="Cambria Math" panose="02040503050406030204" pitchFamily="18" charset="0"/>
+                              <a:ea typeface="Cambria Math" panose="02040503050406030204" pitchFamily="18" charset="0"/>
+                            </a:rPr>
+                            <m:t>𝑧</m:t>
+                          </m:r>
+                          <m:r>
+                            <a:rPr lang="en-US" altLang="zh-TW" sz="1600" b="0" i="1" smtClean="0">
+                              <a:latin typeface="Cambria Math" panose="02040503050406030204" pitchFamily="18" charset="0"/>
+                              <a:ea typeface="Cambria Math" panose="02040503050406030204" pitchFamily="18" charset="0"/>
+                            </a:rPr>
+                            <m:t>−</m:t>
+                          </m:r>
+                          <m:acc>
+                            <m:accPr>
+                              <m:chr m:val="̅"/>
+                              <m:ctrlPr>
+                                <a:rPr lang="en-US" altLang="zh-TW" sz="1600" b="0" i="1" smtClean="0">
+                                  <a:latin typeface="Cambria Math" panose="02040503050406030204" pitchFamily="18" charset="0"/>
+                                  <a:ea typeface="Cambria Math" panose="02040503050406030204" pitchFamily="18" charset="0"/>
+                                </a:rPr>
+                              </m:ctrlPr>
+                            </m:accPr>
+                            <m:e>
                               <m:sSup>
                                 <m:sSupPr>
                                   <m:ctrlPr>
-                                    <a:rPr lang="en-US" altLang="zh-TW" sz="1800" i="1">
+                                    <a:rPr lang="en-US" altLang="zh-TW" sz="1600" b="0" i="1" smtClean="0">
                                       <a:latin typeface="Cambria Math" panose="02040503050406030204" pitchFamily="18" charset="0"/>
+                                      <a:ea typeface="Cambria Math" panose="02040503050406030204" pitchFamily="18" charset="0"/>
                                     </a:rPr>
                                   </m:ctrlPr>
                                 </m:sSupPr>
                                 <m:e>
-                                  <m:r>
-                                    <a:rPr lang="en-US" altLang="zh-TW" sz="1800" i="1">
-                                      <a:latin typeface="Cambria Math" panose="02040503050406030204" pitchFamily="18" charset="0"/>
-                                    </a:rPr>
-                                    <m:t>𝑧</m:t>
-                                  </m:r>
+                                  <m:d>
+                                    <m:dPr>
+                                      <m:ctrlPr>
+                                        <a:rPr lang="en-US" altLang="zh-TW" sz="1600" i="1">
+                                          <a:latin typeface="Cambria Math" panose="02040503050406030204" pitchFamily="18" charset="0"/>
+                                        </a:rPr>
+                                      </m:ctrlPr>
+                                    </m:dPr>
+                                    <m:e>
+                                      <m:r>
+                                        <a:rPr lang="en-US" altLang="zh-TW" sz="1600" i="1">
+                                          <a:latin typeface="Cambria Math" panose="02040503050406030204" pitchFamily="18" charset="0"/>
+                                        </a:rPr>
+                                        <m:t>0.5+</m:t>
+                                      </m:r>
+                                      <m:f>
+                                        <m:fPr>
+                                          <m:ctrlPr>
+                                            <a:rPr lang="en-US" altLang="zh-TW" sz="1600" i="1">
+                                              <a:latin typeface="Cambria Math" panose="02040503050406030204" pitchFamily="18" charset="0"/>
+                                            </a:rPr>
+                                          </m:ctrlPr>
+                                        </m:fPr>
+                                        <m:num>
+                                          <m:rad>
+                                            <m:radPr>
+                                              <m:degHide m:val="on"/>
+                                              <m:ctrlPr>
+                                                <a:rPr lang="en-US" altLang="zh-TW" sz="1600" i="1">
+                                                  <a:latin typeface="Cambria Math" panose="02040503050406030204" pitchFamily="18" charset="0"/>
+                                                </a:rPr>
+                                              </m:ctrlPr>
+                                            </m:radPr>
+                                            <m:deg/>
+                                            <m:e>
+                                              <m:r>
+                                                <a:rPr lang="en-US" altLang="zh-TW" sz="1600" i="1">
+                                                  <a:latin typeface="Cambria Math" panose="02040503050406030204" pitchFamily="18" charset="0"/>
+                                                </a:rPr>
+                                                <m:t>7</m:t>
+                                              </m:r>
+                                            </m:e>
+                                          </m:rad>
+                                        </m:num>
+                                        <m:den>
+                                          <m:r>
+                                            <a:rPr lang="en-US" altLang="zh-TW" sz="1600" i="1">
+                                              <a:latin typeface="Cambria Math" panose="02040503050406030204" pitchFamily="18" charset="0"/>
+                                            </a:rPr>
+                                            <m:t>2</m:t>
+                                          </m:r>
+                                        </m:den>
+                                      </m:f>
+                                      <m:r>
+                                        <a:rPr lang="en-US" altLang="zh-TW" sz="1600" i="1">
+                                          <a:latin typeface="Cambria Math" panose="02040503050406030204" pitchFamily="18" charset="0"/>
+                                        </a:rPr>
+                                        <m:t>𝑖</m:t>
+                                      </m:r>
+                                    </m:e>
+                                  </m:d>
                                 </m:e>
                                 <m:sup>
                                   <m:r>
-                                    <a:rPr lang="en-US" altLang="zh-TW" sz="1800" i="1">
+                                    <a:rPr lang="en-US" altLang="zh-TW" sz="1600" b="0" i="1" smtClean="0">
                                       <a:latin typeface="Cambria Math" panose="02040503050406030204" pitchFamily="18" charset="0"/>
+                                      <a:ea typeface="Cambria Math" panose="02040503050406030204" pitchFamily="18" charset="0"/>
                                     </a:rPr>
                                     <m:t>−1</m:t>
                                   </m:r>
                                 </m:sup>
                               </m:sSup>
                             </m:e>
-                          </m:d>
+                          </m:acc>
+                        </m:num>
+                        <m:den>
                           <m:r>
-                            <a:rPr lang="en-US" altLang="zh-TW" sz="1800" b="0" i="1" smtClean="0">
-                              <a:latin typeface="Cambria Math" panose="02040503050406030204" pitchFamily="18" charset="0"/>
-                            </a:rPr>
-                            <m:t>)</m:t>
+                            <a:rPr lang="en-US" altLang="zh-TW" sz="1600" b="0" i="1" smtClean="0">
+                              <a:latin typeface="Cambria Math" panose="02040503050406030204" pitchFamily="18" charset="0"/>
+                              <a:ea typeface="Cambria Math" panose="02040503050406030204" pitchFamily="18" charset="0"/>
+                            </a:rPr>
+                            <m:t>𝑧</m:t>
                           </m:r>
                           <m:r>
-                            <a:rPr lang="en-US" altLang="zh-TW" sz="1800" i="1">
-                              <a:latin typeface="Cambria Math" panose="02040503050406030204" pitchFamily="18" charset="0"/>
-                            </a:rPr>
-                            <m:t>(1−</m:t>
+                            <a:rPr lang="en-US" altLang="zh-TW" sz="1600" b="0" i="1" smtClean="0">
+                              <a:latin typeface="Cambria Math" panose="02040503050406030204" pitchFamily="18" charset="0"/>
+                              <a:ea typeface="Cambria Math" panose="02040503050406030204" pitchFamily="18" charset="0"/>
+                            </a:rPr>
+                            <m:t>−</m:t>
                           </m:r>
                           <m:d>
                             <m:dPr>
                               <m:ctrlPr>
-                                <a:rPr lang="en-US" altLang="zh-TW" sz="1800" i="1">
+                                <a:rPr lang="en-US" altLang="zh-TW" sz="1600" i="1">
                                   <a:latin typeface="Cambria Math" panose="02040503050406030204" pitchFamily="18" charset="0"/>
                                 </a:rPr>
                               </m:ctrlPr>
                             </m:dPr>
                             <m:e>
                               <m:r>
-                                <a:rPr lang="en-US" altLang="zh-TW" sz="1800" b="0" i="1" smtClean="0">
+                                <a:rPr lang="en-US" altLang="zh-TW" sz="1600" i="1">
                                   <a:latin typeface="Cambria Math" panose="02040503050406030204" pitchFamily="18" charset="0"/>
                                 </a:rPr>
-                                <m:t>(</m:t>
-                              </m:r>
-                              <m:r>
-                                <a:rPr lang="en-US" altLang="zh-TW" sz="1800" i="1">
-                                  <a:latin typeface="Cambria Math" panose="02040503050406030204" pitchFamily="18" charset="0"/>
-                                </a:rPr>
-                                <m:t>0.5</m:t>
-                              </m:r>
-                              <m:r>
-                                <a:rPr lang="en-US" altLang="zh-TW" sz="1800" b="0" i="1" smtClean="0">
-                                  <a:latin typeface="Cambria Math" panose="02040503050406030204" pitchFamily="18" charset="0"/>
-                                </a:rPr>
-                                <m:t>−</m:t>
+                                <m:t>0.5+</m:t>
                               </m:r>
                               <m:f>
                                 <m:fPr>
                                   <m:ctrlPr>
-                                    <a:rPr lang="en-US" altLang="zh-TW" sz="1800" i="1">
+                                    <a:rPr lang="en-US" altLang="zh-TW" sz="1600" i="1">
                                       <a:latin typeface="Cambria Math" panose="02040503050406030204" pitchFamily="18" charset="0"/>
                                     </a:rPr>
                                   </m:ctrlPr>
@@ -12463,7 +13017,7 @@
                                     <m:radPr>
                                       <m:degHide m:val="on"/>
                                       <m:ctrlPr>
-                                        <a:rPr lang="en-US" altLang="zh-TW" sz="1800" i="1">
+                                        <a:rPr lang="en-US" altLang="zh-TW" sz="1600" i="1">
                                           <a:latin typeface="Cambria Math" panose="02040503050406030204" pitchFamily="18" charset="0"/>
                                         </a:rPr>
                                       </m:ctrlPr>
@@ -12471,7 +13025,7 @@
                                     <m:deg/>
                                     <m:e>
                                       <m:r>
-                                        <a:rPr lang="en-US" altLang="zh-TW" sz="1800" i="1">
+                                        <a:rPr lang="en-US" altLang="zh-TW" sz="1600" i="1">
                                           <a:latin typeface="Cambria Math" panose="02040503050406030204" pitchFamily="18" charset="0"/>
                                         </a:rPr>
                                         <m:t>7</m:t>
@@ -12481,7 +13035,7 @@
                                 </m:num>
                                 <m:den>
                                   <m:r>
-                                    <a:rPr lang="en-US" altLang="zh-TW" sz="1800" i="1">
+                                    <a:rPr lang="en-US" altLang="zh-TW" sz="1600" i="1">
                                       <a:latin typeface="Cambria Math" panose="02040503050406030204" pitchFamily="18" charset="0"/>
                                     </a:rPr>
                                     <m:t>2</m:t>
@@ -12489,36 +13043,188 @@
                                 </m:den>
                               </m:f>
                               <m:r>
-                                <a:rPr lang="en-US" altLang="zh-TW" sz="1800" i="1">
+                                <a:rPr lang="en-US" altLang="zh-TW" sz="1600" i="1">
                                   <a:latin typeface="Cambria Math" panose="02040503050406030204" pitchFamily="18" charset="0"/>
                                 </a:rPr>
                                 <m:t>𝑖</m:t>
                               </m:r>
-                              <m:r>
-                                <a:rPr lang="en-US" altLang="zh-TW" sz="1800" i="1">
+                            </m:e>
+                          </m:d>
+                        </m:den>
+                      </m:f>
+                      <m:r>
+                        <a:rPr lang="en-US" altLang="zh-TW" sz="1600" i="1">
+                          <a:latin typeface="Cambria Math" panose="02040503050406030204" pitchFamily="18" charset="0"/>
+                          <a:ea typeface="Cambria Math" panose="02040503050406030204" pitchFamily="18" charset="0"/>
+                        </a:rPr>
+                        <m:t>×</m:t>
+                      </m:r>
+                      <m:d>
+                        <m:dPr>
+                          <m:ctrlPr>
+                            <a:rPr lang="en-US" altLang="zh-TW" sz="1600" i="1">
+                              <a:latin typeface="Cambria Math" panose="02040503050406030204" pitchFamily="18" charset="0"/>
+                            </a:rPr>
+                          </m:ctrlPr>
+                        </m:dPr>
+                        <m:e>
+                          <m:r>
+                            <a:rPr lang="en-US" altLang="zh-TW" sz="1600" i="1">
+                              <a:latin typeface="Cambria Math" panose="02040503050406030204" pitchFamily="18" charset="0"/>
+                            </a:rPr>
+                            <m:t>0.5−</m:t>
+                          </m:r>
+                          <m:f>
+                            <m:fPr>
+                              <m:ctrlPr>
+                                <a:rPr lang="en-US" altLang="zh-TW" sz="1600" i="1">
                                   <a:latin typeface="Cambria Math" panose="02040503050406030204" pitchFamily="18" charset="0"/>
                                 </a:rPr>
-                                <m:t>)</m:t>
+                              </m:ctrlPr>
+                            </m:fPr>
+                            <m:num>
+                              <m:rad>
+                                <m:radPr>
+                                  <m:degHide m:val="on"/>
+                                  <m:ctrlPr>
+                                    <a:rPr lang="en-US" altLang="zh-TW" sz="1600" i="1">
+                                      <a:latin typeface="Cambria Math" panose="02040503050406030204" pitchFamily="18" charset="0"/>
+                                    </a:rPr>
+                                  </m:ctrlPr>
+                                </m:radPr>
+                                <m:deg/>
+                                <m:e>
+                                  <m:r>
+                                    <a:rPr lang="en-US" altLang="zh-TW" sz="1600" i="1">
+                                      <a:latin typeface="Cambria Math" panose="02040503050406030204" pitchFamily="18" charset="0"/>
+                                    </a:rPr>
+                                    <m:t>7</m:t>
+                                  </m:r>
+                                </m:e>
+                              </m:rad>
+                            </m:num>
+                            <m:den>
+                              <m:r>
+                                <a:rPr lang="en-US" altLang="zh-TW" sz="1600" i="1">
+                                  <a:latin typeface="Cambria Math" panose="02040503050406030204" pitchFamily="18" charset="0"/>
+                                </a:rPr>
+                                <m:t>2</m:t>
                               </m:r>
+                            </m:den>
+                          </m:f>
+                          <m:r>
+                            <a:rPr lang="en-US" altLang="zh-TW" sz="1600" i="1">
+                              <a:latin typeface="Cambria Math" panose="02040503050406030204" pitchFamily="18" charset="0"/>
+                            </a:rPr>
+                            <m:t>𝑖</m:t>
+                          </m:r>
+                        </m:e>
+                      </m:d>
+                      <m:f>
+                        <m:fPr>
+                          <m:ctrlPr>
+                            <a:rPr lang="en-US" altLang="zh-TW" sz="1600" i="1" smtClean="0">
+                              <a:latin typeface="Cambria Math" panose="02040503050406030204" pitchFamily="18" charset="0"/>
+                            </a:rPr>
+                          </m:ctrlPr>
+                        </m:fPr>
+                        <m:num>
+                          <m:r>
+                            <a:rPr lang="en-US" altLang="zh-TW" sz="1600" b="0" i="1" smtClean="0">
+                              <a:latin typeface="Cambria Math" panose="02040503050406030204" pitchFamily="18" charset="0"/>
+                            </a:rPr>
+                            <m:t>𝑧</m:t>
+                          </m:r>
+                          <m:r>
+                            <a:rPr lang="en-US" altLang="zh-TW" sz="1600" b="0" i="1" smtClean="0">
+                              <a:latin typeface="Cambria Math" panose="02040503050406030204" pitchFamily="18" charset="0"/>
+                            </a:rPr>
+                            <m:t>−</m:t>
+                          </m:r>
+                          <m:acc>
+                            <m:accPr>
+                              <m:chr m:val="̅"/>
+                              <m:ctrlPr>
+                                <a:rPr lang="en-US" altLang="zh-TW" sz="1600" b="0" i="1" smtClean="0">
+                                  <a:latin typeface="Cambria Math" panose="02040503050406030204" pitchFamily="18" charset="0"/>
+                                </a:rPr>
+                              </m:ctrlPr>
+                            </m:accPr>
+                            <m:e>
                               <m:sSup>
                                 <m:sSupPr>
                                   <m:ctrlPr>
-                                    <a:rPr lang="en-US" altLang="zh-TW" sz="1800" i="1">
+                                    <a:rPr lang="en-US" altLang="zh-TW" sz="1600" b="0" i="1" smtClean="0">
                                       <a:latin typeface="Cambria Math" panose="02040503050406030204" pitchFamily="18" charset="0"/>
                                     </a:rPr>
                                   </m:ctrlPr>
                                 </m:sSupPr>
                                 <m:e>
-                                  <m:r>
-                                    <a:rPr lang="en-US" altLang="zh-TW" sz="1800" i="1">
-                                      <a:latin typeface="Cambria Math" panose="02040503050406030204" pitchFamily="18" charset="0"/>
-                                    </a:rPr>
-                                    <m:t>𝑧</m:t>
-                                  </m:r>
+                                  <m:d>
+                                    <m:dPr>
+                                      <m:ctrlPr>
+                                        <a:rPr lang="en-US" altLang="zh-TW" sz="1600" i="1">
+                                          <a:latin typeface="Cambria Math" panose="02040503050406030204" pitchFamily="18" charset="0"/>
+                                        </a:rPr>
+                                      </m:ctrlPr>
+                                    </m:dPr>
+                                    <m:e>
+                                      <m:r>
+                                        <a:rPr lang="en-US" altLang="zh-TW" sz="1600" i="1">
+                                          <a:latin typeface="Cambria Math" panose="02040503050406030204" pitchFamily="18" charset="0"/>
+                                        </a:rPr>
+                                        <m:t>0.5−</m:t>
+                                      </m:r>
+                                      <m:f>
+                                        <m:fPr>
+                                          <m:ctrlPr>
+                                            <a:rPr lang="en-US" altLang="zh-TW" sz="1600" i="1">
+                                              <a:latin typeface="Cambria Math" panose="02040503050406030204" pitchFamily="18" charset="0"/>
+                                            </a:rPr>
+                                          </m:ctrlPr>
+                                        </m:fPr>
+                                        <m:num>
+                                          <m:rad>
+                                            <m:radPr>
+                                              <m:degHide m:val="on"/>
+                                              <m:ctrlPr>
+                                                <a:rPr lang="en-US" altLang="zh-TW" sz="1600" i="1">
+                                                  <a:latin typeface="Cambria Math" panose="02040503050406030204" pitchFamily="18" charset="0"/>
+                                                </a:rPr>
+                                              </m:ctrlPr>
+                                            </m:radPr>
+                                            <m:deg/>
+                                            <m:e>
+                                              <m:r>
+                                                <a:rPr lang="en-US" altLang="zh-TW" sz="1600" i="1">
+                                                  <a:latin typeface="Cambria Math" panose="02040503050406030204" pitchFamily="18" charset="0"/>
+                                                </a:rPr>
+                                                <m:t>7</m:t>
+                                              </m:r>
+                                            </m:e>
+                                          </m:rad>
+                                        </m:num>
+                                        <m:den>
+                                          <m:r>
+                                            <a:rPr lang="en-US" altLang="zh-TW" sz="1600" i="1">
+                                              <a:latin typeface="Cambria Math" panose="02040503050406030204" pitchFamily="18" charset="0"/>
+                                            </a:rPr>
+                                            <m:t>2</m:t>
+                                          </m:r>
+                                        </m:den>
+                                      </m:f>
+                                      <m:r>
+                                        <a:rPr lang="en-US" altLang="zh-TW" sz="1600" i="1">
+                                          <a:latin typeface="Cambria Math" panose="02040503050406030204" pitchFamily="18" charset="0"/>
+                                        </a:rPr>
+                                        <m:t>𝑖</m:t>
+                                      </m:r>
+                                    </m:e>
+                                  </m:d>
                                 </m:e>
                                 <m:sup>
                                   <m:r>
-                                    <a:rPr lang="en-US" altLang="zh-TW" sz="1800" i="1">
+                                    <a:rPr lang="en-US" altLang="zh-TW" sz="1600" b="0" i="1" smtClean="0">
                                       <a:latin typeface="Cambria Math" panose="02040503050406030204" pitchFamily="18" charset="0"/>
                                     </a:rPr>
                                     <m:t>−1</m:t>
@@ -12526,9 +13232,600 @@
                                 </m:sup>
                               </m:sSup>
                             </m:e>
+                          </m:acc>
+                        </m:num>
+                        <m:den>
+                          <m:r>
+                            <a:rPr lang="en-US" altLang="zh-TW" sz="1600" b="0" i="1" smtClean="0">
+                              <a:latin typeface="Cambria Math" panose="02040503050406030204" pitchFamily="18" charset="0"/>
+                            </a:rPr>
+                            <m:t>𝑧</m:t>
+                          </m:r>
+                          <m:r>
+                            <a:rPr lang="en-US" altLang="zh-TW" sz="1600" b="0" i="1" smtClean="0">
+                              <a:latin typeface="Cambria Math" panose="02040503050406030204" pitchFamily="18" charset="0"/>
+                            </a:rPr>
+                            <m:t>−</m:t>
+                          </m:r>
+                          <m:d>
+                            <m:dPr>
+                              <m:ctrlPr>
+                                <a:rPr lang="en-US" altLang="zh-TW" sz="1600" i="1">
+                                  <a:latin typeface="Cambria Math" panose="02040503050406030204" pitchFamily="18" charset="0"/>
+                                </a:rPr>
+                              </m:ctrlPr>
+                            </m:dPr>
+                            <m:e>
+                              <m:r>
+                                <a:rPr lang="en-US" altLang="zh-TW" sz="1600" i="1">
+                                  <a:latin typeface="Cambria Math" panose="02040503050406030204" pitchFamily="18" charset="0"/>
+                                </a:rPr>
+                                <m:t>0.5−</m:t>
+                              </m:r>
+                              <m:f>
+                                <m:fPr>
+                                  <m:ctrlPr>
+                                    <a:rPr lang="en-US" altLang="zh-TW" sz="1600" i="1">
+                                      <a:latin typeface="Cambria Math" panose="02040503050406030204" pitchFamily="18" charset="0"/>
+                                    </a:rPr>
+                                  </m:ctrlPr>
+                                </m:fPr>
+                                <m:num>
+                                  <m:rad>
+                                    <m:radPr>
+                                      <m:degHide m:val="on"/>
+                                      <m:ctrlPr>
+                                        <a:rPr lang="en-US" altLang="zh-TW" sz="1600" i="1">
+                                          <a:latin typeface="Cambria Math" panose="02040503050406030204" pitchFamily="18" charset="0"/>
+                                        </a:rPr>
+                                      </m:ctrlPr>
+                                    </m:radPr>
+                                    <m:deg/>
+                                    <m:e>
+                                      <m:r>
+                                        <a:rPr lang="en-US" altLang="zh-TW" sz="1600" i="1">
+                                          <a:latin typeface="Cambria Math" panose="02040503050406030204" pitchFamily="18" charset="0"/>
+                                        </a:rPr>
+                                        <m:t>7</m:t>
+                                      </m:r>
+                                    </m:e>
+                                  </m:rad>
+                                </m:num>
+                                <m:den>
+                                  <m:r>
+                                    <a:rPr lang="en-US" altLang="zh-TW" sz="1600" i="1">
+                                      <a:latin typeface="Cambria Math" panose="02040503050406030204" pitchFamily="18" charset="0"/>
+                                    </a:rPr>
+                                    <m:t>2</m:t>
+                                  </m:r>
+                                </m:den>
+                              </m:f>
+                              <m:r>
+                                <a:rPr lang="en-US" altLang="zh-TW" sz="1600" i="1">
+                                  <a:latin typeface="Cambria Math" panose="02040503050406030204" pitchFamily="18" charset="0"/>
+                                </a:rPr>
+                                <m:t>𝑖</m:t>
+                              </m:r>
+                            </m:e>
+                          </m:d>
+                        </m:den>
+                      </m:f>
+                    </m:oMath>
+                  </m:oMathPara>
+                </a14:m>
+                <a:endParaRPr lang="en-US" altLang="zh-TW" sz="1600" dirty="0"/>
+              </a:p>
+              <a:p>
+                <a14:m>
+                  <m:oMathPara xmlns:m="http://schemas.openxmlformats.org/officeDocument/2006/math">
+                    <m:oMathParaPr>
+                      <m:jc m:val="centerGroup"/>
+                    </m:oMathParaPr>
+                    <m:oMath xmlns:m="http://schemas.openxmlformats.org/officeDocument/2006/math">
+                      <m:sSup>
+                        <m:sSupPr>
+                          <m:ctrlPr>
+                            <a:rPr lang="en-US" altLang="zh-TW" sz="1600" i="1">
+                              <a:latin typeface="Cambria Math" panose="02040503050406030204" pitchFamily="18" charset="0"/>
+                            </a:rPr>
+                          </m:ctrlPr>
+                        </m:sSupPr>
+                        <m:e>
+                          <m:r>
+                            <a:rPr lang="en-US" altLang="zh-TW" sz="1600" i="1">
+                              <a:latin typeface="Cambria Math" panose="02040503050406030204" pitchFamily="18" charset="0"/>
+                            </a:rPr>
+                            <m:t>𝐻</m:t>
+                          </m:r>
+                        </m:e>
+                        <m:sup>
+                          <m:r>
+                            <a:rPr lang="en-US" altLang="zh-TW" sz="1600" i="1">
+                              <a:latin typeface="Cambria Math" panose="02040503050406030204" pitchFamily="18" charset="0"/>
+                            </a:rPr>
+                            <m:t>′</m:t>
+                          </m:r>
+                        </m:sup>
+                      </m:sSup>
+                      <m:d>
+                        <m:dPr>
+                          <m:ctrlPr>
+                            <a:rPr lang="en-US" altLang="zh-TW" sz="1600" i="1">
+                              <a:latin typeface="Cambria Math" panose="02040503050406030204" pitchFamily="18" charset="0"/>
+                            </a:rPr>
+                          </m:ctrlPr>
+                        </m:dPr>
+                        <m:e>
+                          <m:r>
+                            <a:rPr lang="en-US" altLang="zh-TW" sz="1600" i="1">
+                              <a:latin typeface="Cambria Math" panose="02040503050406030204" pitchFamily="18" charset="0"/>
+                            </a:rPr>
+                            <m:t>𝑧</m:t>
+                          </m:r>
+                        </m:e>
+                      </m:d>
+                      <m:r>
+                        <a:rPr lang="en-US" altLang="zh-TW" sz="1600" b="0" i="1" smtClean="0">
+                          <a:latin typeface="Cambria Math" panose="02040503050406030204" pitchFamily="18" charset="0"/>
+                        </a:rPr>
+                        <m:t>=</m:t>
+                      </m:r>
+                      <m:f>
+                        <m:fPr>
+                          <m:ctrlPr>
+                            <a:rPr lang="en-US" altLang="zh-TW" sz="1600" i="1">
+                              <a:latin typeface="Cambria Math" panose="02040503050406030204" pitchFamily="18" charset="0"/>
+                            </a:rPr>
+                          </m:ctrlPr>
+                        </m:fPr>
+                        <m:num>
+                          <m:r>
+                            <a:rPr lang="en-US" altLang="zh-TW" sz="1600" i="1">
+                              <a:latin typeface="Cambria Math" panose="02040503050406030204" pitchFamily="18" charset="0"/>
+                            </a:rPr>
+                            <m:t>2</m:t>
+                          </m:r>
+                          <m:r>
+                            <a:rPr lang="en-US" altLang="zh-TW" sz="1600" i="1">
+                              <a:latin typeface="Cambria Math" panose="02040503050406030204" pitchFamily="18" charset="0"/>
+                            </a:rPr>
+                            <m:t> </m:t>
+                          </m:r>
+                          <m:r>
+                            <a:rPr lang="en-US" altLang="zh-TW" sz="1600" i="1">
+                              <a:latin typeface="Cambria Math" panose="02040503050406030204" pitchFamily="18" charset="0"/>
+                            </a:rPr>
+                            <m:t>(</m:t>
+                          </m:r>
+                          <m:r>
+                            <a:rPr lang="en-US" altLang="zh-TW" sz="1600" i="1">
+                              <a:latin typeface="Cambria Math" panose="02040503050406030204" pitchFamily="18" charset="0"/>
+                            </a:rPr>
+                            <m:t>𝑧</m:t>
+                          </m:r>
+                          <m:r>
+                            <a:rPr lang="en-US" altLang="zh-TW" sz="1600" i="1">
+                              <a:latin typeface="Cambria Math" panose="02040503050406030204" pitchFamily="18" charset="0"/>
+                            </a:rPr>
+                            <m:t>−</m:t>
+                          </m:r>
+                          <m:rad>
+                            <m:radPr>
+                              <m:degHide m:val="on"/>
+                              <m:ctrlPr>
+                                <a:rPr lang="en-US" altLang="zh-TW" sz="1600" i="1">
+                                  <a:latin typeface="Cambria Math" panose="02040503050406030204" pitchFamily="18" charset="0"/>
+                                </a:rPr>
+                              </m:ctrlPr>
+                            </m:radPr>
+                            <m:deg/>
+                            <m:e>
+                              <m:r>
+                                <a:rPr lang="en-US" altLang="zh-TW" sz="1600" i="1">
+                                  <a:latin typeface="Cambria Math" panose="02040503050406030204" pitchFamily="18" charset="0"/>
+                                </a:rPr>
+                                <m:t>0.5</m:t>
+                              </m:r>
+                            </m:e>
+                          </m:rad>
+                          <m:r>
+                            <a:rPr lang="en-US" altLang="zh-TW" sz="1600" i="1">
+                              <a:latin typeface="Cambria Math" panose="02040503050406030204" pitchFamily="18" charset="0"/>
+                            </a:rPr>
+                            <m:t>)</m:t>
+                          </m:r>
+                          <m:r>
+                            <a:rPr lang="en-US" altLang="zh-TW" sz="1600" i="1">
+                              <a:latin typeface="Cambria Math" panose="02040503050406030204" pitchFamily="18" charset="0"/>
+                            </a:rPr>
+                            <m:t> (</m:t>
+                          </m:r>
+                          <m:r>
+                            <a:rPr lang="en-US" altLang="zh-TW" sz="1600" i="1">
+                              <a:latin typeface="Cambria Math" panose="02040503050406030204" pitchFamily="18" charset="0"/>
+                            </a:rPr>
+                            <m:t>𝑧</m:t>
+                          </m:r>
+                          <m:r>
+                            <a:rPr lang="en-US" altLang="zh-TW" sz="1600" i="1">
+                              <a:latin typeface="Cambria Math" panose="02040503050406030204" pitchFamily="18" charset="0"/>
+                            </a:rPr>
+                            <m:t>+</m:t>
+                          </m:r>
+                          <m:rad>
+                            <m:radPr>
+                              <m:degHide m:val="on"/>
+                              <m:ctrlPr>
+                                <a:rPr lang="en-US" altLang="zh-TW" sz="1600" i="1">
+                                  <a:latin typeface="Cambria Math" panose="02040503050406030204" pitchFamily="18" charset="0"/>
+                                </a:rPr>
+                              </m:ctrlPr>
+                            </m:radPr>
+                            <m:deg/>
+                            <m:e>
+                              <m:r>
+                                <a:rPr lang="en-US" altLang="zh-TW" sz="1600" i="1">
+                                  <a:latin typeface="Cambria Math" panose="02040503050406030204" pitchFamily="18" charset="0"/>
+                                </a:rPr>
+                                <m:t>0.5</m:t>
+                              </m:r>
+                            </m:e>
+                          </m:rad>
+                          <m:r>
+                            <a:rPr lang="en-US" altLang="zh-TW" sz="1600" i="1" smtClean="0">
+                              <a:latin typeface="Cambria Math" panose="02040503050406030204" pitchFamily="18" charset="0"/>
+                            </a:rPr>
+                            <m:t>)</m:t>
+                          </m:r>
+                          <m:d>
+                            <m:dPr>
+                              <m:ctrlPr>
+                                <a:rPr lang="en-US" altLang="zh-TW" sz="1600" i="1">
+                                  <a:latin typeface="Cambria Math" panose="02040503050406030204" pitchFamily="18" charset="0"/>
+                                </a:rPr>
+                              </m:ctrlPr>
+                            </m:dPr>
+                            <m:e>
+                              <m:r>
+                                <a:rPr lang="en-US" altLang="zh-TW" sz="1600" i="1">
+                                  <a:latin typeface="Cambria Math" panose="02040503050406030204" pitchFamily="18" charset="0"/>
+                                </a:rPr>
+                                <m:t>0.5+</m:t>
+                              </m:r>
+                              <m:f>
+                                <m:fPr>
+                                  <m:ctrlPr>
+                                    <a:rPr lang="en-US" altLang="zh-TW" sz="1600" i="1">
+                                      <a:latin typeface="Cambria Math" panose="02040503050406030204" pitchFamily="18" charset="0"/>
+                                    </a:rPr>
+                                  </m:ctrlPr>
+                                </m:fPr>
+                                <m:num>
+                                  <m:rad>
+                                    <m:radPr>
+                                      <m:degHide m:val="on"/>
+                                      <m:ctrlPr>
+                                        <a:rPr lang="en-US" altLang="zh-TW" sz="1600" i="1">
+                                          <a:latin typeface="Cambria Math" panose="02040503050406030204" pitchFamily="18" charset="0"/>
+                                        </a:rPr>
+                                      </m:ctrlPr>
+                                    </m:radPr>
+                                    <m:deg/>
+                                    <m:e>
+                                      <m:r>
+                                        <a:rPr lang="en-US" altLang="zh-TW" sz="1600" i="1">
+                                          <a:latin typeface="Cambria Math" panose="02040503050406030204" pitchFamily="18" charset="0"/>
+                                        </a:rPr>
+                                        <m:t>7</m:t>
+                                      </m:r>
+                                    </m:e>
+                                  </m:rad>
+                                </m:num>
+                                <m:den>
+                                  <m:r>
+                                    <a:rPr lang="en-US" altLang="zh-TW" sz="1600" i="1">
+                                      <a:latin typeface="Cambria Math" panose="02040503050406030204" pitchFamily="18" charset="0"/>
+                                    </a:rPr>
+                                    <m:t>2</m:t>
+                                  </m:r>
+                                </m:den>
+                              </m:f>
+                              <m:r>
+                                <a:rPr lang="en-US" altLang="zh-TW" sz="1600" i="1">
+                                  <a:latin typeface="Cambria Math" panose="02040503050406030204" pitchFamily="18" charset="0"/>
+                                </a:rPr>
+                                <m:t>𝑖</m:t>
+                              </m:r>
+                            </m:e>
+                          </m:d>
+                          <m:d>
+                            <m:dPr>
+                              <m:ctrlPr>
+                                <a:rPr lang="en-US" altLang="zh-TW" sz="1600" i="1">
+                                  <a:latin typeface="Cambria Math" panose="02040503050406030204" pitchFamily="18" charset="0"/>
+                                </a:rPr>
+                              </m:ctrlPr>
+                            </m:dPr>
+                            <m:e>
+                              <m:r>
+                                <a:rPr lang="en-US" altLang="zh-TW" sz="1600" i="1">
+                                  <a:latin typeface="Cambria Math" panose="02040503050406030204" pitchFamily="18" charset="0"/>
+                                </a:rPr>
+                                <m:t>0.5−</m:t>
+                              </m:r>
+                              <m:f>
+                                <m:fPr>
+                                  <m:ctrlPr>
+                                    <a:rPr lang="en-US" altLang="zh-TW" sz="1600" i="1">
+                                      <a:latin typeface="Cambria Math" panose="02040503050406030204" pitchFamily="18" charset="0"/>
+                                    </a:rPr>
+                                  </m:ctrlPr>
+                                </m:fPr>
+                                <m:num>
+                                  <m:rad>
+                                    <m:radPr>
+                                      <m:degHide m:val="on"/>
+                                      <m:ctrlPr>
+                                        <a:rPr lang="en-US" altLang="zh-TW" sz="1600" i="1">
+                                          <a:latin typeface="Cambria Math" panose="02040503050406030204" pitchFamily="18" charset="0"/>
+                                        </a:rPr>
+                                      </m:ctrlPr>
+                                    </m:radPr>
+                                    <m:deg/>
+                                    <m:e>
+                                      <m:r>
+                                        <a:rPr lang="en-US" altLang="zh-TW" sz="1600" i="1">
+                                          <a:latin typeface="Cambria Math" panose="02040503050406030204" pitchFamily="18" charset="0"/>
+                                        </a:rPr>
+                                        <m:t>7</m:t>
+                                      </m:r>
+                                    </m:e>
+                                  </m:rad>
+                                </m:num>
+                                <m:den>
+                                  <m:r>
+                                    <a:rPr lang="en-US" altLang="zh-TW" sz="1600" i="1">
+                                      <a:latin typeface="Cambria Math" panose="02040503050406030204" pitchFamily="18" charset="0"/>
+                                    </a:rPr>
+                                    <m:t>2</m:t>
+                                  </m:r>
+                                </m:den>
+                              </m:f>
+                              <m:r>
+                                <a:rPr lang="en-US" altLang="zh-TW" sz="1600" i="1">
+                                  <a:latin typeface="Cambria Math" panose="02040503050406030204" pitchFamily="18" charset="0"/>
+                                </a:rPr>
+                                <m:t>𝑖</m:t>
+                              </m:r>
+                            </m:e>
                           </m:d>
                           <m:r>
-                            <a:rPr lang="en-US" altLang="zh-TW" sz="1800" i="1">
+                            <a:rPr lang="en-US" altLang="zh-TW" sz="1600" b="0" i="1" smtClean="0">
+                              <a:latin typeface="Cambria Math" panose="02040503050406030204" pitchFamily="18" charset="0"/>
+                            </a:rPr>
+                            <m:t>(</m:t>
+                          </m:r>
+                          <m:r>
+                            <a:rPr lang="en-US" altLang="zh-TW" sz="1600" i="1">
+                              <a:latin typeface="Cambria Math" panose="02040503050406030204" pitchFamily="18" charset="0"/>
+                              <a:ea typeface="Cambria Math" panose="02040503050406030204" pitchFamily="18" charset="0"/>
+                            </a:rPr>
+                            <m:t>𝑧</m:t>
+                          </m:r>
+                          <m:r>
+                            <a:rPr lang="en-US" altLang="zh-TW" sz="1600" i="1">
+                              <a:latin typeface="Cambria Math" panose="02040503050406030204" pitchFamily="18" charset="0"/>
+                              <a:ea typeface="Cambria Math" panose="02040503050406030204" pitchFamily="18" charset="0"/>
+                            </a:rPr>
+                            <m:t>−</m:t>
+                          </m:r>
+                          <m:acc>
+                            <m:accPr>
+                              <m:chr m:val="̅"/>
+                              <m:ctrlPr>
+                                <a:rPr lang="en-US" altLang="zh-TW" sz="1600" i="1">
+                                  <a:latin typeface="Cambria Math" panose="02040503050406030204" pitchFamily="18" charset="0"/>
+                                  <a:ea typeface="Cambria Math" panose="02040503050406030204" pitchFamily="18" charset="0"/>
+                                </a:rPr>
+                              </m:ctrlPr>
+                            </m:accPr>
+                            <m:e>
+                              <m:sSup>
+                                <m:sSupPr>
+                                  <m:ctrlPr>
+                                    <a:rPr lang="en-US" altLang="zh-TW" sz="1600" i="1">
+                                      <a:latin typeface="Cambria Math" panose="02040503050406030204" pitchFamily="18" charset="0"/>
+                                      <a:ea typeface="Cambria Math" panose="02040503050406030204" pitchFamily="18" charset="0"/>
+                                    </a:rPr>
+                                  </m:ctrlPr>
+                                </m:sSupPr>
+                                <m:e>
+                                  <m:d>
+                                    <m:dPr>
+                                      <m:ctrlPr>
+                                        <a:rPr lang="en-US" altLang="zh-TW" sz="1600" i="1">
+                                          <a:latin typeface="Cambria Math" panose="02040503050406030204" pitchFamily="18" charset="0"/>
+                                        </a:rPr>
+                                      </m:ctrlPr>
+                                    </m:dPr>
+                                    <m:e>
+                                      <m:r>
+                                        <a:rPr lang="en-US" altLang="zh-TW" sz="1600" i="1">
+                                          <a:latin typeface="Cambria Math" panose="02040503050406030204" pitchFamily="18" charset="0"/>
+                                        </a:rPr>
+                                        <m:t>0.5+</m:t>
+                                      </m:r>
+                                      <m:f>
+                                        <m:fPr>
+                                          <m:ctrlPr>
+                                            <a:rPr lang="en-US" altLang="zh-TW" sz="1600" i="1">
+                                              <a:latin typeface="Cambria Math" panose="02040503050406030204" pitchFamily="18" charset="0"/>
+                                            </a:rPr>
+                                          </m:ctrlPr>
+                                        </m:fPr>
+                                        <m:num>
+                                          <m:rad>
+                                            <m:radPr>
+                                              <m:degHide m:val="on"/>
+                                              <m:ctrlPr>
+                                                <a:rPr lang="en-US" altLang="zh-TW" sz="1600" i="1">
+                                                  <a:latin typeface="Cambria Math" panose="02040503050406030204" pitchFamily="18" charset="0"/>
+                                                </a:rPr>
+                                              </m:ctrlPr>
+                                            </m:radPr>
+                                            <m:deg/>
+                                            <m:e>
+                                              <m:r>
+                                                <a:rPr lang="en-US" altLang="zh-TW" sz="1600" i="1">
+                                                  <a:latin typeface="Cambria Math" panose="02040503050406030204" pitchFamily="18" charset="0"/>
+                                                </a:rPr>
+                                                <m:t>7</m:t>
+                                              </m:r>
+                                            </m:e>
+                                          </m:rad>
+                                        </m:num>
+                                        <m:den>
+                                          <m:r>
+                                            <a:rPr lang="en-US" altLang="zh-TW" sz="1600" i="1">
+                                              <a:latin typeface="Cambria Math" panose="02040503050406030204" pitchFamily="18" charset="0"/>
+                                            </a:rPr>
+                                            <m:t>2</m:t>
+                                          </m:r>
+                                        </m:den>
+                                      </m:f>
+                                      <m:r>
+                                        <a:rPr lang="en-US" altLang="zh-TW" sz="1600" i="1">
+                                          <a:latin typeface="Cambria Math" panose="02040503050406030204" pitchFamily="18" charset="0"/>
+                                        </a:rPr>
+                                        <m:t>𝑖</m:t>
+                                      </m:r>
+                                    </m:e>
+                                  </m:d>
+                                </m:e>
+                                <m:sup>
+                                  <m:r>
+                                    <a:rPr lang="en-US" altLang="zh-TW" sz="1600" i="1">
+                                      <a:latin typeface="Cambria Math" panose="02040503050406030204" pitchFamily="18" charset="0"/>
+                                      <a:ea typeface="Cambria Math" panose="02040503050406030204" pitchFamily="18" charset="0"/>
+                                    </a:rPr>
+                                    <m:t>−1</m:t>
+                                  </m:r>
+                                </m:sup>
+                              </m:sSup>
+                            </m:e>
+                          </m:acc>
+                          <m:r>
+                            <a:rPr lang="en-US" altLang="zh-TW" sz="1600" b="0" i="1" smtClean="0">
+                              <a:latin typeface="Cambria Math" panose="02040503050406030204" pitchFamily="18" charset="0"/>
+                            </a:rPr>
+                            <m:t>)(</m:t>
+                          </m:r>
+                          <m:r>
+                            <a:rPr lang="en-US" altLang="zh-TW" sz="1600" i="1">
+                              <a:latin typeface="Cambria Math" panose="02040503050406030204" pitchFamily="18" charset="0"/>
+                            </a:rPr>
+                            <m:t>𝑧</m:t>
+                          </m:r>
+                          <m:r>
+                            <a:rPr lang="en-US" altLang="zh-TW" sz="1600" i="1">
+                              <a:latin typeface="Cambria Math" panose="02040503050406030204" pitchFamily="18" charset="0"/>
+                            </a:rPr>
+                            <m:t>−</m:t>
+                          </m:r>
+                          <m:acc>
+                            <m:accPr>
+                              <m:chr m:val="̅"/>
+                              <m:ctrlPr>
+                                <a:rPr lang="en-US" altLang="zh-TW" sz="1600" i="1">
+                                  <a:latin typeface="Cambria Math" panose="02040503050406030204" pitchFamily="18" charset="0"/>
+                                </a:rPr>
+                              </m:ctrlPr>
+                            </m:accPr>
+                            <m:e>
+                              <m:sSup>
+                                <m:sSupPr>
+                                  <m:ctrlPr>
+                                    <a:rPr lang="en-US" altLang="zh-TW" sz="1600" i="1">
+                                      <a:latin typeface="Cambria Math" panose="02040503050406030204" pitchFamily="18" charset="0"/>
+                                    </a:rPr>
+                                  </m:ctrlPr>
+                                </m:sSupPr>
+                                <m:e>
+                                  <m:d>
+                                    <m:dPr>
+                                      <m:ctrlPr>
+                                        <a:rPr lang="en-US" altLang="zh-TW" sz="1600" i="1">
+                                          <a:latin typeface="Cambria Math" panose="02040503050406030204" pitchFamily="18" charset="0"/>
+                                        </a:rPr>
+                                      </m:ctrlPr>
+                                    </m:dPr>
+                                    <m:e>
+                                      <m:r>
+                                        <a:rPr lang="en-US" altLang="zh-TW" sz="1600" i="1">
+                                          <a:latin typeface="Cambria Math" panose="02040503050406030204" pitchFamily="18" charset="0"/>
+                                        </a:rPr>
+                                        <m:t>0.5−</m:t>
+                                      </m:r>
+                                      <m:f>
+                                        <m:fPr>
+                                          <m:ctrlPr>
+                                            <a:rPr lang="en-US" altLang="zh-TW" sz="1600" i="1">
+                                              <a:latin typeface="Cambria Math" panose="02040503050406030204" pitchFamily="18" charset="0"/>
+                                            </a:rPr>
+                                          </m:ctrlPr>
+                                        </m:fPr>
+                                        <m:num>
+                                          <m:rad>
+                                            <m:radPr>
+                                              <m:degHide m:val="on"/>
+                                              <m:ctrlPr>
+                                                <a:rPr lang="en-US" altLang="zh-TW" sz="1600" i="1">
+                                                  <a:latin typeface="Cambria Math" panose="02040503050406030204" pitchFamily="18" charset="0"/>
+                                                </a:rPr>
+                                              </m:ctrlPr>
+                                            </m:radPr>
+                                            <m:deg/>
+                                            <m:e>
+                                              <m:r>
+                                                <a:rPr lang="en-US" altLang="zh-TW" sz="1600" i="1">
+                                                  <a:latin typeface="Cambria Math" panose="02040503050406030204" pitchFamily="18" charset="0"/>
+                                                </a:rPr>
+                                                <m:t>7</m:t>
+                                              </m:r>
+                                            </m:e>
+                                          </m:rad>
+                                        </m:num>
+                                        <m:den>
+                                          <m:r>
+                                            <a:rPr lang="en-US" altLang="zh-TW" sz="1600" i="1">
+                                              <a:latin typeface="Cambria Math" panose="02040503050406030204" pitchFamily="18" charset="0"/>
+                                            </a:rPr>
+                                            <m:t>2</m:t>
+                                          </m:r>
+                                        </m:den>
+                                      </m:f>
+                                      <m:r>
+                                        <a:rPr lang="en-US" altLang="zh-TW" sz="1600" i="1">
+                                          <a:latin typeface="Cambria Math" panose="02040503050406030204" pitchFamily="18" charset="0"/>
+                                        </a:rPr>
+                                        <m:t>𝑖</m:t>
+                                      </m:r>
+                                    </m:e>
+                                  </m:d>
+                                </m:e>
+                                <m:sup>
+                                  <m:r>
+                                    <a:rPr lang="en-US" altLang="zh-TW" sz="1600" i="1">
+                                      <a:latin typeface="Cambria Math" panose="02040503050406030204" pitchFamily="18" charset="0"/>
+                                    </a:rPr>
+                                    <m:t>−1</m:t>
+                                  </m:r>
+                                </m:sup>
+                              </m:sSup>
+                            </m:e>
+                          </m:acc>
+                          <m:r>
+                            <a:rPr lang="en-US" altLang="zh-TW" sz="1600" b="0" i="1" smtClean="0">
                               <a:latin typeface="Cambria Math" panose="02040503050406030204" pitchFamily="18" charset="0"/>
                             </a:rPr>
                             <m:t>)</m:t>
@@ -12536,122 +13833,130 @@
                         </m:num>
                         <m:den>
                           <m:r>
-                            <a:rPr lang="en-US" altLang="zh-TW" sz="1800" i="1">
+                            <a:rPr lang="en-US" altLang="zh-TW" sz="1600" i="1">
                               <a:latin typeface="Cambria Math" panose="02040503050406030204" pitchFamily="18" charset="0"/>
                             </a:rPr>
                             <m:t>(</m:t>
                           </m:r>
                           <m:r>
-                            <a:rPr lang="en-US" altLang="zh-TW" sz="1800" b="0" i="1" smtClean="0">
-                              <a:latin typeface="Cambria Math" panose="02040503050406030204" pitchFamily="18" charset="0"/>
-                            </a:rPr>
-                            <m:t>1−0.4</m:t>
-                          </m:r>
-                          <m:sSup>
-                            <m:sSupPr>
-                              <m:ctrlPr>
-                                <a:rPr lang="en-US" altLang="zh-TW" sz="1800" i="1">
-                                  <a:latin typeface="Cambria Math" panose="02040503050406030204" pitchFamily="18" charset="0"/>
-                                </a:rPr>
-                              </m:ctrlPr>
-                            </m:sSupPr>
-                            <m:e>
-                              <m:r>
-                                <a:rPr lang="en-US" altLang="zh-TW" sz="1800" i="1">
-                                  <a:latin typeface="Cambria Math" panose="02040503050406030204" pitchFamily="18" charset="0"/>
-                                </a:rPr>
-                                <m:t>𝑧</m:t>
-                              </m:r>
-                            </m:e>
-                            <m:sup>
-                              <m:r>
-                                <a:rPr lang="en-US" altLang="zh-TW" sz="1800" i="1">
-                                  <a:latin typeface="Cambria Math" panose="02040503050406030204" pitchFamily="18" charset="0"/>
-                                </a:rPr>
-                                <m:t>−1</m:t>
-                              </m:r>
-                            </m:sup>
-                          </m:sSup>
-                          <m:r>
-                            <a:rPr lang="en-US" altLang="zh-TW" sz="1800" b="0" i="1" smtClean="0">
-                              <a:latin typeface="Cambria Math" panose="02040503050406030204" pitchFamily="18" charset="0"/>
-                            </a:rPr>
-                            <m:t>)</m:t>
+                            <a:rPr lang="en-US" altLang="zh-TW" sz="1600" i="1">
+                              <a:latin typeface="Cambria Math" panose="02040503050406030204" pitchFamily="18" charset="0"/>
+                            </a:rPr>
+                            <m:t>𝑧</m:t>
                           </m:r>
                           <m:r>
-                            <a:rPr lang="en-US" altLang="zh-TW" sz="1800" i="1">
-                              <a:latin typeface="Cambria Math" panose="02040503050406030204" pitchFamily="18" charset="0"/>
-                            </a:rPr>
-                            <m:t>(1</m:t>
+                            <a:rPr lang="en-US" altLang="zh-TW" sz="1600" i="1">
+                              <a:latin typeface="Cambria Math" panose="02040503050406030204" pitchFamily="18" charset="0"/>
+                            </a:rPr>
+                            <m:t>−0.4)(</m:t>
                           </m:r>
                           <m:r>
-                            <a:rPr lang="en-US" altLang="zh-TW" sz="1800" b="0" i="1" smtClean="0">
-                              <a:latin typeface="Cambria Math" panose="02040503050406030204" pitchFamily="18" charset="0"/>
-                            </a:rPr>
-                            <m:t>+</m:t>
+                            <a:rPr lang="en-US" altLang="zh-TW" sz="1600" i="1">
+                              <a:latin typeface="Cambria Math" panose="02040503050406030204" pitchFamily="18" charset="0"/>
+                            </a:rPr>
+                            <m:t>𝑧</m:t>
                           </m:r>
                           <m:r>
-                            <a:rPr lang="en-US" altLang="zh-TW" sz="1800" i="1">
-                              <a:latin typeface="Cambria Math" panose="02040503050406030204" pitchFamily="18" charset="0"/>
-                            </a:rPr>
-                            <m:t>0.</m:t>
-                          </m:r>
-                          <m:r>
-                            <a:rPr lang="en-US" altLang="zh-TW" sz="1800" b="0" i="1" smtClean="0">
-                              <a:latin typeface="Cambria Math" panose="02040503050406030204" pitchFamily="18" charset="0"/>
-                            </a:rPr>
-                            <m:t>6</m:t>
-                          </m:r>
-                          <m:sSup>
-                            <m:sSupPr>
-                              <m:ctrlPr>
-                                <a:rPr lang="en-US" altLang="zh-TW" sz="1800" i="1">
-                                  <a:latin typeface="Cambria Math" panose="02040503050406030204" pitchFamily="18" charset="0"/>
-                                </a:rPr>
-                              </m:ctrlPr>
-                            </m:sSupPr>
-                            <m:e>
-                              <m:r>
-                                <a:rPr lang="en-US" altLang="zh-TW" sz="1800" i="1">
-                                  <a:latin typeface="Cambria Math" panose="02040503050406030204" pitchFamily="18" charset="0"/>
-                                </a:rPr>
-                                <m:t>𝑧</m:t>
-                              </m:r>
-                            </m:e>
-                            <m:sup>
-                              <m:r>
-                                <a:rPr lang="en-US" altLang="zh-TW" sz="1800" i="1">
-                                  <a:latin typeface="Cambria Math" panose="02040503050406030204" pitchFamily="18" charset="0"/>
-                                </a:rPr>
-                                <m:t>−1</m:t>
-                              </m:r>
-                            </m:sup>
-                          </m:sSup>
-                          <m:r>
-                            <a:rPr lang="en-US" altLang="zh-TW" sz="1800" b="0" i="1" smtClean="0">
-                              <a:latin typeface="Cambria Math" panose="02040503050406030204" pitchFamily="18" charset="0"/>
-                            </a:rPr>
-                            <m:t>)</m:t>
+                            <a:rPr lang="en-US" altLang="zh-TW" sz="1600" i="1">
+                              <a:latin typeface="Cambria Math" panose="02040503050406030204" pitchFamily="18" charset="0"/>
+                            </a:rPr>
+                            <m:t>+0.6)</m:t>
                           </m:r>
                         </m:den>
                       </m:f>
                     </m:oMath>
                   </m:oMathPara>
                 </a14:m>
-                <a:endParaRPr kumimoji="1" lang="en-US" altLang="zh-TW" sz="1800" dirty="0"/>
+                <a:endParaRPr kumimoji="1" lang="en-US" altLang="zh-TW" sz="1600" dirty="0"/>
               </a:p>
               <a:p>
-                <a:endParaRPr kumimoji="1" lang="en-US" altLang="zh-TW" sz="1800" dirty="0"/>
+                <a:endParaRPr kumimoji="1" lang="en-US" altLang="zh-TW" sz="1600" b="0" i="1" dirty="0">
+                  <a:latin typeface="Cambria Math" panose="02040503050406030204" pitchFamily="18" charset="0"/>
+                </a:endParaRPr>
               </a:p>
               <a:p>
-                <a:pPr/>
-                <a:endParaRPr lang="en-US" altLang="zh-TW" sz="1800" dirty="0"/>
-              </a:p>
-              <a:p>
-                <a:endParaRPr lang="en-US" altLang="zh-TW" sz="1800" dirty="0"/>
-              </a:p>
-              <a:p>
-                <a:endParaRPr kumimoji="1" lang="zh-TW" altLang="en-US" sz="1800" dirty="0"/>
+                <a14:m>
+                  <m:oMathPara xmlns:m="http://schemas.openxmlformats.org/officeDocument/2006/math">
+                    <m:oMathParaPr>
+                      <m:jc m:val="centerGroup"/>
+                    </m:oMathParaPr>
+                    <m:oMath xmlns:m="http://schemas.openxmlformats.org/officeDocument/2006/math">
+                      <m:r>
+                        <a:rPr kumimoji="1" lang="en-US" altLang="zh-TW" sz="1600" b="0" i="1" smtClean="0">
+                          <a:latin typeface="Cambria Math" panose="02040503050406030204" pitchFamily="18" charset="0"/>
+                        </a:rPr>
+                        <m:t>,</m:t>
+                      </m:r>
+                      <m:r>
+                        <a:rPr kumimoji="1" lang="en-US" altLang="zh-TW" sz="1600" b="0" i="1" smtClean="0">
+                          <a:latin typeface="Cambria Math" panose="02040503050406030204" pitchFamily="18" charset="0"/>
+                        </a:rPr>
+                        <m:t>𝑤h𝑒𝑟𝑒</m:t>
+                      </m:r>
+                      <m:r>
+                        <a:rPr kumimoji="1" lang="zh-TW" altLang="en-US" sz="1600" b="0" i="1" smtClean="0">
+                          <a:latin typeface="Cambria Math" panose="02040503050406030204" pitchFamily="18" charset="0"/>
+                        </a:rPr>
+                        <m:t> </m:t>
+                      </m:r>
+                      <m:r>
+                        <a:rPr kumimoji="1" lang="en-US" altLang="zh-TW" sz="1600" b="0" i="1" smtClean="0">
+                          <a:latin typeface="Cambria Math" panose="02040503050406030204" pitchFamily="18" charset="0"/>
+                        </a:rPr>
+                        <m:t>𝑡h𝑒</m:t>
+                      </m:r>
+                      <m:r>
+                        <a:rPr kumimoji="1" lang="zh-TW" altLang="en-US" sz="1600" b="0" i="1" smtClean="0">
+                          <a:latin typeface="Cambria Math" panose="02040503050406030204" pitchFamily="18" charset="0"/>
+                        </a:rPr>
+                        <m:t> </m:t>
+                      </m:r>
+                      <m:r>
+                        <a:rPr kumimoji="1" lang="en-US" altLang="zh-TW" sz="1600" b="0" i="1" smtClean="0">
+                          <a:latin typeface="Cambria Math" panose="02040503050406030204" pitchFamily="18" charset="0"/>
+                        </a:rPr>
+                        <m:t>𝑢𝑝𝑝𝑒𝑟</m:t>
+                      </m:r>
+                      <m:r>
+                        <a:rPr kumimoji="1" lang="zh-TW" altLang="en-US" sz="1600" b="0" i="1" smtClean="0">
+                          <a:latin typeface="Cambria Math" panose="02040503050406030204" pitchFamily="18" charset="0"/>
+                        </a:rPr>
+                        <m:t> </m:t>
+                      </m:r>
+                      <m:r>
+                        <a:rPr kumimoji="1" lang="en-US" altLang="zh-TW" sz="1600" b="0" i="1" smtClean="0">
+                          <a:latin typeface="Cambria Math" panose="02040503050406030204" pitchFamily="18" charset="0"/>
+                        </a:rPr>
+                        <m:t>𝑏𝑎𝑟</m:t>
+                      </m:r>
+                      <m:r>
+                        <a:rPr kumimoji="1" lang="zh-TW" altLang="en-US" sz="1600" b="0" i="1" smtClean="0">
+                          <a:latin typeface="Cambria Math" panose="02040503050406030204" pitchFamily="18" charset="0"/>
+                        </a:rPr>
+                        <m:t> </m:t>
+                      </m:r>
+                      <m:r>
+                        <a:rPr kumimoji="1" lang="en-US" altLang="zh-TW" sz="1600" b="0" i="1" smtClean="0">
+                          <a:latin typeface="Cambria Math" panose="02040503050406030204" pitchFamily="18" charset="0"/>
+                        </a:rPr>
+                        <m:t>𝑚𝑒𝑎𝑛𝑠</m:t>
+                      </m:r>
+                      <m:r>
+                        <a:rPr kumimoji="1" lang="zh-TW" altLang="en-US" sz="1600" b="0" i="1" smtClean="0">
+                          <a:latin typeface="Cambria Math" panose="02040503050406030204" pitchFamily="18" charset="0"/>
+                        </a:rPr>
+                        <m:t> </m:t>
+                      </m:r>
+                      <m:r>
+                        <a:rPr kumimoji="1" lang="en-US" altLang="zh-TW" sz="1600" b="0" i="1" smtClean="0">
+                          <a:latin typeface="Cambria Math" panose="02040503050406030204" pitchFamily="18" charset="0"/>
+                        </a:rPr>
+                        <m:t>𝑐𝑜𝑛𝑗𝑢𝑔𝑎𝑡𝑖𝑜𝑛</m:t>
+                      </m:r>
+                    </m:oMath>
+                  </m:oMathPara>
+                </a14:m>
+                <a:endParaRPr kumimoji="1" lang="zh-TW" altLang="en-US" sz="1600" dirty="0"/>
               </a:p>
             </p:txBody>
           </p:sp>
@@ -12674,7 +13979,7 @@
             <p:spPr>
               <a:xfrm>
                 <a:off x="278909" y="2132856"/>
-                <a:ext cx="8586181" cy="2968185"/>
+                <a:ext cx="8586181" cy="4432047"/>
               </a:xfrm>
               <a:prstGeom prst="rect">
                 <a:avLst/>
@@ -12682,7 +13987,7 @@
               <a:blipFill>
                 <a:blip r:embed="rId5"/>
                 <a:stretch>
-                  <a:fillRect l="-740" t="-1282"/>
+                  <a:fillRect l="-444" t="-573" b="-573"/>
                 </a:stretch>
               </a:blipFill>
             </p:spPr>

--- a/HW2/r10943181_HW2.pptx
+++ b/HW2/r10943181_HW2.pptx
@@ -9946,7 +9946,7 @@
             <p:spPr>
               <a:xfrm>
                 <a:off x="278909" y="2132856"/>
-                <a:ext cx="8586181" cy="4536498"/>
+                <a:ext cx="8586181" cy="4526560"/>
               </a:xfrm>
               <a:prstGeom prst="rect">
                 <a:avLst/>
@@ -10186,41 +10186,10 @@
                         </m:fPr>
                         <m:num>
                           <m:r>
-                            <a:rPr lang="en-US" altLang="zh-TW" sz="1800" i="1">
-                              <a:latin typeface="Cambria Math" panose="02040503050406030204" pitchFamily="18" charset="0"/>
-                            </a:rPr>
-                            <m:t>2</m:t>
-                          </m:r>
-                          <m:sSup>
-                            <m:sSupPr>
-                              <m:ctrlPr>
-                                <a:rPr lang="en-US" altLang="zh-TW" sz="1800" i="1" smtClean="0">
-                                  <a:latin typeface="Cambria Math" panose="02040503050406030204" pitchFamily="18" charset="0"/>
-                                </a:rPr>
-                              </m:ctrlPr>
-                            </m:sSupPr>
-                            <m:e>
-                              <m:r>
-                                <a:rPr lang="en-US" altLang="zh-TW" sz="1800" b="0" i="1" smtClean="0">
-                                  <a:latin typeface="Cambria Math" panose="02040503050406030204" pitchFamily="18" charset="0"/>
-                                </a:rPr>
-                                <m:t>𝑧</m:t>
-                              </m:r>
-                            </m:e>
-                            <m:sup>
-                              <m:r>
-                                <a:rPr lang="en-US" altLang="zh-TW" sz="1800" b="0" i="1" smtClean="0">
-                                  <a:latin typeface="Cambria Math" panose="02040503050406030204" pitchFamily="18" charset="0"/>
-                                </a:rPr>
-                                <m:t>2</m:t>
-                              </m:r>
-                            </m:sup>
-                          </m:sSup>
-                          <m:r>
-                            <a:rPr lang="en-US" altLang="zh-TW" sz="1800" i="1" smtClean="0">
-                              <a:latin typeface="Cambria Math" panose="02040503050406030204" pitchFamily="18" charset="0"/>
-                            </a:rPr>
-                            <m:t> </m:t>
+                            <a:rPr kumimoji="1" lang="en-US" altLang="zh-TW" sz="1800" b="0" i="1" smtClean="0">
+                              <a:latin typeface="Cambria Math" panose="02040503050406030204" pitchFamily="18" charset="0"/>
+                            </a:rPr>
+                            <m:t>4</m:t>
                           </m:r>
                           <m:r>
                             <a:rPr lang="en-US" altLang="zh-TW" sz="1800" i="1">
@@ -10368,122 +10337,19 @@
                             <a:rPr lang="en-US" altLang="zh-TW" sz="1800" i="1">
                               <a:latin typeface="Cambria Math" panose="02040503050406030204" pitchFamily="18" charset="0"/>
                             </a:rPr>
-                            <m:t>(1</m:t>
+                            <m:t>(</m:t>
+                          </m:r>
+                          <m:r>
+                            <a:rPr lang="en-US" altLang="zh-TW" sz="1800" b="0" i="1" smtClean="0">
+                              <a:latin typeface="Cambria Math" panose="02040503050406030204" pitchFamily="18" charset="0"/>
+                            </a:rPr>
+                            <m:t>1</m:t>
                           </m:r>
                           <m:r>
                             <a:rPr lang="en-US" altLang="zh-TW" sz="1800" i="1">
                               <a:latin typeface="Cambria Math" panose="02040503050406030204" pitchFamily="18" charset="0"/>
                             </a:rPr>
                             <m:t>−</m:t>
-                          </m:r>
-                          <m:d>
-                            <m:dPr>
-                              <m:ctrlPr>
-                                <a:rPr lang="en-US" altLang="zh-TW" sz="1800" i="1">
-                                  <a:latin typeface="Cambria Math" panose="02040503050406030204" pitchFamily="18" charset="0"/>
-                                </a:rPr>
-                              </m:ctrlPr>
-                            </m:dPr>
-                            <m:e>
-                              <m:d>
-                                <m:dPr>
-                                  <m:ctrlPr>
-                                    <a:rPr lang="en-US" altLang="zh-TW" sz="1800" b="0" i="1" smtClean="0">
-                                      <a:latin typeface="Cambria Math" panose="02040503050406030204" pitchFamily="18" charset="0"/>
-                                    </a:rPr>
-                                  </m:ctrlPr>
-                                </m:dPr>
-                                <m:e>
-                                  <m:r>
-                                    <a:rPr lang="en-US" altLang="zh-TW" sz="1800" b="0" i="1" smtClean="0">
-                                      <a:latin typeface="Cambria Math" panose="02040503050406030204" pitchFamily="18" charset="0"/>
-                                    </a:rPr>
-                                    <m:t>0.5+</m:t>
-                                  </m:r>
-                                  <m:f>
-                                    <m:fPr>
-                                      <m:ctrlPr>
-                                        <a:rPr lang="en-US" altLang="zh-TW" sz="1800" b="0" i="1" smtClean="0">
-                                          <a:latin typeface="Cambria Math" panose="02040503050406030204" pitchFamily="18" charset="0"/>
-                                        </a:rPr>
-                                      </m:ctrlPr>
-                                    </m:fPr>
-                                    <m:num>
-                                      <m:rad>
-                                        <m:radPr>
-                                          <m:degHide m:val="on"/>
-                                          <m:ctrlPr>
-                                            <a:rPr lang="en-US" altLang="zh-TW" sz="1800" b="0" i="1" smtClean="0">
-                                              <a:latin typeface="Cambria Math" panose="02040503050406030204" pitchFamily="18" charset="0"/>
-                                            </a:rPr>
-                                          </m:ctrlPr>
-                                        </m:radPr>
-                                        <m:deg/>
-                                        <m:e>
-                                          <m:r>
-                                            <a:rPr lang="en-US" altLang="zh-TW" sz="1800" b="0" i="1" smtClean="0">
-                                              <a:latin typeface="Cambria Math" panose="02040503050406030204" pitchFamily="18" charset="0"/>
-                                            </a:rPr>
-                                            <m:t>7</m:t>
-                                          </m:r>
-                                        </m:e>
-                                      </m:rad>
-                                    </m:num>
-                                    <m:den>
-                                      <m:r>
-                                        <a:rPr lang="en-US" altLang="zh-TW" sz="1800" b="0" i="1" smtClean="0">
-                                          <a:latin typeface="Cambria Math" panose="02040503050406030204" pitchFamily="18" charset="0"/>
-                                        </a:rPr>
-                                        <m:t>2</m:t>
-                                      </m:r>
-                                    </m:den>
-                                  </m:f>
-                                  <m:r>
-                                    <a:rPr lang="en-US" altLang="zh-TW" sz="1800" b="0" i="1" smtClean="0">
-                                      <a:latin typeface="Cambria Math" panose="02040503050406030204" pitchFamily="18" charset="0"/>
-                                    </a:rPr>
-                                    <m:t>𝑖</m:t>
-                                  </m:r>
-                                </m:e>
-                              </m:d>
-                              <m:sSup>
-                                <m:sSupPr>
-                                  <m:ctrlPr>
-                                    <a:rPr lang="en-US" altLang="zh-TW" sz="1800" i="1">
-                                      <a:latin typeface="Cambria Math" panose="02040503050406030204" pitchFamily="18" charset="0"/>
-                                    </a:rPr>
-                                  </m:ctrlPr>
-                                </m:sSupPr>
-                                <m:e>
-                                  <m:r>
-                                    <a:rPr lang="en-US" altLang="zh-TW" sz="1800" i="1">
-                                      <a:latin typeface="Cambria Math" panose="02040503050406030204" pitchFamily="18" charset="0"/>
-                                    </a:rPr>
-                                    <m:t>𝑧</m:t>
-                                  </m:r>
-                                </m:e>
-                                <m:sup>
-                                  <m:r>
-                                    <a:rPr lang="en-US" altLang="zh-TW" sz="1800" i="1">
-                                      <a:latin typeface="Cambria Math" panose="02040503050406030204" pitchFamily="18" charset="0"/>
-                                    </a:rPr>
-                                    <m:t>−1</m:t>
-                                  </m:r>
-                                </m:sup>
-                              </m:sSup>
-                            </m:e>
-                          </m:d>
-                          <m:r>
-                            <a:rPr lang="en-US" altLang="zh-TW" sz="1800" b="0" i="1" smtClean="0">
-                              <a:latin typeface="Cambria Math" panose="02040503050406030204" pitchFamily="18" charset="0"/>
-                            </a:rPr>
-                            <m:t>)</m:t>
-                          </m:r>
-                          <m:r>
-                            <a:rPr lang="en-US" altLang="zh-TW" sz="1800" i="1">
-                              <a:latin typeface="Cambria Math" panose="02040503050406030204" pitchFamily="18" charset="0"/>
-                            </a:rPr>
-                            <m:t>(1−</m:t>
                           </m:r>
                           <m:d>
                             <m:dPr>
@@ -10498,24 +10364,12 @@
                                 <a:rPr lang="en-US" altLang="zh-TW" sz="1800" b="0" i="1" smtClean="0">
                                   <a:latin typeface="Cambria Math" panose="02040503050406030204" pitchFamily="18" charset="0"/>
                                 </a:rPr>
-                                <m:t>(</m:t>
-                              </m:r>
-                              <m:r>
-                                <a:rPr lang="en-US" altLang="zh-TW" sz="1800" i="1">
-                                  <a:latin typeface="Cambria Math" panose="02040503050406030204" pitchFamily="18" charset="0"/>
-                                </a:rPr>
-                                <m:t>0.5</m:t>
-                              </m:r>
-                              <m:r>
-                                <a:rPr lang="en-US" altLang="zh-TW" sz="1800" b="0" i="1" smtClean="0">
-                                  <a:latin typeface="Cambria Math" panose="02040503050406030204" pitchFamily="18" charset="0"/>
-                                </a:rPr>
-                                <m:t>−</m:t>
+                                <m:t>0.25+</m:t>
                               </m:r>
                               <m:f>
                                 <m:fPr>
                                   <m:ctrlPr>
-                                    <a:rPr lang="en-US" altLang="zh-TW" sz="1800" i="1">
+                                    <a:rPr lang="en-US" altLang="zh-TW" sz="1800" b="0" i="1" smtClean="0">
                                       <a:latin typeface="Cambria Math" panose="02040503050406030204" pitchFamily="18" charset="0"/>
                                     </a:rPr>
                                   </m:ctrlPr>
@@ -10525,7 +10379,7 @@
                                     <m:radPr>
                                       <m:degHide m:val="on"/>
                                       <m:ctrlPr>
-                                        <a:rPr lang="en-US" altLang="zh-TW" sz="1800" i="1">
+                                        <a:rPr lang="en-US" altLang="zh-TW" sz="1800" b="0" i="1" smtClean="0">
                                           <a:latin typeface="Cambria Math" panose="02040503050406030204" pitchFamily="18" charset="0"/>
                                         </a:rPr>
                                       </m:ctrlPr>
@@ -10533,7 +10387,7 @@
                                     <m:deg/>
                                     <m:e>
                                       <m:r>
-                                        <a:rPr lang="en-US" altLang="zh-TW" sz="1800" i="1">
+                                        <a:rPr lang="en-US" altLang="zh-TW" sz="1800" b="0" i="1" smtClean="0">
                                           <a:latin typeface="Cambria Math" panose="02040503050406030204" pitchFamily="18" charset="0"/>
                                         </a:rPr>
                                         <m:t>7</m:t>
@@ -10543,24 +10397,122 @@
                                 </m:num>
                                 <m:den>
                                   <m:r>
-                                    <a:rPr lang="en-US" altLang="zh-TW" sz="1800" i="1">
+                                    <a:rPr lang="en-US" altLang="zh-TW" sz="1800" b="0" i="1" smtClean="0">
                                       <a:latin typeface="Cambria Math" panose="02040503050406030204" pitchFamily="18" charset="0"/>
                                     </a:rPr>
-                                    <m:t>2</m:t>
+                                    <m:t>4</m:t>
                                   </m:r>
                                 </m:den>
                               </m:f>
                               <m:r>
-                                <a:rPr lang="en-US" altLang="zh-TW" sz="1800" i="1">
+                                <a:rPr lang="en-US" altLang="zh-TW" sz="1800" b="0" i="1" smtClean="0">
                                   <a:latin typeface="Cambria Math" panose="02040503050406030204" pitchFamily="18" charset="0"/>
                                 </a:rPr>
                                 <m:t>𝑖</m:t>
                               </m:r>
-                              <m:r>
+                            </m:e>
+                          </m:d>
+                          <m:r>
+                            <a:rPr lang="en-US" altLang="zh-TW" sz="1800" b="0" i="1" smtClean="0">
+                              <a:latin typeface="Cambria Math" panose="02040503050406030204" pitchFamily="18" charset="0"/>
+                            </a:rPr>
+                            <m:t>𝑧</m:t>
+                          </m:r>
+                          <m:r>
+                            <a:rPr lang="en-US" altLang="zh-TW" sz="1800" b="0" i="1" smtClean="0">
+                              <a:latin typeface="Cambria Math" panose="02040503050406030204" pitchFamily="18" charset="0"/>
+                            </a:rPr>
+                            <m:t>)(1−</m:t>
+                          </m:r>
+                          <m:d>
+                            <m:dPr>
+                              <m:ctrlPr>
                                 <a:rPr lang="en-US" altLang="zh-TW" sz="1800" i="1">
                                   <a:latin typeface="Cambria Math" panose="02040503050406030204" pitchFamily="18" charset="0"/>
                                 </a:rPr>
-                                <m:t>)</m:t>
+                              </m:ctrlPr>
+                            </m:dPr>
+                            <m:e>
+                              <m:r>
+                                <a:rPr lang="en-US" altLang="zh-TW" sz="1800" b="0" i="1" smtClean="0">
+                                  <a:latin typeface="Cambria Math" panose="02040503050406030204" pitchFamily="18" charset="0"/>
+                                </a:rPr>
+                                <m:t>0.25−</m:t>
+                              </m:r>
+                              <m:f>
+                                <m:fPr>
+                                  <m:ctrlPr>
+                                    <a:rPr lang="en-US" altLang="zh-TW" sz="1800" b="0" i="1" smtClean="0">
+                                      <a:latin typeface="Cambria Math" panose="02040503050406030204" pitchFamily="18" charset="0"/>
+                                    </a:rPr>
+                                  </m:ctrlPr>
+                                </m:fPr>
+                                <m:num>
+                                  <m:rad>
+                                    <m:radPr>
+                                      <m:degHide m:val="on"/>
+                                      <m:ctrlPr>
+                                        <a:rPr lang="en-US" altLang="zh-TW" sz="1800" b="0" i="1" smtClean="0">
+                                          <a:latin typeface="Cambria Math" panose="02040503050406030204" pitchFamily="18" charset="0"/>
+                                        </a:rPr>
+                                      </m:ctrlPr>
+                                    </m:radPr>
+                                    <m:deg/>
+                                    <m:e>
+                                      <m:r>
+                                        <a:rPr lang="en-US" altLang="zh-TW" sz="1800" b="0" i="1" smtClean="0">
+                                          <a:latin typeface="Cambria Math" panose="02040503050406030204" pitchFamily="18" charset="0"/>
+                                        </a:rPr>
+                                        <m:t>7</m:t>
+                                      </m:r>
+                                    </m:e>
+                                  </m:rad>
+                                </m:num>
+                                <m:den>
+                                  <m:r>
+                                    <a:rPr lang="en-US" altLang="zh-TW" sz="1800" b="0" i="1" smtClean="0">
+                                      <a:latin typeface="Cambria Math" panose="02040503050406030204" pitchFamily="18" charset="0"/>
+                                    </a:rPr>
+                                    <m:t>4</m:t>
+                                  </m:r>
+                                </m:den>
+                              </m:f>
+                              <m:r>
+                                <a:rPr lang="en-US" altLang="zh-TW" sz="1800" b="0" i="1" smtClean="0">
+                                  <a:latin typeface="Cambria Math" panose="02040503050406030204" pitchFamily="18" charset="0"/>
+                                </a:rPr>
+                                <m:t>𝑖</m:t>
+                              </m:r>
+                            </m:e>
+                          </m:d>
+                          <m:r>
+                            <a:rPr lang="en-US" altLang="zh-TW" sz="1800" b="0" i="1" smtClean="0">
+                              <a:latin typeface="Cambria Math" panose="02040503050406030204" pitchFamily="18" charset="0"/>
+                            </a:rPr>
+                            <m:t>𝑧</m:t>
+                          </m:r>
+                          <m:r>
+                            <a:rPr lang="en-US" altLang="zh-TW" sz="1800" i="1">
+                              <a:latin typeface="Cambria Math" panose="02040503050406030204" pitchFamily="18" charset="0"/>
+                            </a:rPr>
+                            <m:t>)</m:t>
+                          </m:r>
+                        </m:num>
+                        <m:den>
+                          <m:d>
+                            <m:dPr>
+                              <m:ctrlPr>
+                                <a:rPr lang="en-US" altLang="zh-TW" sz="1800" b="0" i="1" smtClean="0">
+                                  <a:latin typeface="Cambria Math" panose="02040503050406030204" pitchFamily="18" charset="0"/>
+                                </a:rPr>
+                              </m:ctrlPr>
+                            </m:dPr>
+                            <m:e>
+                              <m:r>
+                                <a:rPr lang="en-US" altLang="zh-TW" sz="1800" b="0" i="1" smtClean="0">
+                                  <a:latin typeface="Cambria Math" panose="02040503050406030204" pitchFamily="18" charset="0"/>
+                                </a:rPr>
+                                <m:t>1−0.4</m:t>
                               </m:r>
                               <m:sSup>
                                 <m:sSupPr>
@@ -10589,112 +10541,66 @@
                               </m:sSup>
                             </m:e>
                           </m:d>
-                          <m:r>
-                            <a:rPr lang="en-US" altLang="zh-TW" sz="1800" i="1">
-                              <a:latin typeface="Cambria Math" panose="02040503050406030204" pitchFamily="18" charset="0"/>
-                            </a:rPr>
-                            <m:t>)</m:t>
-                          </m:r>
-                        </m:num>
-                        <m:den>
-                          <m:r>
-                            <a:rPr lang="en-US" altLang="zh-TW" sz="1800" i="1">
-                              <a:latin typeface="Cambria Math" panose="02040503050406030204" pitchFamily="18" charset="0"/>
-                            </a:rPr>
-                            <m:t>(</m:t>
-                          </m:r>
-                          <m:r>
-                            <a:rPr lang="en-US" altLang="zh-TW" sz="1800" b="0" i="1" smtClean="0">
-                              <a:latin typeface="Cambria Math" panose="02040503050406030204" pitchFamily="18" charset="0"/>
-                            </a:rPr>
-                            <m:t>1−0.4</m:t>
-                          </m:r>
-                          <m:sSup>
-                            <m:sSupPr>
+                          <m:d>
+                            <m:dPr>
                               <m:ctrlPr>
-                                <a:rPr lang="en-US" altLang="zh-TW" sz="1800" i="1">
+                                <a:rPr lang="en-US" altLang="zh-TW" sz="1800" b="0" i="1" smtClean="0">
                                   <a:latin typeface="Cambria Math" panose="02040503050406030204" pitchFamily="18" charset="0"/>
                                 </a:rPr>
                               </m:ctrlPr>
-                            </m:sSupPr>
+                            </m:dPr>
                             <m:e>
                               <m:r>
                                 <a:rPr lang="en-US" altLang="zh-TW" sz="1800" i="1">
                                   <a:latin typeface="Cambria Math" panose="02040503050406030204" pitchFamily="18" charset="0"/>
                                 </a:rPr>
-                                <m:t>𝑧</m:t>
+                                <m:t>1</m:t>
                               </m:r>
-                            </m:e>
-                            <m:sup>
+                              <m:r>
+                                <a:rPr lang="en-US" altLang="zh-TW" sz="1800" b="0" i="1" smtClean="0">
+                                  <a:latin typeface="Cambria Math" panose="02040503050406030204" pitchFamily="18" charset="0"/>
+                                </a:rPr>
+                                <m:t>+</m:t>
+                              </m:r>
                               <m:r>
                                 <a:rPr lang="en-US" altLang="zh-TW" sz="1800" i="1">
                                   <a:latin typeface="Cambria Math" panose="02040503050406030204" pitchFamily="18" charset="0"/>
                                 </a:rPr>
-                                <m:t>−1</m:t>
+                                <m:t>0.</m:t>
                               </m:r>
-                            </m:sup>
-                          </m:sSup>
-                          <m:r>
-                            <a:rPr lang="en-US" altLang="zh-TW" sz="1800" b="0" i="1" smtClean="0">
-                              <a:latin typeface="Cambria Math" panose="02040503050406030204" pitchFamily="18" charset="0"/>
-                            </a:rPr>
-                            <m:t>)</m:t>
-                          </m:r>
-                          <m:r>
-                            <a:rPr lang="en-US" altLang="zh-TW" sz="1800" i="1">
-                              <a:latin typeface="Cambria Math" panose="02040503050406030204" pitchFamily="18" charset="0"/>
-                            </a:rPr>
-                            <m:t>(1</m:t>
-                          </m:r>
-                          <m:r>
-                            <a:rPr lang="en-US" altLang="zh-TW" sz="1800" b="0" i="1" smtClean="0">
-                              <a:latin typeface="Cambria Math" panose="02040503050406030204" pitchFamily="18" charset="0"/>
-                            </a:rPr>
-                            <m:t>+</m:t>
-                          </m:r>
-                          <m:r>
-                            <a:rPr lang="en-US" altLang="zh-TW" sz="1800" i="1">
-                              <a:latin typeface="Cambria Math" panose="02040503050406030204" pitchFamily="18" charset="0"/>
-                            </a:rPr>
-                            <m:t>0.</m:t>
-                          </m:r>
-                          <m:r>
-                            <a:rPr lang="en-US" altLang="zh-TW" sz="1800" b="0" i="1" smtClean="0">
-                              <a:latin typeface="Cambria Math" panose="02040503050406030204" pitchFamily="18" charset="0"/>
-                            </a:rPr>
-                            <m:t>6</m:t>
-                          </m:r>
-                          <m:sSup>
-                            <m:sSupPr>
-                              <m:ctrlPr>
-                                <a:rPr lang="en-US" altLang="zh-TW" sz="1800" i="1">
+                              <m:r>
+                                <a:rPr lang="en-US" altLang="zh-TW" sz="1800" b="0" i="1" smtClean="0">
                                   <a:latin typeface="Cambria Math" panose="02040503050406030204" pitchFamily="18" charset="0"/>
                                 </a:rPr>
-                              </m:ctrlPr>
-                            </m:sSupPr>
-                            <m:e>
-                              <m:r>
-                                <a:rPr lang="en-US" altLang="zh-TW" sz="1800" i="1">
-                                  <a:latin typeface="Cambria Math" panose="02040503050406030204" pitchFamily="18" charset="0"/>
-                                </a:rPr>
-                                <m:t>𝑧</m:t>
+                                <m:t>6</m:t>
                               </m:r>
+                              <m:sSup>
+                                <m:sSupPr>
+                                  <m:ctrlPr>
+                                    <a:rPr lang="en-US" altLang="zh-TW" sz="1800" i="1">
+                                      <a:latin typeface="Cambria Math" panose="02040503050406030204" pitchFamily="18" charset="0"/>
+                                    </a:rPr>
+                                  </m:ctrlPr>
+                                </m:sSupPr>
+                                <m:e>
+                                  <m:r>
+                                    <a:rPr lang="en-US" altLang="zh-TW" sz="1800" i="1">
+                                      <a:latin typeface="Cambria Math" panose="02040503050406030204" pitchFamily="18" charset="0"/>
+                                    </a:rPr>
+                                    <m:t>𝑧</m:t>
+                                  </m:r>
+                                </m:e>
+                                <m:sup>
+                                  <m:r>
+                                    <a:rPr lang="en-US" altLang="zh-TW" sz="1800" i="1">
+                                      <a:latin typeface="Cambria Math" panose="02040503050406030204" pitchFamily="18" charset="0"/>
+                                    </a:rPr>
+                                    <m:t>−1</m:t>
+                                  </m:r>
+                                </m:sup>
+                              </m:sSup>
                             </m:e>
-                            <m:sup>
-                              <m:r>
-                                <a:rPr lang="en-US" altLang="zh-TW" sz="1800" i="1">
-                                  <a:latin typeface="Cambria Math" panose="02040503050406030204" pitchFamily="18" charset="0"/>
-                                </a:rPr>
-                                <m:t>−1</m:t>
-                              </m:r>
-                            </m:sup>
-                          </m:sSup>
-                          <m:r>
-                            <a:rPr lang="en-US" altLang="zh-TW" sz="1800" b="0" i="1" smtClean="0">
-                              <a:latin typeface="Cambria Math" panose="02040503050406030204" pitchFamily="18" charset="0"/>
-                            </a:rPr>
-                            <m:t>)</m:t>
-                          </m:r>
+                          </m:d>
                         </m:den>
                       </m:f>
                     </m:oMath>
@@ -10808,7 +10714,7 @@
                                         <a:rPr lang="en-US" altLang="zh-TW" sz="1800" b="0" i="1" smtClean="0">
                                           <a:latin typeface="Cambria Math" panose="02040503050406030204" pitchFamily="18" charset="0"/>
                                         </a:rPr>
-                                        <m:t>2</m:t>
+                                        <m:t>4</m:t>
                                       </m:r>
                                     </m:e>
                                   </m:d>
@@ -11141,7 +11047,7 @@
                                             <a:rPr lang="en-US" altLang="zh-TW" sz="1800" i="1">
                                               <a:latin typeface="Cambria Math" panose="02040503050406030204" pitchFamily="18" charset="0"/>
                                             </a:rPr>
-                                            <m:t>0.5+</m:t>
+                                            <m:t>0.25+</m:t>
                                           </m:r>
                                           <m:f>
                                             <m:fPr>
@@ -11177,12 +11083,12 @@
                                                 <a:rPr lang="en-US" altLang="zh-TW" sz="1800" i="1">
                                                   <a:latin typeface="Cambria Math" panose="02040503050406030204" pitchFamily="18" charset="0"/>
                                                 </a:rPr>
-                                                <m:t>2</m:t>
+                                                <m:t>4</m:t>
                                               </m:r>
                                             </m:den>
                                           </m:f>
                                           <m:r>
-                                            <a:rPr lang="en-US" altLang="zh-TW" sz="1800" i="1">
+                                            <a:rPr lang="en-US" altLang="zh-TW" sz="1800" b="0" i="1" smtClean="0">
                                               <a:latin typeface="Cambria Math" panose="02040503050406030204" pitchFamily="18" charset="0"/>
                                             </a:rPr>
                                             <m:t>𝑖</m:t>
@@ -11252,7 +11158,7 @@
                                             <a:rPr lang="en-US" altLang="zh-TW" sz="1800" i="1">
                                               <a:latin typeface="Cambria Math" panose="02040503050406030204" pitchFamily="18" charset="0"/>
                                             </a:rPr>
-                                            <m:t>0.5</m:t>
+                                            <m:t>0.25</m:t>
                                           </m:r>
                                           <m:r>
                                             <a:rPr lang="en-US" altLang="zh-TW" sz="1800" b="0" i="1" smtClean="0">
@@ -11294,7 +11200,7 @@
                                                 <a:rPr lang="en-US" altLang="zh-TW" sz="1800" i="1">
                                                   <a:latin typeface="Cambria Math" panose="02040503050406030204" pitchFamily="18" charset="0"/>
                                                 </a:rPr>
-                                                <m:t>2</m:t>
+                                                <m:t>4</m:t>
                                               </m:r>
                                             </m:den>
                                           </m:f>
@@ -11393,7 +11299,7 @@
             <p:spPr>
               <a:xfrm>
                 <a:off x="278909" y="2132856"/>
-                <a:ext cx="8586181" cy="4536498"/>
+                <a:ext cx="8586181" cy="4526560"/>
               </a:xfrm>
               <a:prstGeom prst="rect">
                 <a:avLst/>
@@ -11401,7 +11307,7 @@
               <a:blipFill>
                 <a:blip r:embed="rId5"/>
                 <a:stretch>
-                  <a:fillRect l="-740" t="-838"/>
+                  <a:fillRect l="-740" t="-840"/>
                 </a:stretch>
               </a:blipFill>
             </p:spPr>
@@ -11907,7 +11813,7 @@
             <p:spPr>
               <a:xfrm>
                 <a:off x="278909" y="2132856"/>
-                <a:ext cx="8586181" cy="4432047"/>
+                <a:ext cx="8586181" cy="4204356"/>
               </a:xfrm>
               <a:prstGeom prst="rect">
                 <a:avLst/>
@@ -13619,101 +13525,68 @@
                             </a:rPr>
                             <m:t>−</m:t>
                           </m:r>
-                          <m:acc>
-                            <m:accPr>
-                              <m:chr m:val="̅"/>
+                          <m:d>
+                            <m:dPr>
                               <m:ctrlPr>
-                                <a:rPr lang="en-US" altLang="zh-TW" sz="1600" i="1">
+                                <a:rPr lang="en-US" altLang="zh-TW" sz="1600" b="0" i="1" smtClean="0">
                                   <a:latin typeface="Cambria Math" panose="02040503050406030204" pitchFamily="18" charset="0"/>
                                   <a:ea typeface="Cambria Math" panose="02040503050406030204" pitchFamily="18" charset="0"/>
                                 </a:rPr>
                               </m:ctrlPr>
-                            </m:accPr>
+                            </m:dPr>
                             <m:e>
-                              <m:sSup>
-                                <m:sSupPr>
+                              <m:r>
+                                <a:rPr lang="en-US" altLang="zh-TW" sz="1600" i="1">
+                                  <a:latin typeface="Cambria Math" panose="02040503050406030204" pitchFamily="18" charset="0"/>
+                                </a:rPr>
+                                <m:t>0.25−</m:t>
+                              </m:r>
+                              <m:f>
+                                <m:fPr>
                                   <m:ctrlPr>
                                     <a:rPr lang="en-US" altLang="zh-TW" sz="1600" i="1">
                                       <a:latin typeface="Cambria Math" panose="02040503050406030204" pitchFamily="18" charset="0"/>
-                                      <a:ea typeface="Cambria Math" panose="02040503050406030204" pitchFamily="18" charset="0"/>
                                     </a:rPr>
                                   </m:ctrlPr>
-                                </m:sSupPr>
-                                <m:e>
-                                  <m:d>
-                                    <m:dPr>
+                                </m:fPr>
+                                <m:num>
+                                  <m:rad>
+                                    <m:radPr>
+                                      <m:degHide m:val="on"/>
                                       <m:ctrlPr>
                                         <a:rPr lang="en-US" altLang="zh-TW" sz="1600" i="1">
                                           <a:latin typeface="Cambria Math" panose="02040503050406030204" pitchFamily="18" charset="0"/>
                                         </a:rPr>
                                       </m:ctrlPr>
-                                    </m:dPr>
+                                    </m:radPr>
+                                    <m:deg/>
                                     <m:e>
                                       <m:r>
                                         <a:rPr lang="en-US" altLang="zh-TW" sz="1600" i="1">
                                           <a:latin typeface="Cambria Math" panose="02040503050406030204" pitchFamily="18" charset="0"/>
                                         </a:rPr>
-                                        <m:t>0.5+</m:t>
-                                      </m:r>
-                                      <m:f>
-                                        <m:fPr>
-                                          <m:ctrlPr>
-                                            <a:rPr lang="en-US" altLang="zh-TW" sz="1600" i="1">
-                                              <a:latin typeface="Cambria Math" panose="02040503050406030204" pitchFamily="18" charset="0"/>
-                                            </a:rPr>
-                                          </m:ctrlPr>
-                                        </m:fPr>
-                                        <m:num>
-                                          <m:rad>
-                                            <m:radPr>
-                                              <m:degHide m:val="on"/>
-                                              <m:ctrlPr>
-                                                <a:rPr lang="en-US" altLang="zh-TW" sz="1600" i="1">
-                                                  <a:latin typeface="Cambria Math" panose="02040503050406030204" pitchFamily="18" charset="0"/>
-                                                </a:rPr>
-                                              </m:ctrlPr>
-                                            </m:radPr>
-                                            <m:deg/>
-                                            <m:e>
-                                              <m:r>
-                                                <a:rPr lang="en-US" altLang="zh-TW" sz="1600" i="1">
-                                                  <a:latin typeface="Cambria Math" panose="02040503050406030204" pitchFamily="18" charset="0"/>
-                                                </a:rPr>
-                                                <m:t>7</m:t>
-                                              </m:r>
-                                            </m:e>
-                                          </m:rad>
-                                        </m:num>
-                                        <m:den>
-                                          <m:r>
-                                            <a:rPr lang="en-US" altLang="zh-TW" sz="1600" i="1">
-                                              <a:latin typeface="Cambria Math" panose="02040503050406030204" pitchFamily="18" charset="0"/>
-                                            </a:rPr>
-                                            <m:t>2</m:t>
-                                          </m:r>
-                                        </m:den>
-                                      </m:f>
-                                      <m:r>
-                                        <a:rPr lang="en-US" altLang="zh-TW" sz="1600" i="1">
-                                          <a:latin typeface="Cambria Math" panose="02040503050406030204" pitchFamily="18" charset="0"/>
-                                        </a:rPr>
-                                        <m:t>𝑖</m:t>
+                                        <m:t>7</m:t>
                                       </m:r>
                                     </m:e>
-                                  </m:d>
-                                </m:e>
-                                <m:sup>
+                                  </m:rad>
+                                </m:num>
+                                <m:den>
                                   <m:r>
                                     <a:rPr lang="en-US" altLang="zh-TW" sz="1600" i="1">
                                       <a:latin typeface="Cambria Math" panose="02040503050406030204" pitchFamily="18" charset="0"/>
-                                      <a:ea typeface="Cambria Math" panose="02040503050406030204" pitchFamily="18" charset="0"/>
                                     </a:rPr>
-                                    <m:t>−1</m:t>
+                                    <m:t>4</m:t>
                                   </m:r>
-                                </m:sup>
-                              </m:sSup>
+                                </m:den>
+                              </m:f>
+                              <m:r>
+                                <a:rPr lang="en-US" altLang="zh-TW" sz="1600" b="0" i="1" smtClean="0">
+                                  <a:latin typeface="Cambria Math" panose="02040503050406030204" pitchFamily="18" charset="0"/>
+                                </a:rPr>
+                                <m:t>𝑖</m:t>
+                              </m:r>
                             </m:e>
-                          </m:acc>
+                          </m:d>
                           <m:r>
                             <a:rPr lang="en-US" altLang="zh-TW" sz="1600" b="0" i="1" smtClean="0">
                               <a:latin typeface="Cambria Math" panose="02040503050406030204" pitchFamily="18" charset="0"/>
@@ -13732,98 +13605,67 @@
                             </a:rPr>
                             <m:t>−</m:t>
                           </m:r>
-                          <m:acc>
-                            <m:accPr>
-                              <m:chr m:val="̅"/>
+                          <m:d>
+                            <m:dPr>
                               <m:ctrlPr>
+                                <a:rPr lang="en-US" altLang="zh-TW" sz="1600" b="0" i="1" smtClean="0">
+                                  <a:latin typeface="Cambria Math" panose="02040503050406030204" pitchFamily="18" charset="0"/>
+                                </a:rPr>
+                              </m:ctrlPr>
+                            </m:dPr>
+                            <m:e>
+                              <m:r>
                                 <a:rPr lang="en-US" altLang="zh-TW" sz="1600" i="1">
                                   <a:latin typeface="Cambria Math" panose="02040503050406030204" pitchFamily="18" charset="0"/>
                                 </a:rPr>
-                              </m:ctrlPr>
-                            </m:accPr>
-                            <m:e>
-                              <m:sSup>
-                                <m:sSupPr>
+                                <m:t>0.25+</m:t>
+                              </m:r>
+                              <m:f>
+                                <m:fPr>
                                   <m:ctrlPr>
                                     <a:rPr lang="en-US" altLang="zh-TW" sz="1600" i="1">
                                       <a:latin typeface="Cambria Math" panose="02040503050406030204" pitchFamily="18" charset="0"/>
                                     </a:rPr>
                                   </m:ctrlPr>
-                                </m:sSupPr>
-                                <m:e>
-                                  <m:d>
-                                    <m:dPr>
+                                </m:fPr>
+                                <m:num>
+                                  <m:rad>
+                                    <m:radPr>
+                                      <m:degHide m:val="on"/>
                                       <m:ctrlPr>
                                         <a:rPr lang="en-US" altLang="zh-TW" sz="1600" i="1">
                                           <a:latin typeface="Cambria Math" panose="02040503050406030204" pitchFamily="18" charset="0"/>
                                         </a:rPr>
                                       </m:ctrlPr>
-                                    </m:dPr>
+                                    </m:radPr>
+                                    <m:deg/>
                                     <m:e>
                                       <m:r>
                                         <a:rPr lang="en-US" altLang="zh-TW" sz="1600" i="1">
                                           <a:latin typeface="Cambria Math" panose="02040503050406030204" pitchFamily="18" charset="0"/>
                                         </a:rPr>
-                                        <m:t>0.5−</m:t>
-                                      </m:r>
-                                      <m:f>
-                                        <m:fPr>
-                                          <m:ctrlPr>
-                                            <a:rPr lang="en-US" altLang="zh-TW" sz="1600" i="1">
-                                              <a:latin typeface="Cambria Math" panose="02040503050406030204" pitchFamily="18" charset="0"/>
-                                            </a:rPr>
-                                          </m:ctrlPr>
-                                        </m:fPr>
-                                        <m:num>
-                                          <m:rad>
-                                            <m:radPr>
-                                              <m:degHide m:val="on"/>
-                                              <m:ctrlPr>
-                                                <a:rPr lang="en-US" altLang="zh-TW" sz="1600" i="1">
-                                                  <a:latin typeface="Cambria Math" panose="02040503050406030204" pitchFamily="18" charset="0"/>
-                                                </a:rPr>
-                                              </m:ctrlPr>
-                                            </m:radPr>
-                                            <m:deg/>
-                                            <m:e>
-                                              <m:r>
-                                                <a:rPr lang="en-US" altLang="zh-TW" sz="1600" i="1">
-                                                  <a:latin typeface="Cambria Math" panose="02040503050406030204" pitchFamily="18" charset="0"/>
-                                                </a:rPr>
-                                                <m:t>7</m:t>
-                                              </m:r>
-                                            </m:e>
-                                          </m:rad>
-                                        </m:num>
-                                        <m:den>
-                                          <m:r>
-                                            <a:rPr lang="en-US" altLang="zh-TW" sz="1600" i="1">
-                                              <a:latin typeface="Cambria Math" panose="02040503050406030204" pitchFamily="18" charset="0"/>
-                                            </a:rPr>
-                                            <m:t>2</m:t>
-                                          </m:r>
-                                        </m:den>
-                                      </m:f>
-                                      <m:r>
-                                        <a:rPr lang="en-US" altLang="zh-TW" sz="1600" i="1">
-                                          <a:latin typeface="Cambria Math" panose="02040503050406030204" pitchFamily="18" charset="0"/>
-                                        </a:rPr>
-                                        <m:t>𝑖</m:t>
+                                        <m:t>7</m:t>
                                       </m:r>
                                     </m:e>
-                                  </m:d>
-                                </m:e>
-                                <m:sup>
+                                  </m:rad>
+                                </m:num>
+                                <m:den>
                                   <m:r>
                                     <a:rPr lang="en-US" altLang="zh-TW" sz="1600" i="1">
                                       <a:latin typeface="Cambria Math" panose="02040503050406030204" pitchFamily="18" charset="0"/>
                                     </a:rPr>
-                                    <m:t>−1</m:t>
+                                    <m:t>4</m:t>
                                   </m:r>
-                                </m:sup>
-                              </m:sSup>
+                                </m:den>
+                              </m:f>
+                              <m:r>
+                                <a:rPr lang="en-US" altLang="zh-TW" sz="1600" b="0" i="1" smtClean="0">
+                                  <a:latin typeface="Cambria Math" panose="02040503050406030204" pitchFamily="18" charset="0"/>
+                                </a:rPr>
+                                <m:t>𝑖</m:t>
+                              </m:r>
                             </m:e>
-                          </m:acc>
+                          </m:d>
                           <m:r>
                             <a:rPr lang="en-US" altLang="zh-TW" sz="1600" b="0" i="1" smtClean="0">
                               <a:latin typeface="Cambria Math" panose="02040503050406030204" pitchFamily="18" charset="0"/>
@@ -13979,7 +13821,7 @@
             <p:spPr>
               <a:xfrm>
                 <a:off x="278909" y="2132856"/>
-                <a:ext cx="8586181" cy="4432047"/>
+                <a:ext cx="8586181" cy="4204356"/>
               </a:xfrm>
               <a:prstGeom prst="rect">
                 <a:avLst/>
@@ -13987,7 +13829,7 @@
               <a:blipFill>
                 <a:blip r:embed="rId5"/>
                 <a:stretch>
-                  <a:fillRect l="-444" t="-573" b="-573"/>
+                  <a:fillRect l="-444" t="-602"/>
                 </a:stretch>
               </a:blipFill>
             </p:spPr>

--- a/HW2/r10943181_HW2.pptx
+++ b/HW2/r10943181_HW2.pptx
@@ -14163,41 +14163,932 @@
           </p:sp>
         </p:grpSp>
       </p:grpSp>
-      <p:sp>
-        <p:nvSpPr>
-          <p:cNvPr id="5" name="文字方塊 4">
-            <a:extLst>
-              <a:ext uri="{FF2B5EF4-FFF2-40B4-BE49-F238E27FC236}">
-                <a16:creationId xmlns:a16="http://schemas.microsoft.com/office/drawing/2014/main" id="{E7CD992E-07BD-424C-72AD-D9A153AB5378}"/>
-              </a:ext>
-            </a:extLst>
-          </p:cNvPr>
-          <p:cNvSpPr txBox="1"/>
-          <p:nvPr/>
-        </p:nvSpPr>
-        <p:spPr>
-          <a:xfrm>
-            <a:off x="265159" y="1638692"/>
-            <a:ext cx="8586181" cy="400110"/>
-          </a:xfrm>
-          <a:prstGeom prst="rect">
-            <a:avLst/>
-          </a:prstGeom>
-          <a:noFill/>
-        </p:spPr>
-        <p:txBody>
-          <a:bodyPr wrap="square" rtlCol="0">
-            <a:spAutoFit/>
-          </a:bodyPr>
-          <a:lstStyle/>
-          <a:p>
-            <a:r>
-              <a:rPr kumimoji="1" lang="en-US" altLang="zh-TW" dirty="0"/>
-              <a:t>(a)</a:t>
-            </a:r>
-          </a:p>
-        </p:txBody>
-      </p:sp>
+      <mc:AlternateContent xmlns:mc="http://schemas.openxmlformats.org/markup-compatibility/2006">
+        <mc:Choice xmlns:a14="http://schemas.microsoft.com/office/drawing/2010/main" Requires="a14">
+          <p:sp>
+            <p:nvSpPr>
+              <p:cNvPr id="5" name="文字方塊 4">
+                <a:extLst>
+                  <a:ext uri="{FF2B5EF4-FFF2-40B4-BE49-F238E27FC236}">
+                    <a16:creationId xmlns:a16="http://schemas.microsoft.com/office/drawing/2014/main" id="{E7CD992E-07BD-424C-72AD-D9A153AB5378}"/>
+                  </a:ext>
+                </a:extLst>
+              </p:cNvPr>
+              <p:cNvSpPr txBox="1"/>
+              <p:nvPr/>
+            </p:nvSpPr>
+            <p:spPr>
+              <a:xfrm>
+                <a:off x="265159" y="1638692"/>
+                <a:ext cx="8586181" cy="4033540"/>
+              </a:xfrm>
+              <a:prstGeom prst="rect">
+                <a:avLst/>
+              </a:prstGeom>
+              <a:noFill/>
+            </p:spPr>
+            <p:txBody>
+              <a:bodyPr wrap="square" rtlCol="0">
+                <a:spAutoFit/>
+              </a:bodyPr>
+              <a:lstStyle/>
+              <a:p>
+                <a:pPr/>
+                <a14:m>
+                  <m:oMathPara xmlns:m="http://schemas.openxmlformats.org/officeDocument/2006/math">
+                    <m:oMathParaPr>
+                      <m:jc m:val="centerGroup"/>
+                    </m:oMathParaPr>
+                    <m:oMath xmlns:m="http://schemas.openxmlformats.org/officeDocument/2006/math">
+                      <m:acc>
+                        <m:accPr>
+                          <m:chr m:val="̂"/>
+                          <m:ctrlPr>
+                            <a:rPr kumimoji="1" lang="en-US" altLang="zh-TW" i="1" smtClean="0">
+                              <a:latin typeface="Cambria Math" panose="02040503050406030204" pitchFamily="18" charset="0"/>
+                            </a:rPr>
+                          </m:ctrlPr>
+                        </m:accPr>
+                        <m:e>
+                          <m:r>
+                            <a:rPr kumimoji="1" lang="en-US" altLang="zh-TW" b="0" i="1" smtClean="0">
+                              <a:latin typeface="Cambria Math" panose="02040503050406030204" pitchFamily="18" charset="0"/>
+                            </a:rPr>
+                            <m:t>𝑥</m:t>
+                          </m:r>
+                        </m:e>
+                      </m:acc>
+                      <m:d>
+                        <m:dPr>
+                          <m:ctrlPr>
+                            <a:rPr kumimoji="1" lang="en-US" altLang="zh-TW" b="0" i="1" smtClean="0">
+                              <a:latin typeface="Cambria Math" panose="02040503050406030204" pitchFamily="18" charset="0"/>
+                            </a:rPr>
+                          </m:ctrlPr>
+                        </m:dPr>
+                        <m:e>
+                          <m:r>
+                            <a:rPr kumimoji="1" lang="en-US" altLang="zh-TW" b="0" i="1" smtClean="0">
+                              <a:latin typeface="Cambria Math" panose="02040503050406030204" pitchFamily="18" charset="0"/>
+                            </a:rPr>
+                            <m:t>𝑧</m:t>
+                          </m:r>
+                        </m:e>
+                      </m:d>
+                      <m:r>
+                        <a:rPr kumimoji="1" lang="en-US" altLang="zh-TW" b="0" i="1" smtClean="0">
+                          <a:latin typeface="Cambria Math" panose="02040503050406030204" pitchFamily="18" charset="0"/>
+                        </a:rPr>
+                        <m:t>=</m:t>
+                      </m:r>
+                      <m:nary>
+                        <m:naryPr>
+                          <m:chr m:val="∑"/>
+                          <m:supHide m:val="on"/>
+                          <m:ctrlPr>
+                            <a:rPr kumimoji="1" lang="en-US" altLang="zh-TW" b="0" i="1" smtClean="0">
+                              <a:latin typeface="Cambria Math" panose="02040503050406030204" pitchFamily="18" charset="0"/>
+                            </a:rPr>
+                          </m:ctrlPr>
+                        </m:naryPr>
+                        <m:sub>
+                          <m:r>
+                            <m:rPr>
+                              <m:brk m:alnAt="7"/>
+                            </m:rPr>
+                            <a:rPr kumimoji="1" lang="en-US" altLang="zh-TW" b="0" i="1" smtClean="0">
+                              <a:latin typeface="Cambria Math" panose="02040503050406030204" pitchFamily="18" charset="0"/>
+                            </a:rPr>
+                            <m:t>𝑛</m:t>
+                          </m:r>
+                        </m:sub>
+                        <m:sup/>
+                        <m:e>
+                          <m:acc>
+                            <m:accPr>
+                              <m:chr m:val="̂"/>
+                              <m:ctrlPr>
+                                <a:rPr kumimoji="1" lang="en-US" altLang="zh-TW" b="0" i="1" smtClean="0">
+                                  <a:latin typeface="Cambria Math" panose="02040503050406030204" pitchFamily="18" charset="0"/>
+                                </a:rPr>
+                              </m:ctrlPr>
+                            </m:accPr>
+                            <m:e>
+                              <m:r>
+                                <a:rPr kumimoji="1" lang="en-US" altLang="zh-TW" b="0" i="1" smtClean="0">
+                                  <a:latin typeface="Cambria Math" panose="02040503050406030204" pitchFamily="18" charset="0"/>
+                                </a:rPr>
+                                <m:t>𝑥</m:t>
+                              </m:r>
+                            </m:e>
+                          </m:acc>
+                          <m:d>
+                            <m:dPr>
+                              <m:begChr m:val="["/>
+                              <m:endChr m:val="]"/>
+                              <m:ctrlPr>
+                                <a:rPr kumimoji="1" lang="en-US" altLang="zh-TW" b="0" i="1" smtClean="0">
+                                  <a:latin typeface="Cambria Math" panose="02040503050406030204" pitchFamily="18" charset="0"/>
+                                </a:rPr>
+                              </m:ctrlPr>
+                            </m:dPr>
+                            <m:e>
+                              <m:r>
+                                <a:rPr kumimoji="1" lang="en-US" altLang="zh-TW" b="0" i="1" smtClean="0">
+                                  <a:latin typeface="Cambria Math" panose="02040503050406030204" pitchFamily="18" charset="0"/>
+                                </a:rPr>
+                                <m:t>𝑛</m:t>
+                              </m:r>
+                            </m:e>
+                          </m:d>
+                          <m:sSup>
+                            <m:sSupPr>
+                              <m:ctrlPr>
+                                <a:rPr kumimoji="1" lang="en-US" altLang="zh-TW" b="0" i="1" smtClean="0">
+                                  <a:latin typeface="Cambria Math" panose="02040503050406030204" pitchFamily="18" charset="0"/>
+                                </a:rPr>
+                              </m:ctrlPr>
+                            </m:sSupPr>
+                            <m:e>
+                              <m:r>
+                                <a:rPr kumimoji="1" lang="en-US" altLang="zh-TW" b="0" i="1" smtClean="0">
+                                  <a:latin typeface="Cambria Math" panose="02040503050406030204" pitchFamily="18" charset="0"/>
+                                </a:rPr>
+                                <m:t>𝑧</m:t>
+                              </m:r>
+                            </m:e>
+                            <m:sup>
+                              <m:r>
+                                <a:rPr kumimoji="1" lang="en-US" altLang="zh-TW" b="0" i="1" smtClean="0">
+                                  <a:latin typeface="Cambria Math" panose="02040503050406030204" pitchFamily="18" charset="0"/>
+                                </a:rPr>
+                                <m:t>−</m:t>
+                              </m:r>
+                              <m:r>
+                                <a:rPr kumimoji="1" lang="en-US" altLang="zh-TW" b="0" i="1" smtClean="0">
+                                  <a:latin typeface="Cambria Math" panose="02040503050406030204" pitchFamily="18" charset="0"/>
+                                </a:rPr>
+                                <m:t>𝑛</m:t>
+                              </m:r>
+                            </m:sup>
+                          </m:sSup>
+                          <m:r>
+                            <a:rPr kumimoji="1" lang="en-US" altLang="zh-TW" b="0" i="1" smtClean="0">
+                              <a:latin typeface="Cambria Math" panose="02040503050406030204" pitchFamily="18" charset="0"/>
+                            </a:rPr>
+                            <m:t>=0.7</m:t>
+                          </m:r>
+                          <m:r>
+                            <a:rPr kumimoji="1" lang="zh-TW" altLang="en-US" b="0" i="1" smtClean="0">
+                              <a:latin typeface="Cambria Math" panose="02040503050406030204" pitchFamily="18" charset="0"/>
+                            </a:rPr>
+                            <m:t>∗</m:t>
+                          </m:r>
+                          <m:sSup>
+                            <m:sSupPr>
+                              <m:ctrlPr>
+                                <a:rPr kumimoji="1" lang="en-US" altLang="zh-TW" b="0" i="1" smtClean="0">
+                                  <a:latin typeface="Cambria Math" panose="02040503050406030204" pitchFamily="18" charset="0"/>
+                                </a:rPr>
+                              </m:ctrlPr>
+                            </m:sSupPr>
+                            <m:e>
+                              <m:r>
+                                <a:rPr kumimoji="1" lang="en-US" altLang="zh-TW" b="0" i="1" smtClean="0">
+                                  <a:latin typeface="Cambria Math" panose="02040503050406030204" pitchFamily="18" charset="0"/>
+                                </a:rPr>
+                                <m:t>𝑧</m:t>
+                              </m:r>
+                            </m:e>
+                            <m:sup>
+                              <m:r>
+                                <a:rPr kumimoji="1" lang="en-US" altLang="zh-TW" b="0" i="1" smtClean="0">
+                                  <a:latin typeface="Cambria Math" panose="02040503050406030204" pitchFamily="18" charset="0"/>
+                                </a:rPr>
+                                <m:t>−2</m:t>
+                              </m:r>
+                            </m:sup>
+                          </m:sSup>
+                        </m:e>
+                      </m:nary>
+                    </m:oMath>
+                  </m:oMathPara>
+                </a14:m>
+                <a:endParaRPr kumimoji="1" lang="en-US" altLang="zh-TW" dirty="0"/>
+              </a:p>
+              <a:p>
+                <a14:m>
+                  <m:oMathPara xmlns:m="http://schemas.openxmlformats.org/officeDocument/2006/math">
+                    <m:oMathParaPr>
+                      <m:jc m:val="centerGroup"/>
+                    </m:oMathParaPr>
+                    <m:oMath xmlns:m="http://schemas.openxmlformats.org/officeDocument/2006/math">
+                      <m:func>
+                        <m:funcPr>
+                          <m:ctrlPr>
+                            <a:rPr kumimoji="1" lang="en-US" altLang="zh-TW" b="0" i="1" smtClean="0">
+                              <a:latin typeface="Cambria Math" panose="02040503050406030204" pitchFamily="18" charset="0"/>
+                            </a:rPr>
+                          </m:ctrlPr>
+                        </m:funcPr>
+                        <m:fName>
+                          <m:r>
+                            <m:rPr>
+                              <m:sty m:val="p"/>
+                            </m:rPr>
+                            <a:rPr kumimoji="1" lang="en-US" altLang="zh-TW" b="0" i="0" smtClean="0">
+                              <a:latin typeface="Cambria Math" panose="02040503050406030204" pitchFamily="18" charset="0"/>
+                            </a:rPr>
+                            <m:t>exp</m:t>
+                          </m:r>
+                        </m:fName>
+                        <m:e>
+                          <m:d>
+                            <m:dPr>
+                              <m:ctrlPr>
+                                <a:rPr kumimoji="1" lang="en-US" altLang="zh-TW" b="0" i="1" smtClean="0">
+                                  <a:latin typeface="Cambria Math" panose="02040503050406030204" pitchFamily="18" charset="0"/>
+                                </a:rPr>
+                              </m:ctrlPr>
+                            </m:dPr>
+                            <m:e>
+                              <m:r>
+                                <a:rPr kumimoji="1" lang="en-US" altLang="zh-TW" b="0" i="1" smtClean="0">
+                                  <a:latin typeface="Cambria Math" panose="02040503050406030204" pitchFamily="18" charset="0"/>
+                                </a:rPr>
+                                <m:t>𝑥</m:t>
+                              </m:r>
+                            </m:e>
+                          </m:d>
+                        </m:e>
+                      </m:func>
+                      <m:r>
+                        <a:rPr kumimoji="1" lang="en-US" altLang="zh-TW" b="0" i="1" smtClean="0">
+                          <a:latin typeface="Cambria Math" panose="02040503050406030204" pitchFamily="18" charset="0"/>
+                        </a:rPr>
+                        <m:t>=1+</m:t>
+                      </m:r>
+                      <m:nary>
+                        <m:naryPr>
+                          <m:chr m:val="∑"/>
+                          <m:ctrlPr>
+                            <a:rPr kumimoji="1" lang="en-US" altLang="zh-TW" b="0" i="1" smtClean="0">
+                              <a:latin typeface="Cambria Math" panose="02040503050406030204" pitchFamily="18" charset="0"/>
+                            </a:rPr>
+                          </m:ctrlPr>
+                        </m:naryPr>
+                        <m:sub>
+                          <m:r>
+                            <m:rPr>
+                              <m:brk m:alnAt="23"/>
+                            </m:rPr>
+                            <a:rPr kumimoji="1" lang="en-US" altLang="zh-TW" b="0" i="1" smtClean="0">
+                              <a:latin typeface="Cambria Math" panose="02040503050406030204" pitchFamily="18" charset="0"/>
+                            </a:rPr>
+                            <m:t>𝑛</m:t>
+                          </m:r>
+                          <m:r>
+                            <a:rPr kumimoji="1" lang="en-US" altLang="zh-TW" b="0" i="1" smtClean="0">
+                              <a:latin typeface="Cambria Math" panose="02040503050406030204" pitchFamily="18" charset="0"/>
+                            </a:rPr>
+                            <m:t>=1</m:t>
+                          </m:r>
+                        </m:sub>
+                        <m:sup>
+                          <m:r>
+                            <a:rPr kumimoji="1" lang="en-US" altLang="zh-TW" b="0" i="1" smtClean="0">
+                              <a:latin typeface="Cambria Math" panose="02040503050406030204" pitchFamily="18" charset="0"/>
+                              <a:ea typeface="Cambria Math" panose="02040503050406030204" pitchFamily="18" charset="0"/>
+                            </a:rPr>
+                            <m:t>∞</m:t>
+                          </m:r>
+                        </m:sup>
+                        <m:e>
+                          <m:f>
+                            <m:fPr>
+                              <m:ctrlPr>
+                                <a:rPr kumimoji="1" lang="en-US" altLang="zh-TW" b="0" i="1" smtClean="0">
+                                  <a:latin typeface="Cambria Math" panose="02040503050406030204" pitchFamily="18" charset="0"/>
+                                </a:rPr>
+                              </m:ctrlPr>
+                            </m:fPr>
+                            <m:num>
+                              <m:sSup>
+                                <m:sSupPr>
+                                  <m:ctrlPr>
+                                    <a:rPr kumimoji="1" lang="en-US" altLang="zh-TW" b="0" i="1" smtClean="0">
+                                      <a:latin typeface="Cambria Math" panose="02040503050406030204" pitchFamily="18" charset="0"/>
+                                    </a:rPr>
+                                  </m:ctrlPr>
+                                </m:sSupPr>
+                                <m:e>
+                                  <m:r>
+                                    <a:rPr kumimoji="1" lang="en-US" altLang="zh-TW" b="0" i="1" smtClean="0">
+                                      <a:latin typeface="Cambria Math" panose="02040503050406030204" pitchFamily="18" charset="0"/>
+                                    </a:rPr>
+                                    <m:t>𝑥</m:t>
+                                  </m:r>
+                                </m:e>
+                                <m:sup>
+                                  <m:r>
+                                    <a:rPr kumimoji="1" lang="en-US" altLang="zh-TW" b="0" i="1" smtClean="0">
+                                      <a:latin typeface="Cambria Math" panose="02040503050406030204" pitchFamily="18" charset="0"/>
+                                    </a:rPr>
+                                    <m:t>𝑛</m:t>
+                                  </m:r>
+                                </m:sup>
+                              </m:sSup>
+                            </m:num>
+                            <m:den>
+                              <m:r>
+                                <a:rPr kumimoji="1" lang="en-US" altLang="zh-TW" b="0" i="1" smtClean="0">
+                                  <a:latin typeface="Cambria Math" panose="02040503050406030204" pitchFamily="18" charset="0"/>
+                                </a:rPr>
+                                <m:t>𝑛</m:t>
+                              </m:r>
+                              <m:r>
+                                <a:rPr kumimoji="1" lang="en-US" altLang="zh-TW" b="0" i="1" smtClean="0">
+                                  <a:latin typeface="Cambria Math" panose="02040503050406030204" pitchFamily="18" charset="0"/>
+                                </a:rPr>
+                                <m:t>!</m:t>
+                              </m:r>
+                            </m:den>
+                          </m:f>
+                        </m:e>
+                      </m:nary>
+                    </m:oMath>
+                  </m:oMathPara>
+                </a14:m>
+                <a:endParaRPr kumimoji="1" lang="en-US" altLang="zh-TW" b="0" i="0" dirty="0">
+                  <a:latin typeface="Cambria Math" panose="02040503050406030204" pitchFamily="18" charset="0"/>
+                </a:endParaRPr>
+              </a:p>
+              <a:p>
+                <a14:m>
+                  <m:oMathPara xmlns:m="http://schemas.openxmlformats.org/officeDocument/2006/math">
+                    <m:oMathParaPr>
+                      <m:jc m:val="centerGroup"/>
+                    </m:oMathParaPr>
+                    <m:oMath xmlns:m="http://schemas.openxmlformats.org/officeDocument/2006/math">
+                      <m:r>
+                        <a:rPr kumimoji="1" lang="en-US" altLang="zh-TW" b="0" i="0" smtClean="0">
+                          <a:latin typeface="Cambria Math" panose="02040503050406030204" pitchFamily="18" charset="0"/>
+                        </a:rPr>
+                        <m:t>⇒</m:t>
+                      </m:r>
+                      <m:func>
+                        <m:funcPr>
+                          <m:ctrlPr>
+                            <a:rPr kumimoji="1" lang="en-US" altLang="zh-TW" b="0" i="1" smtClean="0">
+                              <a:latin typeface="Cambria Math" panose="02040503050406030204" pitchFamily="18" charset="0"/>
+                            </a:rPr>
+                          </m:ctrlPr>
+                        </m:funcPr>
+                        <m:fName>
+                          <m:r>
+                            <m:rPr>
+                              <m:sty m:val="p"/>
+                            </m:rPr>
+                            <a:rPr kumimoji="1" lang="en-US" altLang="zh-TW" b="0" i="0" smtClean="0">
+                              <a:latin typeface="Cambria Math" panose="02040503050406030204" pitchFamily="18" charset="0"/>
+                            </a:rPr>
+                            <m:t>exp</m:t>
+                          </m:r>
+                        </m:fName>
+                        <m:e>
+                          <m:d>
+                            <m:dPr>
+                              <m:ctrlPr>
+                                <a:rPr kumimoji="1" lang="en-US" altLang="zh-TW" b="0" i="1" smtClean="0">
+                                  <a:latin typeface="Cambria Math" panose="02040503050406030204" pitchFamily="18" charset="0"/>
+                                </a:rPr>
+                              </m:ctrlPr>
+                            </m:dPr>
+                            <m:e>
+                              <m:r>
+                                <a:rPr lang="en-US" altLang="zh-TW" i="1">
+                                  <a:latin typeface="Cambria Math" panose="02040503050406030204" pitchFamily="18" charset="0"/>
+                                </a:rPr>
+                                <m:t>0.7</m:t>
+                              </m:r>
+                              <m:r>
+                                <a:rPr lang="zh-TW" altLang="en-US" i="1">
+                                  <a:latin typeface="Cambria Math" panose="02040503050406030204" pitchFamily="18" charset="0"/>
+                                </a:rPr>
+                                <m:t>∗</m:t>
+                              </m:r>
+                              <m:sSup>
+                                <m:sSupPr>
+                                  <m:ctrlPr>
+                                    <a:rPr lang="en-US" altLang="zh-TW" i="1">
+                                      <a:latin typeface="Cambria Math" panose="02040503050406030204" pitchFamily="18" charset="0"/>
+                                    </a:rPr>
+                                  </m:ctrlPr>
+                                </m:sSupPr>
+                                <m:e>
+                                  <m:r>
+                                    <a:rPr lang="en-US" altLang="zh-TW" i="1">
+                                      <a:latin typeface="Cambria Math" panose="02040503050406030204" pitchFamily="18" charset="0"/>
+                                    </a:rPr>
+                                    <m:t>𝑧</m:t>
+                                  </m:r>
+                                </m:e>
+                                <m:sup>
+                                  <m:r>
+                                    <a:rPr lang="en-US" altLang="zh-TW" i="1">
+                                      <a:latin typeface="Cambria Math" panose="02040503050406030204" pitchFamily="18" charset="0"/>
+                                    </a:rPr>
+                                    <m:t>−2</m:t>
+                                  </m:r>
+                                </m:sup>
+                              </m:sSup>
+                            </m:e>
+                          </m:d>
+                        </m:e>
+                      </m:func>
+                      <m:r>
+                        <a:rPr kumimoji="1" lang="en-US" altLang="zh-TW" b="0" i="1" smtClean="0">
+                          <a:latin typeface="Cambria Math" panose="02040503050406030204" pitchFamily="18" charset="0"/>
+                        </a:rPr>
+                        <m:t>=1+</m:t>
+                      </m:r>
+                      <m:nary>
+                        <m:naryPr>
+                          <m:chr m:val="∑"/>
+                          <m:ctrlPr>
+                            <a:rPr lang="en-US" altLang="zh-TW" i="1">
+                              <a:latin typeface="Cambria Math" panose="02040503050406030204" pitchFamily="18" charset="0"/>
+                            </a:rPr>
+                          </m:ctrlPr>
+                        </m:naryPr>
+                        <m:sub>
+                          <m:r>
+                            <m:rPr>
+                              <m:brk m:alnAt="23"/>
+                            </m:rPr>
+                            <a:rPr lang="en-US" altLang="zh-TW" i="1">
+                              <a:latin typeface="Cambria Math" panose="02040503050406030204" pitchFamily="18" charset="0"/>
+                            </a:rPr>
+                            <m:t>𝑛</m:t>
+                          </m:r>
+                          <m:r>
+                            <a:rPr lang="en-US" altLang="zh-TW" i="1">
+                              <a:latin typeface="Cambria Math" panose="02040503050406030204" pitchFamily="18" charset="0"/>
+                            </a:rPr>
+                            <m:t>=1</m:t>
+                          </m:r>
+                        </m:sub>
+                        <m:sup>
+                          <m:r>
+                            <a:rPr lang="en-US" altLang="zh-TW" i="1">
+                              <a:latin typeface="Cambria Math" panose="02040503050406030204" pitchFamily="18" charset="0"/>
+                              <a:ea typeface="Cambria Math" panose="02040503050406030204" pitchFamily="18" charset="0"/>
+                            </a:rPr>
+                            <m:t>∞</m:t>
+                          </m:r>
+                        </m:sup>
+                        <m:e>
+                          <m:f>
+                            <m:fPr>
+                              <m:ctrlPr>
+                                <a:rPr lang="en-US" altLang="zh-TW" i="1">
+                                  <a:latin typeface="Cambria Math" panose="02040503050406030204" pitchFamily="18" charset="0"/>
+                                </a:rPr>
+                              </m:ctrlPr>
+                            </m:fPr>
+                            <m:num>
+                              <m:sSup>
+                                <m:sSupPr>
+                                  <m:ctrlPr>
+                                    <a:rPr lang="en-US" altLang="zh-TW" i="1">
+                                      <a:latin typeface="Cambria Math" panose="02040503050406030204" pitchFamily="18" charset="0"/>
+                                    </a:rPr>
+                                  </m:ctrlPr>
+                                </m:sSupPr>
+                                <m:e>
+                                  <m:r>
+                                    <a:rPr lang="en-US" altLang="zh-TW" b="0" i="1" smtClean="0">
+                                      <a:latin typeface="Cambria Math" panose="02040503050406030204" pitchFamily="18" charset="0"/>
+                                    </a:rPr>
+                                    <m:t>(</m:t>
+                                  </m:r>
+                                  <m:r>
+                                    <a:rPr lang="en-US" altLang="zh-TW" i="1">
+                                      <a:latin typeface="Cambria Math" panose="02040503050406030204" pitchFamily="18" charset="0"/>
+                                    </a:rPr>
+                                    <m:t>0.7</m:t>
+                                  </m:r>
+                                  <m:r>
+                                    <a:rPr lang="zh-TW" altLang="en-US" i="1">
+                                      <a:latin typeface="Cambria Math" panose="02040503050406030204" pitchFamily="18" charset="0"/>
+                                    </a:rPr>
+                                    <m:t>∗</m:t>
+                                  </m:r>
+                                  <m:sSup>
+                                    <m:sSupPr>
+                                      <m:ctrlPr>
+                                        <a:rPr lang="en-US" altLang="zh-TW" i="1">
+                                          <a:latin typeface="Cambria Math" panose="02040503050406030204" pitchFamily="18" charset="0"/>
+                                        </a:rPr>
+                                      </m:ctrlPr>
+                                    </m:sSupPr>
+                                    <m:e>
+                                      <m:r>
+                                        <a:rPr lang="en-US" altLang="zh-TW" i="1">
+                                          <a:latin typeface="Cambria Math" panose="02040503050406030204" pitchFamily="18" charset="0"/>
+                                        </a:rPr>
+                                        <m:t>𝑧</m:t>
+                                      </m:r>
+                                    </m:e>
+                                    <m:sup>
+                                      <m:r>
+                                        <a:rPr lang="en-US" altLang="zh-TW" i="1">
+                                          <a:latin typeface="Cambria Math" panose="02040503050406030204" pitchFamily="18" charset="0"/>
+                                        </a:rPr>
+                                        <m:t>−2</m:t>
+                                      </m:r>
+                                    </m:sup>
+                                  </m:sSup>
+                                  <m:r>
+                                    <a:rPr lang="en-US" altLang="zh-TW" b="0" i="1" smtClean="0">
+                                      <a:latin typeface="Cambria Math" panose="02040503050406030204" pitchFamily="18" charset="0"/>
+                                    </a:rPr>
+                                    <m:t>)</m:t>
+                                  </m:r>
+                                </m:e>
+                                <m:sup>
+                                  <m:r>
+                                    <a:rPr lang="en-US" altLang="zh-TW" i="1">
+                                      <a:latin typeface="Cambria Math" panose="02040503050406030204" pitchFamily="18" charset="0"/>
+                                    </a:rPr>
+                                    <m:t>𝑛</m:t>
+                                  </m:r>
+                                </m:sup>
+                              </m:sSup>
+                            </m:num>
+                            <m:den>
+                              <m:r>
+                                <a:rPr lang="en-US" altLang="zh-TW" i="1">
+                                  <a:latin typeface="Cambria Math" panose="02040503050406030204" pitchFamily="18" charset="0"/>
+                                </a:rPr>
+                                <m:t>𝑛</m:t>
+                              </m:r>
+                              <m:r>
+                                <a:rPr lang="en-US" altLang="zh-TW" i="1">
+                                  <a:latin typeface="Cambria Math" panose="02040503050406030204" pitchFamily="18" charset="0"/>
+                                </a:rPr>
+                                <m:t>!</m:t>
+                              </m:r>
+                            </m:den>
+                          </m:f>
+                        </m:e>
+                      </m:nary>
+                    </m:oMath>
+                  </m:oMathPara>
+                </a14:m>
+                <a:endParaRPr kumimoji="1" lang="en-US" altLang="zh-TW" dirty="0"/>
+              </a:p>
+              <a:p>
+                <a14:m>
+                  <m:oMathPara xmlns:m="http://schemas.openxmlformats.org/officeDocument/2006/math">
+                    <m:oMathParaPr>
+                      <m:jc m:val="centerGroup"/>
+                    </m:oMathParaPr>
+                    <m:oMath xmlns:m="http://schemas.openxmlformats.org/officeDocument/2006/math">
+                      <m:r>
+                        <a:rPr kumimoji="1" lang="en-US" altLang="zh-TW" b="0" i="1" smtClean="0">
+                          <a:latin typeface="Cambria Math" panose="02040503050406030204" pitchFamily="18" charset="0"/>
+                        </a:rPr>
+                        <m:t>𝑖𝑛𝑣𝑒𝑟𝑠𝑒</m:t>
+                      </m:r>
+                      <m:r>
+                        <a:rPr kumimoji="1" lang="zh-TW" altLang="en-US" b="0" i="1" smtClean="0">
+                          <a:latin typeface="Cambria Math" panose="02040503050406030204" pitchFamily="18" charset="0"/>
+                        </a:rPr>
+                        <m:t> </m:t>
+                      </m:r>
+                      <m:r>
+                        <a:rPr kumimoji="1" lang="en-US" altLang="zh-TW" b="0" i="1" smtClean="0">
+                          <a:latin typeface="Cambria Math" panose="02040503050406030204" pitchFamily="18" charset="0"/>
+                        </a:rPr>
+                        <m:t>𝑍</m:t>
+                      </m:r>
+                      <m:r>
+                        <a:rPr kumimoji="1" lang="zh-TW" altLang="en-US" b="0" i="1" smtClean="0">
+                          <a:latin typeface="Cambria Math" panose="02040503050406030204" pitchFamily="18" charset="0"/>
+                        </a:rPr>
+                        <m:t> </m:t>
+                      </m:r>
+                      <m:r>
+                        <a:rPr kumimoji="1" lang="en-US" altLang="zh-TW" b="0" i="1" smtClean="0">
+                          <a:latin typeface="Cambria Math" panose="02040503050406030204" pitchFamily="18" charset="0"/>
+                        </a:rPr>
+                        <m:t>𝑡𝑟𝑎𝑛𝑠𝑓𝑜𝑟𝑚</m:t>
+                      </m:r>
+                      <m:r>
+                        <a:rPr kumimoji="1" lang="en-US" altLang="zh-TW" b="0" i="1" smtClean="0">
+                          <a:latin typeface="Cambria Math" panose="02040503050406030204" pitchFamily="18" charset="0"/>
+                        </a:rPr>
+                        <m:t>⇒</m:t>
+                      </m:r>
+                      <m:r>
+                        <a:rPr kumimoji="1" lang="en-US" altLang="zh-TW" b="0" i="1" smtClean="0">
+                          <a:latin typeface="Cambria Math" panose="02040503050406030204" pitchFamily="18" charset="0"/>
+                        </a:rPr>
+                        <m:t>𝑥</m:t>
+                      </m:r>
+                      <m:d>
+                        <m:dPr>
+                          <m:begChr m:val="["/>
+                          <m:endChr m:val="]"/>
+                          <m:ctrlPr>
+                            <a:rPr kumimoji="1" lang="en-US" altLang="zh-TW" b="0" i="1" smtClean="0">
+                              <a:latin typeface="Cambria Math" panose="02040503050406030204" pitchFamily="18" charset="0"/>
+                            </a:rPr>
+                          </m:ctrlPr>
+                        </m:dPr>
+                        <m:e>
+                          <m:r>
+                            <a:rPr kumimoji="1" lang="en-US" altLang="zh-TW" b="0" i="1" smtClean="0">
+                              <a:latin typeface="Cambria Math" panose="02040503050406030204" pitchFamily="18" charset="0"/>
+                            </a:rPr>
+                            <m:t>𝑛</m:t>
+                          </m:r>
+                        </m:e>
+                      </m:d>
+                      <m:r>
+                        <a:rPr kumimoji="1" lang="en-US" altLang="zh-TW" b="0" i="1" smtClean="0">
+                          <a:latin typeface="Cambria Math" panose="02040503050406030204" pitchFamily="18" charset="0"/>
+                        </a:rPr>
+                        <m:t>=</m:t>
+                      </m:r>
+                      <m:r>
+                        <a:rPr kumimoji="1" lang="en-US" altLang="zh-TW" b="0" i="1" smtClean="0">
+                          <a:latin typeface="Cambria Math" panose="02040503050406030204" pitchFamily="18" charset="0"/>
+                          <a:ea typeface="Cambria Math" panose="02040503050406030204" pitchFamily="18" charset="0"/>
+                        </a:rPr>
+                        <m:t>𝛿</m:t>
+                      </m:r>
+                      <m:d>
+                        <m:dPr>
+                          <m:begChr m:val="["/>
+                          <m:endChr m:val="]"/>
+                          <m:ctrlPr>
+                            <a:rPr kumimoji="1" lang="en-US" altLang="zh-TW" b="0" i="1" smtClean="0">
+                              <a:latin typeface="Cambria Math" panose="02040503050406030204" pitchFamily="18" charset="0"/>
+                              <a:ea typeface="Cambria Math" panose="02040503050406030204" pitchFamily="18" charset="0"/>
+                            </a:rPr>
+                          </m:ctrlPr>
+                        </m:dPr>
+                        <m:e>
+                          <m:r>
+                            <a:rPr kumimoji="1" lang="en-US" altLang="zh-TW" b="0" i="1" smtClean="0">
+                              <a:latin typeface="Cambria Math" panose="02040503050406030204" pitchFamily="18" charset="0"/>
+                              <a:ea typeface="Cambria Math" panose="02040503050406030204" pitchFamily="18" charset="0"/>
+                            </a:rPr>
+                            <m:t>𝑛</m:t>
+                          </m:r>
+                        </m:e>
+                      </m:d>
+                      <m:r>
+                        <a:rPr kumimoji="1" lang="en-US" altLang="zh-TW" b="0" i="1" smtClean="0">
+                          <a:latin typeface="Cambria Math" panose="02040503050406030204" pitchFamily="18" charset="0"/>
+                          <a:ea typeface="Cambria Math" panose="02040503050406030204" pitchFamily="18" charset="0"/>
+                        </a:rPr>
+                        <m:t>+</m:t>
+                      </m:r>
+                      <m:f>
+                        <m:fPr>
+                          <m:ctrlPr>
+                            <a:rPr kumimoji="1" lang="en-US" altLang="zh-TW" b="0" i="1" smtClean="0">
+                              <a:latin typeface="Cambria Math" panose="02040503050406030204" pitchFamily="18" charset="0"/>
+                              <a:ea typeface="Cambria Math" panose="02040503050406030204" pitchFamily="18" charset="0"/>
+                            </a:rPr>
+                          </m:ctrlPr>
+                        </m:fPr>
+                        <m:num>
+                          <m:sSup>
+                            <m:sSupPr>
+                              <m:ctrlPr>
+                                <a:rPr kumimoji="1" lang="en-US" altLang="zh-TW" b="0" i="1" smtClean="0">
+                                  <a:latin typeface="Cambria Math" panose="02040503050406030204" pitchFamily="18" charset="0"/>
+                                  <a:ea typeface="Cambria Math" panose="02040503050406030204" pitchFamily="18" charset="0"/>
+                                </a:rPr>
+                              </m:ctrlPr>
+                            </m:sSupPr>
+                            <m:e>
+                              <m:r>
+                                <a:rPr kumimoji="1" lang="en-US" altLang="zh-TW" b="0" i="1" smtClean="0">
+                                  <a:latin typeface="Cambria Math" panose="02040503050406030204" pitchFamily="18" charset="0"/>
+                                  <a:ea typeface="Cambria Math" panose="02040503050406030204" pitchFamily="18" charset="0"/>
+                                </a:rPr>
+                                <m:t>0.7</m:t>
+                              </m:r>
+                            </m:e>
+                            <m:sup>
+                              <m:r>
+                                <a:rPr kumimoji="1" lang="en-US" altLang="zh-TW" b="0" i="1" smtClean="0">
+                                  <a:latin typeface="Cambria Math" panose="02040503050406030204" pitchFamily="18" charset="0"/>
+                                  <a:ea typeface="Cambria Math" panose="02040503050406030204" pitchFamily="18" charset="0"/>
+                                </a:rPr>
+                                <m:t>𝑛</m:t>
+                              </m:r>
+                            </m:sup>
+                          </m:sSup>
+                        </m:num>
+                        <m:den>
+                          <m:r>
+                            <a:rPr kumimoji="1" lang="en-US" altLang="zh-TW" b="0" i="1" smtClean="0">
+                              <a:latin typeface="Cambria Math" panose="02040503050406030204" pitchFamily="18" charset="0"/>
+                              <a:ea typeface="Cambria Math" panose="02040503050406030204" pitchFamily="18" charset="0"/>
+                            </a:rPr>
+                            <m:t>𝑛</m:t>
+                          </m:r>
+                          <m:r>
+                            <a:rPr kumimoji="1" lang="en-US" altLang="zh-TW" b="0" i="1" smtClean="0">
+                              <a:latin typeface="Cambria Math" panose="02040503050406030204" pitchFamily="18" charset="0"/>
+                              <a:ea typeface="Cambria Math" panose="02040503050406030204" pitchFamily="18" charset="0"/>
+                            </a:rPr>
+                            <m:t>!</m:t>
+                          </m:r>
+                        </m:den>
+                      </m:f>
+                      <m:r>
+                        <a:rPr kumimoji="1" lang="zh-TW" altLang="en-US" b="0" i="1" smtClean="0">
+                          <a:latin typeface="Cambria Math" panose="02040503050406030204" pitchFamily="18" charset="0"/>
+                          <a:ea typeface="Cambria Math" panose="02040503050406030204" pitchFamily="18" charset="0"/>
+                        </a:rPr>
+                        <m:t> </m:t>
+                      </m:r>
+                      <m:r>
+                        <a:rPr kumimoji="1" lang="en-US" altLang="zh-TW" b="0" i="1" smtClean="0">
+                          <a:latin typeface="Cambria Math" panose="02040503050406030204" pitchFamily="18" charset="0"/>
+                          <a:ea typeface="Cambria Math" panose="02040503050406030204" pitchFamily="18" charset="0"/>
+                        </a:rPr>
+                        <m:t>,</m:t>
+                      </m:r>
+                      <m:r>
+                        <a:rPr kumimoji="1" lang="zh-TW" altLang="en-US" b="0" i="1" smtClean="0">
+                          <a:latin typeface="Cambria Math" panose="02040503050406030204" pitchFamily="18" charset="0"/>
+                          <a:ea typeface="Cambria Math" panose="02040503050406030204" pitchFamily="18" charset="0"/>
+                        </a:rPr>
+                        <m:t> </m:t>
+                      </m:r>
+                      <m:r>
+                        <a:rPr kumimoji="1" lang="en-US" altLang="zh-TW" b="0" i="1" smtClean="0">
+                          <a:latin typeface="Cambria Math" panose="02040503050406030204" pitchFamily="18" charset="0"/>
+                          <a:ea typeface="Cambria Math" panose="02040503050406030204" pitchFamily="18" charset="0"/>
+                        </a:rPr>
+                        <m:t>𝑛</m:t>
+                      </m:r>
+                      <m:r>
+                        <a:rPr kumimoji="1" lang="en-US" altLang="zh-TW" b="0" i="1" smtClean="0">
+                          <a:latin typeface="Cambria Math" panose="02040503050406030204" pitchFamily="18" charset="0"/>
+                          <a:ea typeface="Cambria Math" panose="02040503050406030204" pitchFamily="18" charset="0"/>
+                        </a:rPr>
+                        <m:t>≥0</m:t>
+                      </m:r>
+                    </m:oMath>
+                  </m:oMathPara>
+                </a14:m>
+                <a:endParaRPr kumimoji="1" lang="en-US" altLang="zh-TW" b="0" dirty="0">
+                  <a:ea typeface="Cambria Math" panose="02040503050406030204" pitchFamily="18" charset="0"/>
+                </a:endParaRPr>
+              </a:p>
+              <a:p>
+                <a:endParaRPr kumimoji="1" lang="en-US" altLang="zh-TW" dirty="0"/>
+              </a:p>
+              <a:p>
+                <a14:m>
+                  <m:oMathPara xmlns:m="http://schemas.openxmlformats.org/officeDocument/2006/math">
+                    <m:oMathParaPr>
+                      <m:jc m:val="centerGroup"/>
+                    </m:oMathParaPr>
+                    <m:oMath xmlns:m="http://schemas.openxmlformats.org/officeDocument/2006/math">
+                      <m:r>
+                        <a:rPr kumimoji="1" lang="en-US" altLang="zh-TW" b="0" i="1" smtClean="0">
+                          <a:latin typeface="Cambria Math" panose="02040503050406030204" pitchFamily="18" charset="0"/>
+                        </a:rPr>
+                        <m:t>𝑥</m:t>
+                      </m:r>
+                      <m:d>
+                        <m:dPr>
+                          <m:begChr m:val="["/>
+                          <m:endChr m:val="]"/>
+                          <m:ctrlPr>
+                            <a:rPr kumimoji="1" lang="en-US" altLang="zh-TW" b="0" i="1" smtClean="0">
+                              <a:latin typeface="Cambria Math" panose="02040503050406030204" pitchFamily="18" charset="0"/>
+                            </a:rPr>
+                          </m:ctrlPr>
+                        </m:dPr>
+                        <m:e>
+                          <m:r>
+                            <a:rPr kumimoji="1" lang="en-US" altLang="zh-TW" b="0" i="1" smtClean="0">
+                              <a:latin typeface="Cambria Math" panose="02040503050406030204" pitchFamily="18" charset="0"/>
+                            </a:rPr>
+                            <m:t>𝑛</m:t>
+                          </m:r>
+                        </m:e>
+                      </m:d>
+                      <m:r>
+                        <a:rPr kumimoji="1" lang="en-US" altLang="zh-TW" b="0" i="1" smtClean="0">
+                          <a:latin typeface="Cambria Math" panose="02040503050406030204" pitchFamily="18" charset="0"/>
+                        </a:rPr>
+                        <m:t>=</m:t>
+                      </m:r>
+                      <m:r>
+                        <a:rPr kumimoji="1" lang="en-US" altLang="zh-TW" b="0" i="1" smtClean="0">
+                          <a:latin typeface="Cambria Math" panose="02040503050406030204" pitchFamily="18" charset="0"/>
+                          <a:ea typeface="Cambria Math" panose="02040503050406030204" pitchFamily="18" charset="0"/>
+                        </a:rPr>
+                        <m:t>0</m:t>
+                      </m:r>
+                      <m:r>
+                        <a:rPr kumimoji="1" lang="zh-TW" altLang="en-US" b="0" i="1" smtClean="0">
+                          <a:latin typeface="Cambria Math" panose="02040503050406030204" pitchFamily="18" charset="0"/>
+                          <a:ea typeface="Cambria Math" panose="02040503050406030204" pitchFamily="18" charset="0"/>
+                        </a:rPr>
+                        <m:t> </m:t>
+                      </m:r>
+                      <m:r>
+                        <a:rPr kumimoji="1" lang="en-US" altLang="zh-TW" b="0" i="1" smtClean="0">
+                          <a:latin typeface="Cambria Math" panose="02040503050406030204" pitchFamily="18" charset="0"/>
+                          <a:ea typeface="Cambria Math" panose="02040503050406030204" pitchFamily="18" charset="0"/>
+                        </a:rPr>
+                        <m:t>,</m:t>
+                      </m:r>
+                      <m:r>
+                        <a:rPr kumimoji="1" lang="zh-TW" altLang="en-US" b="0" i="1" smtClean="0">
+                          <a:latin typeface="Cambria Math" panose="02040503050406030204" pitchFamily="18" charset="0"/>
+                          <a:ea typeface="Cambria Math" panose="02040503050406030204" pitchFamily="18" charset="0"/>
+                        </a:rPr>
+                        <m:t> </m:t>
+                      </m:r>
+                      <m:r>
+                        <a:rPr kumimoji="1" lang="en-US" altLang="zh-TW" b="0" i="1" smtClean="0">
+                          <a:latin typeface="Cambria Math" panose="02040503050406030204" pitchFamily="18" charset="0"/>
+                          <a:ea typeface="Cambria Math" panose="02040503050406030204" pitchFamily="18" charset="0"/>
+                        </a:rPr>
+                        <m:t>𝑜𝑡h𝑒𝑟𝑤𝑖𝑠𝑒</m:t>
+                      </m:r>
+                    </m:oMath>
+                  </m:oMathPara>
+                </a14:m>
+                <a:endParaRPr kumimoji="1" lang="en-US" altLang="zh-TW" b="0" dirty="0">
+                  <a:ea typeface="Cambria Math" panose="02040503050406030204" pitchFamily="18" charset="0"/>
+                </a:endParaRPr>
+              </a:p>
+              <a:p>
+                <a:endParaRPr kumimoji="1" lang="en-US" altLang="zh-TW" dirty="0"/>
+              </a:p>
+            </p:txBody>
+          </p:sp>
+        </mc:Choice>
+        <mc:Fallback>
+          <p:sp>
+            <p:nvSpPr>
+              <p:cNvPr id="5" name="文字方塊 4">
+                <a:extLst>
+                  <a:ext uri="{FF2B5EF4-FFF2-40B4-BE49-F238E27FC236}">
+                    <a16:creationId xmlns:a16="http://schemas.microsoft.com/office/drawing/2014/main" id="{E7CD992E-07BD-424C-72AD-D9A153AB5378}"/>
+                  </a:ext>
+                </a:extLst>
+              </p:cNvPr>
+              <p:cNvSpPr txBox="1">
+                <a:spLocks noRot="1" noChangeAspect="1" noMove="1" noResize="1" noEditPoints="1" noAdjustHandles="1" noChangeArrowheads="1" noChangeShapeType="1" noTextEdit="1"/>
+              </p:cNvSpPr>
+              <p:nvPr/>
+            </p:nvSpPr>
+            <p:spPr>
+              <a:xfrm>
+                <a:off x="265159" y="1638692"/>
+                <a:ext cx="8586181" cy="4033540"/>
+              </a:xfrm>
+              <a:prstGeom prst="rect">
+                <a:avLst/>
+              </a:prstGeom>
+              <a:blipFill>
+                <a:blip r:embed="rId5"/>
+                <a:stretch>
+                  <a:fillRect t="-26415"/>
+                </a:stretch>
+              </a:blipFill>
+            </p:spPr>
+            <p:txBody>
+              <a:bodyPr/>
+              <a:lstStyle/>
+              <a:p>
+                <a:r>
+                  <a:rPr lang="zh-TW" altLang="en-US">
+                    <a:noFill/>
+                  </a:rPr>
+                  <a:t> </a:t>
+                </a:r>
+              </a:p>
+            </p:txBody>
+          </p:sp>
+        </mc:Fallback>
+      </mc:AlternateContent>
     </p:spTree>
     <p:extLst>
       <p:ext uri="{BB962C8B-B14F-4D97-AF65-F5344CB8AC3E}">

--- a/HW2/r10943181_HW2.pptx
+++ b/HW2/r10943181_HW2.pptx
@@ -247,7 +247,7 @@
           <a:p>
             <a:fld id="{23636574-8C16-4C06-9073-A4DFC3B05F2C}" type="datetimeFigureOut">
               <a:rPr lang="zh-TW" altLang="en-US" smtClean="0"/>
-              <a:t>2023/4/4</a:t>
+              <a:t>2023/4/5</a:t>
             </a:fld>
             <a:endParaRPr lang="zh-TW" altLang="en-US"/>
           </a:p>
@@ -4916,6 +4916,154 @@
           </a:p>
         </p:txBody>
       </p:sp>
+      <p:sp>
+        <p:nvSpPr>
+          <p:cNvPr id="2" name="文字方塊 1">
+            <a:extLst>
+              <a:ext uri="{FF2B5EF4-FFF2-40B4-BE49-F238E27FC236}">
+                <a16:creationId xmlns:a16="http://schemas.microsoft.com/office/drawing/2014/main" id="{F50AE5E3-B85A-D3E7-2A66-E5131CB62951}"/>
+              </a:ext>
+            </a:extLst>
+          </p:cNvPr>
+          <p:cNvSpPr txBox="1"/>
+          <p:nvPr/>
+        </p:nvSpPr>
+        <p:spPr>
+          <a:xfrm>
+            <a:off x="338501" y="1340768"/>
+            <a:ext cx="8466995" cy="1938992"/>
+          </a:xfrm>
+          <a:prstGeom prst="rect">
+            <a:avLst/>
+          </a:prstGeom>
+          <a:noFill/>
+        </p:spPr>
+        <p:txBody>
+          <a:bodyPr wrap="square" rtlCol="0">
+            <a:spAutoFit/>
+          </a:bodyPr>
+          <a:lstStyle/>
+          <a:p>
+            <a:r>
+              <a:rPr kumimoji="1" lang="en-US" altLang="zh-TW" dirty="0"/>
+              <a:t>Q</a:t>
+            </a:r>
+            <a:r>
+              <a:rPr kumimoji="1" lang="zh-TW" altLang="en-US" dirty="0"/>
+              <a:t>：</a:t>
+            </a:r>
+            <a:endParaRPr kumimoji="1" lang="en-US" altLang="zh-TW" dirty="0"/>
+          </a:p>
+          <a:p>
+            <a:r>
+              <a:rPr lang="en-US" altLang="zh-TW" dirty="0"/>
+              <a:t>M</a:t>
+            </a:r>
+            <a:r>
+              <a:rPr kumimoji="1" lang="en-US" altLang="zh-TW" dirty="0"/>
+              <a:t>atched</a:t>
+            </a:r>
+            <a:r>
+              <a:rPr kumimoji="1" lang="zh-TW" altLang="en-US" dirty="0"/>
+              <a:t> </a:t>
+            </a:r>
+            <a:r>
+              <a:rPr kumimoji="1" lang="en-US" altLang="zh-TW" dirty="0"/>
+              <a:t>filter</a:t>
+            </a:r>
+            <a:r>
+              <a:rPr kumimoji="1" lang="zh-TW" altLang="en-US" dirty="0"/>
+              <a:t> 在訊號處理中主要可以用來做什麼？</a:t>
+            </a:r>
+            <a:endParaRPr kumimoji="1" lang="en-US" altLang="zh-TW" dirty="0"/>
+          </a:p>
+          <a:p>
+            <a:endParaRPr lang="en-US" altLang="zh-TW" dirty="0"/>
+          </a:p>
+          <a:p>
+            <a:r>
+              <a:rPr kumimoji="1" lang="en-US" altLang="zh-TW" dirty="0"/>
+              <a:t>A</a:t>
+            </a:r>
+            <a:r>
+              <a:rPr kumimoji="1" lang="zh-TW" altLang="en-US" dirty="0"/>
+              <a:t>：</a:t>
+            </a:r>
+            <a:endParaRPr kumimoji="1" lang="en-US" altLang="zh-TW" dirty="0"/>
+          </a:p>
+          <a:p>
+            <a:r>
+              <a:rPr lang="en-US" altLang="zh-TW" dirty="0"/>
+              <a:t>M</a:t>
+            </a:r>
+            <a:r>
+              <a:rPr kumimoji="1" lang="en-US" altLang="zh-TW" dirty="0"/>
+              <a:t>atched</a:t>
+            </a:r>
+            <a:r>
+              <a:rPr kumimoji="1" lang="zh-TW" altLang="en-US" dirty="0"/>
+              <a:t> </a:t>
+            </a:r>
+            <a:r>
+              <a:rPr kumimoji="1" lang="en-US" altLang="zh-TW" dirty="0"/>
+              <a:t>filter</a:t>
+            </a:r>
+            <a:r>
+              <a:rPr kumimoji="1" lang="zh-TW" altLang="en-US" dirty="0"/>
+              <a:t> 可以透過做 </a:t>
+            </a:r>
+            <a:r>
+              <a:rPr kumimoji="1" lang="en-US" altLang="zh-TW" dirty="0"/>
+              <a:t>time</a:t>
+            </a:r>
+            <a:r>
+              <a:rPr kumimoji="1" lang="zh-TW" altLang="en-US" dirty="0"/>
+              <a:t> </a:t>
+            </a:r>
+            <a:r>
+              <a:rPr kumimoji="1" lang="en-US" altLang="zh-TW" dirty="0"/>
+              <a:t>reverse</a:t>
+            </a:r>
+            <a:r>
+              <a:rPr kumimoji="1" lang="zh-TW" altLang="en-US" dirty="0"/>
+              <a:t> 的方式找到目標</a:t>
+            </a:r>
+            <a:r>
+              <a:rPr lang="zh-TW" altLang="en-US" dirty="0"/>
+              <a:t>物件，</a:t>
+            </a:r>
+            <a:r>
+              <a:rPr kumimoji="1" lang="zh-TW" altLang="en-US" dirty="0"/>
+              <a:t>在訊號處理中</a:t>
+            </a:r>
+            <a:r>
+              <a:rPr lang="zh-TW" altLang="en-US" dirty="0"/>
+              <a:t>通常是用來做物件偵測 </a:t>
+            </a:r>
+            <a:r>
+              <a:rPr lang="en-US" altLang="zh-TW" dirty="0"/>
+              <a:t>pattern recognition</a:t>
+            </a:r>
+            <a:r>
+              <a:rPr lang="zh-TW" altLang="en-US" dirty="0"/>
+              <a:t> 以及 </a:t>
+            </a:r>
+            <a:r>
+              <a:rPr lang="en-US" altLang="zh-TW" dirty="0"/>
+              <a:t>similarity measurement</a:t>
+            </a:r>
+            <a:r>
+              <a:rPr lang="zh-TW" altLang="en-US" dirty="0"/>
+              <a:t>。</a:t>
+            </a:r>
+            <a:r>
+              <a:rPr lang="en-US" altLang="zh-TW" dirty="0"/>
+              <a:t> </a:t>
+            </a:r>
+            <a:endParaRPr kumimoji="1" lang="en-US" altLang="zh-TW" dirty="0"/>
+          </a:p>
+        </p:txBody>
+      </p:sp>
     </p:spTree>
     <p:extLst>
       <p:ext uri="{BB962C8B-B14F-4D97-AF65-F5344CB8AC3E}">
@@ -5305,8 +5453,8 @@
           </a:p>
         </p:txBody>
       </p:sp>
-      <mc:AlternateContent xmlns:mc="http://schemas.openxmlformats.org/markup-compatibility/2006">
-        <mc:Choice xmlns:a14="http://schemas.microsoft.com/office/drawing/2010/main" Requires="a14">
+      <mc:AlternateContent xmlns:mc="http://schemas.openxmlformats.org/markup-compatibility/2006" xmlns:a14="http://schemas.microsoft.com/office/drawing/2010/main">
+        <mc:Choice Requires="a14">
           <p:sp>
             <p:nvSpPr>
               <p:cNvPr id="2" name="文字方塊 1">
@@ -5723,7 +5871,7 @@
             </p:txBody>
           </p:sp>
         </mc:Choice>
-        <mc:Fallback>
+        <mc:Fallback xmlns="">
           <p:sp>
             <p:nvSpPr>
               <p:cNvPr id="2" name="文字方塊 1">
@@ -6090,8 +6238,8 @@
           </a:p>
         </p:txBody>
       </p:sp>
-      <mc:AlternateContent xmlns:mc="http://schemas.openxmlformats.org/markup-compatibility/2006">
-        <mc:Choice xmlns:a14="http://schemas.microsoft.com/office/drawing/2010/main" Requires="a14">
+      <mc:AlternateContent xmlns:mc="http://schemas.openxmlformats.org/markup-compatibility/2006" xmlns:a14="http://schemas.microsoft.com/office/drawing/2010/main">
+        <mc:Choice Requires="a14">
           <p:sp>
             <p:nvSpPr>
               <p:cNvPr id="2" name="文字方塊 1">
@@ -6126,6 +6274,7 @@
                 </a:r>
               </a:p>
               <a:p>
+                <a:pPr/>
                 <a14:m>
                   <m:oMathPara xmlns:m="http://schemas.openxmlformats.org/officeDocument/2006/math">
                     <m:oMathParaPr>
@@ -6226,6 +6375,7 @@
                 <a:endParaRPr kumimoji="1" lang="en-US" altLang="zh-TW" b="0" dirty="0"/>
               </a:p>
               <a:p>
+                <a:pPr/>
                 <a14:m>
                   <m:oMathPara xmlns:m="http://schemas.openxmlformats.org/officeDocument/2006/math">
                     <m:oMathParaPr>
@@ -6574,6 +6724,7 @@
                 <a:endParaRPr lang="en-US" altLang="zh-TW" dirty="0"/>
               </a:p>
               <a:p>
+                <a:pPr/>
                 <a14:m>
                   <m:oMathPara xmlns:m="http://schemas.openxmlformats.org/officeDocument/2006/math">
                     <m:oMathParaPr>
@@ -6687,6 +6838,7 @@
                 </a:endParaRPr>
               </a:p>
               <a:p>
+                <a:pPr/>
                 <a14:m>
                   <m:oMathPara xmlns:m="http://schemas.openxmlformats.org/officeDocument/2006/math">
                     <m:oMathParaPr>
@@ -7080,6 +7232,7 @@
                 <a:endParaRPr kumimoji="1" lang="en-US" altLang="zh-TW" dirty="0"/>
               </a:p>
               <a:p>
+                <a:pPr/>
                 <a14:m>
                   <m:oMathPara xmlns:m="http://schemas.openxmlformats.org/officeDocument/2006/math">
                     <m:oMathParaPr>
@@ -7327,13 +7480,7 @@
                                 <a:rPr lang="en-US" altLang="zh-TW" i="1">
                                   <a:latin typeface="Cambria Math" panose="02040503050406030204" pitchFamily="18" charset="0"/>
                                 </a:rPr>
-                                <m:t>−</m:t>
-                              </m:r>
-                              <m:r>
-                                <a:rPr lang="en-US" altLang="zh-TW" i="1">
-                                  <a:latin typeface="Cambria Math" panose="02040503050406030204" pitchFamily="18" charset="0"/>
-                                </a:rPr>
-                                <m:t>6</m:t>
+                                <m:t>−6</m:t>
                               </m:r>
                             </m:sup>
                           </m:sSup>
@@ -7351,6 +7498,7 @@
                 <a:endParaRPr kumimoji="1" lang="en-US" altLang="zh-TW" dirty="0"/>
               </a:p>
               <a:p>
+                <a:pPr/>
                 <a14:m>
                   <m:oMathPara xmlns:m="http://schemas.openxmlformats.org/officeDocument/2006/math">
                     <m:oMathParaPr>
@@ -7658,7 +7806,7 @@
             </p:txBody>
           </p:sp>
         </mc:Choice>
-        <mc:Fallback>
+        <mc:Fallback xmlns="">
           <p:sp>
             <p:nvSpPr>
               <p:cNvPr id="2" name="文字方塊 1">
@@ -9030,8 +9178,8 @@
           </p:sp>
         </p:grpSp>
       </p:grpSp>
-      <mc:AlternateContent xmlns:mc="http://schemas.openxmlformats.org/markup-compatibility/2006">
-        <mc:Choice xmlns:a14="http://schemas.microsoft.com/office/drawing/2010/main" Requires="a14">
+      <mc:AlternateContent xmlns:mc="http://schemas.openxmlformats.org/markup-compatibility/2006" xmlns:a14="http://schemas.microsoft.com/office/drawing/2010/main">
+        <mc:Choice Requires="a14">
           <p:sp>
             <p:nvSpPr>
               <p:cNvPr id="5" name="文字方塊 4">
@@ -9350,7 +9498,15 @@
                 </a:r>
                 <a:r>
                   <a:rPr lang="zh-TW" altLang="en-US" dirty="0"/>
-                  <a:t> 的寬度要寬一些，拿可以拿取比較多的資訊，</a:t>
+                  <a:t> 的寬度要寬</a:t>
+                </a:r>
+                <a:r>
+                  <a:rPr lang="zh-TW" altLang="en-US"/>
+                  <a:t>一些，才可以</a:t>
+                </a:r>
+                <a:r>
+                  <a:rPr lang="zh-TW" altLang="en-US" dirty="0"/>
+                  <a:t>拿取比較多的資訊，</a:t>
                 </a:r>
                 <a:r>
                   <a:rPr lang="en-US" altLang="zh-TW" dirty="0"/>
@@ -9413,7 +9569,7 @@
             </p:txBody>
           </p:sp>
         </mc:Choice>
-        <mc:Fallback>
+        <mc:Fallback xmlns="">
           <p:sp>
             <p:nvSpPr>
               <p:cNvPr id="5" name="文字方塊 4">
@@ -9965,6 +10121,7 @@
                 </a:r>
               </a:p>
               <a:p>
+                <a:pPr/>
                 <a14:m>
                   <m:oMathPara xmlns:m="http://schemas.openxmlformats.org/officeDocument/2006/math">
                     <m:oMathParaPr>
@@ -10263,19 +10420,7 @@
                             <a:rPr lang="en-US" altLang="zh-TW" sz="1800" i="1">
                               <a:latin typeface="Cambria Math" panose="02040503050406030204" pitchFamily="18" charset="0"/>
                             </a:rPr>
-                            <m:t> </m:t>
-                          </m:r>
-                          <m:r>
-                            <a:rPr lang="en-US" altLang="zh-TW" sz="1800" i="1">
-                              <a:latin typeface="Cambria Math" panose="02040503050406030204" pitchFamily="18" charset="0"/>
-                            </a:rPr>
-                            <m:t>(</m:t>
-                          </m:r>
-                          <m:r>
-                            <a:rPr lang="en-US" altLang="zh-TW" sz="1800" i="1">
-                              <a:latin typeface="Cambria Math" panose="02040503050406030204" pitchFamily="18" charset="0"/>
-                            </a:rPr>
-                            <m:t>1</m:t>
+                            <m:t> (1</m:t>
                           </m:r>
                           <m:r>
                             <a:rPr lang="en-US" altLang="zh-TW" sz="1800" b="0" i="1" smtClean="0">
@@ -10331,13 +10476,7 @@
                             <a:rPr lang="en-US" altLang="zh-TW" sz="1800" i="1">
                               <a:latin typeface="Cambria Math" panose="02040503050406030204" pitchFamily="18" charset="0"/>
                             </a:rPr>
-                            <m:t>)</m:t>
-                          </m:r>
-                          <m:r>
-                            <a:rPr lang="en-US" altLang="zh-TW" sz="1800" i="1">
-                              <a:latin typeface="Cambria Math" panose="02040503050406030204" pitchFamily="18" charset="0"/>
-                            </a:rPr>
-                            <m:t>(</m:t>
+                            <m:t>)(</m:t>
                           </m:r>
                           <m:r>
                             <a:rPr lang="en-US" altLang="zh-TW" sz="1800" b="0" i="1" smtClean="0">
@@ -10612,6 +10751,7 @@
                 <a:endParaRPr kumimoji="1" lang="en-US" altLang="zh-TW" sz="1800" dirty="0"/>
               </a:p>
               <a:p>
+                <a:pPr/>
                 <a14:m>
                   <m:oMathPara xmlns:m="http://schemas.openxmlformats.org/officeDocument/2006/math">
                     <m:oMathParaPr>
@@ -10632,7 +10772,7 @@
                             <a:rPr lang="en-US" altLang="zh-TW" sz="1800" b="0" i="1" smtClean="0">
                               <a:latin typeface="Cambria Math" panose="02040503050406030204" pitchFamily="18" charset="0"/>
                             </a:rPr>
-                            <m:t>𝑥</m:t>
+                            <m:t>h</m:t>
                           </m:r>
                         </m:e>
                       </m:acc>
@@ -11796,8 +11936,8 @@
           </p:sp>
         </p:grpSp>
       </p:grpSp>
-      <mc:AlternateContent xmlns:mc="http://schemas.openxmlformats.org/markup-compatibility/2006">
-        <mc:Choice xmlns:a14="http://schemas.microsoft.com/office/drawing/2010/main" Requires="a14">
+      <mc:AlternateContent xmlns:mc="http://schemas.openxmlformats.org/markup-compatibility/2006" xmlns:a14="http://schemas.microsoft.com/office/drawing/2010/main">
+        <mc:Choice Requires="a14">
           <p:sp>
             <p:nvSpPr>
               <p:cNvPr id="5" name="文字方塊 4">
@@ -12167,13 +12307,7 @@
                             <a:rPr lang="en-US" altLang="zh-TW" sz="1600" i="1">
                               <a:latin typeface="Cambria Math" panose="02040503050406030204" pitchFamily="18" charset="0"/>
                             </a:rPr>
-                            <m:t>−</m:t>
-                          </m:r>
-                          <m:r>
-                            <a:rPr lang="en-US" altLang="zh-TW" sz="1600" i="1">
-                              <a:latin typeface="Cambria Math" panose="02040503050406030204" pitchFamily="18" charset="0"/>
-                            </a:rPr>
-                            <m:t>(0.5</m:t>
+                            <m:t>−(0.5</m:t>
                           </m:r>
                           <m:r>
                             <a:rPr lang="en-US" altLang="zh-TW" sz="1600" b="0" i="1" smtClean="0">
@@ -12241,13 +12375,7 @@
                             <a:rPr lang="en-US" altLang="zh-TW" sz="1600" i="1">
                               <a:latin typeface="Cambria Math" panose="02040503050406030204" pitchFamily="18" charset="0"/>
                             </a:rPr>
-                            <m:t>−</m:t>
-                          </m:r>
-                          <m:r>
-                            <a:rPr lang="en-US" altLang="zh-TW" sz="1600" i="1">
-                              <a:latin typeface="Cambria Math" panose="02040503050406030204" pitchFamily="18" charset="0"/>
-                            </a:rPr>
-                            <m:t>(0.5−</m:t>
+                            <m:t>−(0.5−</m:t>
                           </m:r>
                           <m:f>
                             <m:fPr>
@@ -12330,13 +12458,7 @@
                             <a:rPr lang="en-US" altLang="zh-TW" sz="1600" b="0" i="1" smtClean="0">
                               <a:latin typeface="Cambria Math" panose="02040503050406030204" pitchFamily="18" charset="0"/>
                             </a:rPr>
-                            <m:t>−0.4)</m:t>
-                          </m:r>
-                          <m:r>
-                            <a:rPr lang="en-US" altLang="zh-TW" sz="1600" i="1">
-                              <a:latin typeface="Cambria Math" panose="02040503050406030204" pitchFamily="18" charset="0"/>
-                            </a:rPr>
-                            <m:t>(</m:t>
+                            <m:t>−0.4)(</m:t>
                           </m:r>
                           <m:r>
                             <a:rPr lang="en-US" altLang="zh-TW" sz="1600" b="0" i="1" smtClean="0">
@@ -12348,19 +12470,7 @@
                             <a:rPr lang="en-US" altLang="zh-TW" sz="1600" b="0" i="1" smtClean="0">
                               <a:latin typeface="Cambria Math" panose="02040503050406030204" pitchFamily="18" charset="0"/>
                             </a:rPr>
-                            <m:t>+</m:t>
-                          </m:r>
-                          <m:r>
-                            <a:rPr lang="en-US" altLang="zh-TW" sz="1600" i="1">
-                              <a:latin typeface="Cambria Math" panose="02040503050406030204" pitchFamily="18" charset="0"/>
-                            </a:rPr>
-                            <m:t>0.</m:t>
-                          </m:r>
-                          <m:r>
-                            <a:rPr lang="en-US" altLang="zh-TW" sz="1600" b="0" i="1" smtClean="0">
-                              <a:latin typeface="Cambria Math" panose="02040503050406030204" pitchFamily="18" charset="0"/>
-                            </a:rPr>
-                            <m:t>6)</m:t>
+                            <m:t>+0.6)</m:t>
                           </m:r>
                         </m:den>
                       </m:f>
@@ -12370,10 +12480,10 @@
                 <a:endParaRPr kumimoji="1" lang="en-US" altLang="zh-TW" sz="1600" dirty="0"/>
               </a:p>
               <a:p>
-                <a:pPr/>
                 <a:endParaRPr lang="en-US" altLang="zh-TW" sz="1600" dirty="0"/>
               </a:p>
               <a:p>
+                <a:pPr/>
                 <a14:m>
                   <m:oMathPara xmlns:m="http://schemas.openxmlformats.org/officeDocument/2006/math">
                     <m:oMathParaPr>
@@ -12609,6 +12719,7 @@
                 <a:endParaRPr kumimoji="1" lang="en-US" altLang="zh-TW" sz="1600" dirty="0"/>
               </a:p>
               <a:p>
+                <a:pPr/>
                 <a14:m>
                   <m:oMathPara xmlns:m="http://schemas.openxmlformats.org/officeDocument/2006/math">
                     <m:oMathParaPr>
@@ -12706,13 +12817,7 @@
                             <a:rPr lang="en-US" altLang="zh-TW" sz="1600" i="1">
                               <a:latin typeface="Cambria Math" panose="02040503050406030204" pitchFamily="18" charset="0"/>
                             </a:rPr>
-                            <m:t>0.5</m:t>
-                          </m:r>
-                          <m:r>
-                            <a:rPr lang="en-US" altLang="zh-TW" sz="1600" i="1">
-                              <a:latin typeface="Cambria Math" panose="02040503050406030204" pitchFamily="18" charset="0"/>
-                            </a:rPr>
-                            <m:t>+</m:t>
+                            <m:t>0.5+</m:t>
                           </m:r>
                           <m:f>
                             <m:fPr>
@@ -13222,6 +13327,7 @@
                 <a:endParaRPr lang="en-US" altLang="zh-TW" sz="1600" dirty="0"/>
               </a:p>
               <a:p>
+                <a:pPr/>
                 <a14:m>
                   <m:oMathPara xmlns:m="http://schemas.openxmlformats.org/officeDocument/2006/math">
                     <m:oMathParaPr>
@@ -13289,19 +13395,7 @@
                             <a:rPr lang="en-US" altLang="zh-TW" sz="1600" i="1">
                               <a:latin typeface="Cambria Math" panose="02040503050406030204" pitchFamily="18" charset="0"/>
                             </a:rPr>
-                            <m:t>2</m:t>
-                          </m:r>
-                          <m:r>
-                            <a:rPr lang="en-US" altLang="zh-TW" sz="1600" i="1">
-                              <a:latin typeface="Cambria Math" panose="02040503050406030204" pitchFamily="18" charset="0"/>
-                            </a:rPr>
-                            <m:t> </m:t>
-                          </m:r>
-                          <m:r>
-                            <a:rPr lang="en-US" altLang="zh-TW" sz="1600" i="1">
-                              <a:latin typeface="Cambria Math" panose="02040503050406030204" pitchFamily="18" charset="0"/>
-                            </a:rPr>
-                            <m:t>(</m:t>
+                            <m:t>2 (</m:t>
                           </m:r>
                           <m:r>
                             <a:rPr lang="en-US" altLang="zh-TW" sz="1600" i="1">
@@ -13338,13 +13432,7 @@
                             <a:rPr lang="en-US" altLang="zh-TW" sz="1600" i="1">
                               <a:latin typeface="Cambria Math" panose="02040503050406030204" pitchFamily="18" charset="0"/>
                             </a:rPr>
-                            <m:t>)</m:t>
-                          </m:r>
-                          <m:r>
-                            <a:rPr lang="en-US" altLang="zh-TW" sz="1600" i="1">
-                              <a:latin typeface="Cambria Math" panose="02040503050406030204" pitchFamily="18" charset="0"/>
-                            </a:rPr>
-                            <m:t> (</m:t>
+                            <m:t>) (</m:t>
                           </m:r>
                           <m:r>
                             <a:rPr lang="en-US" altLang="zh-TW" sz="1600" i="1">
@@ -13717,6 +13805,7 @@
                 </a:endParaRPr>
               </a:p>
               <a:p>
+                <a:pPr/>
                 <a14:m>
                   <m:oMathPara xmlns:m="http://schemas.openxmlformats.org/officeDocument/2006/math">
                     <m:oMathParaPr>
@@ -13803,7 +13892,7 @@
             </p:txBody>
           </p:sp>
         </mc:Choice>
-        <mc:Fallback>
+        <mc:Fallback xmlns="">
           <p:sp>
             <p:nvSpPr>
               <p:cNvPr id="5" name="文字方塊 4">
@@ -14163,8 +14252,8 @@
           </p:sp>
         </p:grpSp>
       </p:grpSp>
-      <mc:AlternateContent xmlns:mc="http://schemas.openxmlformats.org/markup-compatibility/2006">
-        <mc:Choice xmlns:a14="http://schemas.microsoft.com/office/drawing/2010/main" Requires="a14">
+      <mc:AlternateContent xmlns:mc="http://schemas.openxmlformats.org/markup-compatibility/2006" xmlns:a14="http://schemas.microsoft.com/office/drawing/2010/main">
+        <mc:Choice Requires="a14">
           <p:sp>
             <p:nvSpPr>
               <p:cNvPr id="5" name="文字方塊 4">
@@ -14377,6 +14466,7 @@
                 <a:endParaRPr kumimoji="1" lang="en-US" altLang="zh-TW" dirty="0"/>
               </a:p>
               <a:p>
+                <a:pPr/>
                 <a14:m>
                   <m:oMathPara xmlns:m="http://schemas.openxmlformats.org/officeDocument/2006/math">
                     <m:oMathParaPr>
@@ -14524,6 +14614,7 @@
                 </a:endParaRPr>
               </a:p>
               <a:p>
+                <a:pPr/>
                 <a14:m>
                   <m:oMathPara xmlns:m="http://schemas.openxmlformats.org/officeDocument/2006/math">
                     <m:oMathParaPr>
@@ -14749,6 +14840,7 @@
                 <a:endParaRPr kumimoji="1" lang="en-US" altLang="zh-TW" dirty="0"/>
               </a:p>
               <a:p>
+                <a:pPr/>
                 <a14:m>
                   <m:oMathPara xmlns:m="http://schemas.openxmlformats.org/officeDocument/2006/math">
                     <m:oMathParaPr>
@@ -14959,6 +15051,7 @@
                 <a:endParaRPr kumimoji="1" lang="en-US" altLang="zh-TW" dirty="0"/>
               </a:p>
               <a:p>
+                <a:pPr/>
                 <a14:m>
                   <m:oMathPara xmlns:m="http://schemas.openxmlformats.org/officeDocument/2006/math">
                     <m:oMathParaPr>
@@ -15044,7 +15137,7 @@
             </p:txBody>
           </p:sp>
         </mc:Choice>
-        <mc:Fallback>
+        <mc:Fallback xmlns="">
           <p:sp>
             <p:nvSpPr>
               <p:cNvPr id="5" name="文字方塊 4">
@@ -15334,60 +15427,560 @@
           </a:p>
         </p:txBody>
       </p:sp>
-      <p:sp>
-        <p:nvSpPr>
-          <p:cNvPr id="2" name="文字方塊 1">
-            <a:extLst>
-              <a:ext uri="{FF2B5EF4-FFF2-40B4-BE49-F238E27FC236}">
-                <a16:creationId xmlns:a16="http://schemas.microsoft.com/office/drawing/2014/main" id="{CCA07ABF-352C-795B-A213-4E6B84D1A0FD}"/>
-              </a:ext>
-            </a:extLst>
-          </p:cNvPr>
-          <p:cNvSpPr txBox="1"/>
-          <p:nvPr/>
-        </p:nvSpPr>
-        <p:spPr>
-          <a:xfrm>
-            <a:off x="278909" y="2132856"/>
-            <a:ext cx="8586181" cy="1631216"/>
-          </a:xfrm>
-          <a:prstGeom prst="rect">
-            <a:avLst/>
-          </a:prstGeom>
-          <a:noFill/>
-        </p:spPr>
-        <p:txBody>
-          <a:bodyPr wrap="square" rtlCol="0">
-            <a:spAutoFit/>
-          </a:bodyPr>
-          <a:lstStyle/>
-          <a:p>
-            <a:r>
-              <a:rPr kumimoji="1" lang="en-US" altLang="zh-TW" dirty="0"/>
-              <a:t>(a)</a:t>
-            </a:r>
-          </a:p>
-          <a:p>
-            <a:endParaRPr kumimoji="1" lang="en-US" altLang="zh-TW" dirty="0"/>
-          </a:p>
-          <a:p>
-            <a:r>
-              <a:rPr lang="en-US" altLang="zh-TW" dirty="0"/>
-              <a:t>(b)</a:t>
-            </a:r>
-          </a:p>
-          <a:p>
-            <a:endParaRPr kumimoji="1" lang="en-US" altLang="zh-TW" dirty="0"/>
-          </a:p>
-          <a:p>
-            <a:r>
-              <a:rPr lang="en-US" altLang="zh-TW" dirty="0"/>
-              <a:t>(c)</a:t>
-            </a:r>
-            <a:endParaRPr kumimoji="1" lang="zh-TW" altLang="en-US" dirty="0"/>
-          </a:p>
-        </p:txBody>
-      </p:sp>
+      <mc:AlternateContent xmlns:mc="http://schemas.openxmlformats.org/markup-compatibility/2006" xmlns:a14="http://schemas.microsoft.com/office/drawing/2010/main">
+        <mc:Choice Requires="a14">
+          <p:sp>
+            <p:nvSpPr>
+              <p:cNvPr id="2" name="文字方塊 1">
+                <a:extLst>
+                  <a:ext uri="{FF2B5EF4-FFF2-40B4-BE49-F238E27FC236}">
+                    <a16:creationId xmlns:a16="http://schemas.microsoft.com/office/drawing/2014/main" id="{CCA07ABF-352C-795B-A213-4E6B84D1A0FD}"/>
+                  </a:ext>
+                </a:extLst>
+              </p:cNvPr>
+              <p:cNvSpPr txBox="1"/>
+              <p:nvPr/>
+            </p:nvSpPr>
+            <p:spPr>
+              <a:xfrm>
+                <a:off x="278909" y="2132856"/>
+                <a:ext cx="8586181" cy="4110292"/>
+              </a:xfrm>
+              <a:prstGeom prst="rect">
+                <a:avLst/>
+              </a:prstGeom>
+              <a:noFill/>
+            </p:spPr>
+            <p:txBody>
+              <a:bodyPr wrap="square" rtlCol="0">
+                <a:spAutoFit/>
+              </a:bodyPr>
+              <a:lstStyle/>
+              <a:p>
+                <a:r>
+                  <a:rPr kumimoji="1" lang="en-US" altLang="zh-TW" dirty="0"/>
+                  <a:t>(a)</a:t>
+                </a:r>
+              </a:p>
+              <a:p>
+                <a:r>
+                  <a:rPr lang="zh-TW" altLang="en-US" dirty="0"/>
+                  <a:t>根據 </a:t>
+                </a:r>
+                <a:r>
+                  <a:rPr lang="en-US" altLang="zh-TW" dirty="0"/>
+                  <a:t>p.124</a:t>
+                </a:r>
+                <a:r>
+                  <a:rPr lang="zh-TW" altLang="en-US" dirty="0"/>
+                  <a:t>，</a:t>
+                </a:r>
+                <a:r>
+                  <a:rPr lang="en-US" altLang="zh-TW" dirty="0"/>
+                  <a:t>minimum phase filter</a:t>
+                </a:r>
+                <a:r>
+                  <a:rPr lang="zh-TW" altLang="en-US" dirty="0"/>
+                  <a:t> 可以讓</a:t>
+                </a:r>
+                <a:endParaRPr kumimoji="1" lang="en-US" altLang="zh-TW" dirty="0"/>
+              </a:p>
+              <a:p>
+                <a:pPr marL="457200" indent="-457200">
+                  <a:buAutoNum type="arabicPeriod"/>
+                </a:pPr>
+                <a:r>
+                  <a:rPr lang="en-US" altLang="zh-TW" dirty="0"/>
+                  <a:t>E</a:t>
+                </a:r>
+                <a:r>
+                  <a:rPr kumimoji="1" lang="en-US" altLang="zh-TW" dirty="0"/>
+                  <a:t>nergy</a:t>
+                </a:r>
+                <a:r>
+                  <a:rPr kumimoji="1" lang="zh-TW" altLang="en-US" dirty="0"/>
+                  <a:t> </a:t>
+                </a:r>
+                <a:r>
+                  <a:rPr kumimoji="1" lang="en-US" altLang="zh-TW" dirty="0"/>
+                  <a:t>concentrating</a:t>
+                </a:r>
+                <a:r>
+                  <a:rPr kumimoji="1" lang="zh-TW" altLang="en-US" dirty="0"/>
+                  <a:t> </a:t>
+                </a:r>
+                <a:r>
+                  <a:rPr kumimoji="1" lang="en-US" altLang="zh-TW" dirty="0"/>
+                  <a:t>on</a:t>
+                </a:r>
+                <a:r>
+                  <a:rPr kumimoji="1" lang="zh-TW" altLang="en-US" dirty="0"/>
+                  <a:t> </a:t>
+                </a:r>
+                <a:r>
+                  <a:rPr kumimoji="1" lang="en-US" altLang="zh-TW" dirty="0"/>
+                  <a:t>the</a:t>
+                </a:r>
+                <a:r>
+                  <a:rPr kumimoji="1" lang="zh-TW" altLang="en-US" dirty="0"/>
+                  <a:t> </a:t>
+                </a:r>
+                <a:r>
+                  <a:rPr kumimoji="1" lang="en-US" altLang="zh-TW" dirty="0"/>
+                  <a:t>region</a:t>
+                </a:r>
+                <a:r>
+                  <a:rPr kumimoji="1" lang="zh-TW" altLang="en-US" dirty="0"/>
+                  <a:t> </a:t>
+                </a:r>
+                <a:r>
+                  <a:rPr kumimoji="1" lang="en-US" altLang="zh-TW" dirty="0"/>
+                  <a:t>near</a:t>
+                </a:r>
+                <a:r>
+                  <a:rPr kumimoji="1" lang="zh-TW" altLang="en-US" dirty="0"/>
+                  <a:t> </a:t>
+                </a:r>
+                <a:r>
+                  <a:rPr kumimoji="1" lang="en-US" altLang="zh-TW" dirty="0"/>
+                  <a:t>to</a:t>
+                </a:r>
+                <a:r>
+                  <a:rPr kumimoji="1" lang="zh-TW" altLang="en-US" dirty="0"/>
+                  <a:t> </a:t>
+                </a:r>
+                <a:r>
+                  <a:rPr kumimoji="1" lang="en-US" altLang="zh-TW" dirty="0"/>
+                  <a:t>n=0.</a:t>
+                </a:r>
+              </a:p>
+              <a:p>
+                <a:pPr marL="457200" indent="-457200">
+                  <a:buAutoNum type="arabicPeriod"/>
+                </a:pPr>
+                <a:r>
+                  <a:rPr lang="en-US" altLang="zh-TW" dirty="0"/>
+                  <a:t>Both</a:t>
+                </a:r>
+                <a:r>
+                  <a:rPr lang="zh-TW" altLang="en-US" dirty="0"/>
+                  <a:t> </a:t>
+                </a:r>
+                <a:r>
+                  <a:rPr lang="en-US" altLang="zh-TW" dirty="0"/>
+                  <a:t>the</a:t>
+                </a:r>
+                <a:r>
+                  <a:rPr lang="zh-TW" altLang="en-US" dirty="0"/>
+                  <a:t> </a:t>
+                </a:r>
+                <a:r>
+                  <a:rPr lang="en-US" altLang="zh-TW" dirty="0"/>
+                  <a:t>forward</a:t>
+                </a:r>
+                <a:r>
+                  <a:rPr lang="zh-TW" altLang="en-US" dirty="0"/>
+                  <a:t> </a:t>
+                </a:r>
+                <a:r>
+                  <a:rPr lang="en-US" altLang="zh-TW" dirty="0"/>
+                  <a:t>and</a:t>
+                </a:r>
+                <a:r>
+                  <a:rPr lang="zh-TW" altLang="en-US" dirty="0"/>
+                  <a:t> </a:t>
+                </a:r>
+                <a:r>
+                  <a:rPr lang="en-US" altLang="zh-TW" dirty="0"/>
+                  <a:t>the</a:t>
+                </a:r>
+                <a:r>
+                  <a:rPr lang="zh-TW" altLang="en-US" dirty="0"/>
+                  <a:t> </a:t>
+                </a:r>
+                <a:r>
+                  <a:rPr lang="en-US" altLang="zh-TW" dirty="0"/>
+                  <a:t>inverse</a:t>
+                </a:r>
+                <a:r>
+                  <a:rPr lang="zh-TW" altLang="en-US" dirty="0"/>
+                  <a:t> </a:t>
+                </a:r>
+                <a:r>
+                  <a:rPr lang="en-US" altLang="zh-TW" dirty="0"/>
+                  <a:t>transforms</a:t>
+                </a:r>
+                <a:r>
+                  <a:rPr lang="zh-TW" altLang="en-US" dirty="0"/>
+                  <a:t> </a:t>
+                </a:r>
+                <a:r>
+                  <a:rPr lang="en-US" altLang="zh-TW" dirty="0"/>
+                  <a:t>stable.</a:t>
+                </a:r>
+                <a:endParaRPr kumimoji="1" lang="en-US" altLang="zh-TW" dirty="0"/>
+              </a:p>
+              <a:p>
+                <a:r>
+                  <a:rPr lang="en-US" altLang="zh-TW" dirty="0"/>
+                  <a:t>(b)</a:t>
+                </a:r>
+              </a:p>
+              <a:p>
+                <a:pPr marL="457200" indent="-457200">
+                  <a:buAutoNum type="arabicPeriod"/>
+                </a:pPr>
+                <a:r>
+                  <a:rPr lang="en-US" altLang="zh-TW" dirty="0"/>
+                  <a:t>Analytic function</a:t>
+                </a:r>
+                <a:r>
+                  <a:rPr lang="zh-TW" altLang="en-US" dirty="0"/>
+                  <a:t>，有助於產生 </a:t>
+                </a:r>
+                <a:r>
+                  <a:rPr lang="en-US" altLang="zh-TW" dirty="0"/>
+                  <a:t>single-sided</a:t>
+                </a:r>
+                <a:r>
+                  <a:rPr lang="zh-TW" altLang="en-US" dirty="0"/>
+                  <a:t> </a:t>
+                </a:r>
+                <a:r>
+                  <a:rPr lang="en-US" altLang="zh-TW" dirty="0"/>
+                  <a:t>band</a:t>
+                </a:r>
+                <a:r>
+                  <a:rPr lang="zh-TW" altLang="en-US" dirty="0"/>
+                  <a:t> 訊號。</a:t>
+                </a:r>
+                <a:endParaRPr lang="en-US" altLang="zh-TW" dirty="0"/>
+              </a:p>
+              <a:p>
+                <a:pPr marL="457200" indent="-457200">
+                  <a:buFontTx/>
+                  <a:buAutoNum type="arabicPeriod"/>
+                </a:pPr>
+                <a:r>
+                  <a:rPr lang="en-US" altLang="zh-TW" dirty="0"/>
+                  <a:t>E</a:t>
+                </a:r>
+                <a:r>
+                  <a:rPr kumimoji="1" lang="en-US" altLang="zh-TW" dirty="0"/>
+                  <a:t>dge detection</a:t>
+                </a:r>
+                <a:r>
+                  <a:rPr kumimoji="1" lang="zh-TW" altLang="en-US" dirty="0"/>
+                  <a:t>，符合</a:t>
+                </a:r>
+                <a:r>
+                  <a:rPr lang="zh-TW" altLang="en-US" dirty="0"/>
+                  <a:t>能量隨著 </a:t>
+                </a:r>
+                <a:r>
+                  <a:rPr lang="en-US" altLang="zh-TW" dirty="0"/>
+                  <a:t>|n| </a:t>
+                </a:r>
+                <a:r>
+                  <a:rPr lang="zh-TW" altLang="en-US" dirty="0"/>
+                  <a:t>遞減的 </a:t>
+                </a:r>
+                <a:r>
+                  <a:rPr lang="en-US" altLang="zh-TW" dirty="0"/>
+                  <a:t>odd function</a:t>
+                </a:r>
+                <a:r>
+                  <a:rPr lang="zh-TW" altLang="en-US" dirty="0"/>
+                  <a:t>。</a:t>
+                </a:r>
+                <a:endParaRPr kumimoji="1" lang="en-US" altLang="zh-TW" dirty="0"/>
+              </a:p>
+              <a:p>
+                <a:r>
+                  <a:rPr lang="en-US" altLang="zh-TW" dirty="0"/>
+                  <a:t>(c)</a:t>
+                </a:r>
+              </a:p>
+              <a:p>
+                <a:r>
+                  <a:rPr lang="en-US" altLang="zh-TW" dirty="0"/>
+                  <a:t>Equalizer</a:t>
+                </a:r>
+                <a:r>
+                  <a:rPr lang="zh-TW" altLang="en-US" dirty="0"/>
+                  <a:t> 的 </a:t>
+                </a:r>
+                <a14:m>
+                  <m:oMath xmlns:m="http://schemas.openxmlformats.org/officeDocument/2006/math">
+                    <m:r>
+                      <a:rPr lang="en-US" altLang="zh-TW" b="0" i="1" smtClean="0">
+                        <a:latin typeface="Cambria Math" panose="02040503050406030204" pitchFamily="18" charset="0"/>
+                      </a:rPr>
+                      <m:t>𝐻</m:t>
+                    </m:r>
+                    <m:d>
+                      <m:dPr>
+                        <m:ctrlPr>
+                          <a:rPr lang="en-US" altLang="zh-TW" b="0" i="1" smtClean="0">
+                            <a:latin typeface="Cambria Math" panose="02040503050406030204" pitchFamily="18" charset="0"/>
+                          </a:rPr>
+                        </m:ctrlPr>
+                      </m:dPr>
+                      <m:e>
+                        <m:r>
+                          <a:rPr lang="en-US" altLang="zh-TW" b="0" i="1" smtClean="0">
+                            <a:latin typeface="Cambria Math" panose="02040503050406030204" pitchFamily="18" charset="0"/>
+                          </a:rPr>
+                          <m:t>𝑧</m:t>
+                        </m:r>
+                      </m:e>
+                    </m:d>
+                    <m:r>
+                      <a:rPr lang="zh-TW" altLang="en-US" b="0" i="1" smtClean="0">
+                        <a:latin typeface="Cambria Math" panose="02040503050406030204" pitchFamily="18" charset="0"/>
+                      </a:rPr>
+                      <m:t> </m:t>
+                    </m:r>
+                  </m:oMath>
+                </a14:m>
+                <a:r>
+                  <a:rPr lang="zh-TW" altLang="en-US" dirty="0"/>
+                  <a:t>是取倒數來的，可能產生趨近無限大變成 </a:t>
+                </a:r>
+                <a:r>
+                  <a:rPr lang="en-US" altLang="zh-TW" dirty="0"/>
+                  <a:t>unstable</a:t>
+                </a:r>
+                <a:r>
+                  <a:rPr lang="zh-TW" altLang="en-US" dirty="0"/>
+                  <a:t> 的問題，且 </a:t>
+                </a:r>
+                <a:r>
+                  <a:rPr lang="en-US" altLang="zh-TW" dirty="0"/>
+                  <a:t>Equalizer</a:t>
+                </a:r>
+                <a:r>
+                  <a:rPr lang="zh-TW" altLang="en-US" dirty="0"/>
+                  <a:t> 通常是 </a:t>
+                </a:r>
+                <a:r>
+                  <a:rPr lang="en-US" altLang="zh-TW" dirty="0"/>
+                  <a:t>dynamic</a:t>
+                </a:r>
+                <a:r>
+                  <a:rPr lang="zh-TW" altLang="en-US" dirty="0"/>
+                  <a:t> </a:t>
+                </a:r>
+                <a:r>
+                  <a:rPr lang="en-US" altLang="zh-TW" dirty="0"/>
+                  <a:t>response</a:t>
+                </a:r>
+                <a:r>
+                  <a:rPr lang="zh-TW" altLang="en-US" dirty="0"/>
+                  <a:t>，在 </a:t>
+                </a:r>
+                <a14:m>
+                  <m:oMath xmlns:m="http://schemas.openxmlformats.org/officeDocument/2006/math">
+                    <m:r>
+                      <a:rPr lang="zh-TW" altLang="en-US" i="1" smtClean="0">
+                        <a:latin typeface="Cambria Math" panose="02040503050406030204" pitchFamily="18" charset="0"/>
+                      </a:rPr>
+                      <m:t>𝛼</m:t>
+                    </m:r>
+                    <m:r>
+                      <a:rPr lang="zh-TW" altLang="en-US" b="0" i="1" smtClean="0">
+                        <a:latin typeface="Cambria Math" panose="02040503050406030204" pitchFamily="18" charset="0"/>
+                      </a:rPr>
+                      <m:t> </m:t>
+                    </m:r>
+                    <m:r>
+                      <a:rPr lang="zh-TW" altLang="en-US" i="1">
+                        <a:latin typeface="Cambria Math" panose="02040503050406030204" pitchFamily="18" charset="0"/>
+                      </a:rPr>
+                      <m:t>與</m:t>
+                    </m:r>
+                    <m:r>
+                      <a:rPr lang="zh-TW" altLang="en-US" b="0" i="1" smtClean="0">
+                        <a:latin typeface="Cambria Math" panose="02040503050406030204" pitchFamily="18" charset="0"/>
+                      </a:rPr>
+                      <m:t> </m:t>
+                    </m:r>
+                    <m:r>
+                      <a:rPr lang="zh-TW" altLang="en-US" i="1" smtClean="0">
+                        <a:latin typeface="Cambria Math" panose="02040503050406030204" pitchFamily="18" charset="0"/>
+                      </a:rPr>
+                      <m:t>𝜏</m:t>
+                    </m:r>
+                    <m:r>
+                      <a:rPr lang="zh-TW" altLang="en-US" b="0" i="1" smtClean="0">
+                        <a:latin typeface="Cambria Math" panose="02040503050406030204" pitchFamily="18" charset="0"/>
+                      </a:rPr>
+                      <m:t> </m:t>
+                    </m:r>
+                  </m:oMath>
+                </a14:m>
+                <a:r>
+                  <a:rPr kumimoji="1" lang="zh-TW" altLang="en-US" dirty="0"/>
+                  <a:t>參數上的估計很困難。</a:t>
+                </a:r>
+                <a:endParaRPr kumimoji="1" lang="en-US" altLang="zh-TW" dirty="0"/>
+              </a:p>
+              <a:p>
+                <a:r>
+                  <a:rPr lang="en-US" altLang="zh-TW" dirty="0" err="1"/>
+                  <a:t>Cepstrum</a:t>
+                </a:r>
+                <a:r>
+                  <a:rPr lang="zh-TW" altLang="en-US" dirty="0"/>
+                  <a:t> 透過控制響應，只要把 </a:t>
+                </a:r>
+                <a14:m>
+                  <m:oMath xmlns:m="http://schemas.openxmlformats.org/officeDocument/2006/math">
+                    <m:acc>
+                      <m:accPr>
+                        <m:chr m:val="̂"/>
+                        <m:ctrlPr>
+                          <a:rPr lang="zh-TW" altLang="en-US" i="1" smtClean="0">
+                            <a:latin typeface="Cambria Math" panose="02040503050406030204" pitchFamily="18" charset="0"/>
+                          </a:rPr>
+                        </m:ctrlPr>
+                      </m:accPr>
+                      <m:e>
+                        <m:r>
+                          <a:rPr lang="en-US" altLang="zh-TW" b="0" i="1" smtClean="0">
+                            <a:latin typeface="Cambria Math" panose="02040503050406030204" pitchFamily="18" charset="0"/>
+                          </a:rPr>
+                          <m:t>h</m:t>
+                        </m:r>
+                      </m:e>
+                    </m:acc>
+                    <m:r>
+                      <a:rPr lang="en-US" altLang="zh-TW" b="0" i="1" smtClean="0">
+                        <a:latin typeface="Cambria Math" panose="02040503050406030204" pitchFamily="18" charset="0"/>
+                      </a:rPr>
+                      <m:t>[</m:t>
+                    </m:r>
+                    <m:r>
+                      <a:rPr lang="en-US" altLang="zh-TW" b="0" i="1" smtClean="0">
+                        <a:latin typeface="Cambria Math" panose="02040503050406030204" pitchFamily="18" charset="0"/>
+                      </a:rPr>
+                      <m:t>𝑛</m:t>
+                    </m:r>
+                    <m:r>
+                      <a:rPr lang="en-US" altLang="zh-TW" b="0" i="1" smtClean="0">
+                        <a:latin typeface="Cambria Math" panose="02040503050406030204" pitchFamily="18" charset="0"/>
+                      </a:rPr>
+                      <m:t>]</m:t>
+                    </m:r>
+                  </m:oMath>
+                </a14:m>
+                <a:r>
+                  <a:rPr kumimoji="1" lang="zh-TW" altLang="en-US" dirty="0"/>
+                  <a:t> </a:t>
+                </a:r>
+                <a:r>
+                  <a:rPr lang="zh-TW" altLang="en-US" dirty="0"/>
+                  <a:t>的地方變成響應為 </a:t>
+                </a:r>
+                <a:r>
+                  <a:rPr lang="en-US" altLang="zh-TW" dirty="0"/>
+                  <a:t>0</a:t>
+                </a:r>
+                <a:r>
+                  <a:rPr lang="zh-TW" altLang="en-US" dirty="0"/>
+                  <a:t>，其他地方響應為 </a:t>
+                </a:r>
+                <a:r>
+                  <a:rPr lang="en-US" altLang="zh-TW" dirty="0"/>
+                  <a:t>1</a:t>
+                </a:r>
+                <a:r>
+                  <a:rPr lang="zh-TW" altLang="en-US" dirty="0"/>
+                  <a:t>，不需要算出 </a:t>
+                </a:r>
+                <a14:m>
+                  <m:oMath xmlns:m="http://schemas.openxmlformats.org/officeDocument/2006/math">
+                    <m:r>
+                      <a:rPr lang="zh-TW" altLang="en-US" i="1">
+                        <a:latin typeface="Cambria Math" panose="02040503050406030204" pitchFamily="18" charset="0"/>
+                      </a:rPr>
+                      <m:t>𝛼</m:t>
+                    </m:r>
+                    <m:r>
+                      <a:rPr lang="zh-TW" altLang="en-US" i="1">
+                        <a:latin typeface="Cambria Math" panose="02040503050406030204" pitchFamily="18" charset="0"/>
+                      </a:rPr>
+                      <m:t> </m:t>
+                    </m:r>
+                    <m:r>
+                      <a:rPr lang="zh-TW" altLang="en-US" i="1" smtClean="0">
+                        <a:latin typeface="Cambria Math" panose="02040503050406030204" pitchFamily="18" charset="0"/>
+                      </a:rPr>
+                      <m:t>等</m:t>
+                    </m:r>
+                  </m:oMath>
+                </a14:m>
+                <a:r>
+                  <a:rPr lang="zh-TW" altLang="en-US" dirty="0"/>
+                  <a:t>參數，也可以設計出還原濾波器。且可以避免取倒數分母會變成 </a:t>
+                </a:r>
+                <a:r>
+                  <a:rPr lang="en-US" altLang="zh-TW" dirty="0"/>
+                  <a:t>0</a:t>
+                </a:r>
+                <a:r>
+                  <a:rPr lang="zh-TW" altLang="en-US" dirty="0"/>
+                  <a:t>，造成響應無限大的情況。</a:t>
+                </a:r>
+              </a:p>
+            </p:txBody>
+          </p:sp>
+        </mc:Choice>
+        <mc:Fallback xmlns="">
+          <p:sp>
+            <p:nvSpPr>
+              <p:cNvPr id="2" name="文字方塊 1">
+                <a:extLst>
+                  <a:ext uri="{FF2B5EF4-FFF2-40B4-BE49-F238E27FC236}">
+                    <a16:creationId xmlns:a16="http://schemas.microsoft.com/office/drawing/2014/main" id="{CCA07ABF-352C-795B-A213-4E6B84D1A0FD}"/>
+                  </a:ext>
+                </a:extLst>
+              </p:cNvPr>
+              <p:cNvSpPr txBox="1">
+                <a:spLocks noRot="1" noChangeAspect="1" noMove="1" noResize="1" noEditPoints="1" noAdjustHandles="1" noChangeArrowheads="1" noChangeShapeType="1" noTextEdit="1"/>
+              </p:cNvSpPr>
+              <p:nvPr/>
+            </p:nvSpPr>
+            <p:spPr>
+              <a:xfrm>
+                <a:off x="278909" y="2132856"/>
+                <a:ext cx="8586181" cy="4110292"/>
+              </a:xfrm>
+              <a:prstGeom prst="rect">
+                <a:avLst/>
+              </a:prstGeom>
+              <a:blipFill>
+                <a:blip r:embed="rId2"/>
+                <a:stretch>
+                  <a:fillRect l="-888" t="-926" r="-3698" b="-1852"/>
+                </a:stretch>
+              </a:blipFill>
+            </p:spPr>
+            <p:txBody>
+              <a:bodyPr/>
+              <a:lstStyle/>
+              <a:p>
+                <a:r>
+                  <a:rPr lang="zh-TW" altLang="en-US">
+                    <a:noFill/>
+                  </a:rPr>
+                  <a:t> </a:t>
+                </a:r>
+              </a:p>
+            </p:txBody>
+          </p:sp>
+        </mc:Fallback>
+      </mc:AlternateContent>
     </p:spTree>
   </p:cSld>
   <p:clrMapOvr>
